--- a/documentation/Презентация.pptx
+++ b/documentation/Презентация.pptx
@@ -1,29 +1,29 @@
 
 <file path=ppt/presentation.xml><?xml version="1.0" encoding="utf-8"?>
-<p:presentation xmlns:a="http://schemas.openxmlformats.org/drawingml/2006/main" xmlns:r="http://schemas.openxmlformats.org/officeDocument/2006/relationships" xmlns:p="http://schemas.openxmlformats.org/presentationml/2006/main" saveSubsetFonts="1" autoCompressPictures="0">
+<p:presentation xmlns:a="http://schemas.openxmlformats.org/drawingml/2006/main" xmlns:r="http://schemas.openxmlformats.org/officeDocument/2006/relationships" xmlns:p="http://schemas.openxmlformats.org/presentationml/2006/main" xmlns:m="http://schemas.openxmlformats.org/officeDocument/2006/math" xmlns:w="http://schemas.openxmlformats.org/wordprocessingml/2006/main" autoCompressPictures="0" saveSubsetFonts="1">
   <p:sldMasterIdLst>
     <p:sldMasterId id="2147483648" r:id="rId1"/>
   </p:sldMasterIdLst>
   <p:notesMasterIdLst>
-    <p:notesMasterId r:id="rId12"/>
+    <p:notesMasterId r:id="rId14"/>
   </p:notesMasterIdLst>
   <p:sldIdLst>
-    <p:sldId id="256" r:id="rId2"/>
-    <p:sldId id="257" r:id="rId3"/>
-    <p:sldId id="258" r:id="rId4"/>
-    <p:sldId id="259" r:id="rId5"/>
-    <p:sldId id="260" r:id="rId6"/>
-    <p:sldId id="261" r:id="rId7"/>
-    <p:sldId id="262" r:id="rId8"/>
-    <p:sldId id="263" r:id="rId9"/>
-    <p:sldId id="264" r:id="rId10"/>
-    <p:sldId id="265" r:id="rId11"/>
+    <p:sldId id="256" r:id="rId4"/>
+    <p:sldId id="257" r:id="rId5"/>
+    <p:sldId id="258" r:id="rId6"/>
+    <p:sldId id="259" r:id="rId7"/>
+    <p:sldId id="260" r:id="rId8"/>
+    <p:sldId id="261" r:id="rId9"/>
+    <p:sldId id="262" r:id="rId10"/>
+    <p:sldId id="263" r:id="rId11"/>
+    <p:sldId id="264" r:id="rId12"/>
+    <p:sldId id="265" r:id="rId13"/>
   </p:sldIdLst>
   <p:sldSz cx="18288000" cy="10287000"/>
   <p:notesSz cx="10287000" cy="18288000"/>
   <p:defaultTextStyle>
-    <a:lvl1pPr marL="0" algn="l" defTabSz="914400" rtl="0" eaLnBrk="1" latinLnBrk="0" hangingPunct="1">
-      <a:defRPr sz="1800" kern="1200">
+    <a:lvl1pPr marL="0" algn="l" defTabSz="914400">
+      <a:defRPr sz="1800">
         <a:solidFill>
           <a:schemeClr val="tx1"/>
         </a:solidFill>
@@ -32,8 +32,8 @@
         <a:cs typeface="+mn-cs"/>
       </a:defRPr>
     </a:lvl1pPr>
-    <a:lvl2pPr marL="457200" algn="l" defTabSz="914400" rtl="0" eaLnBrk="1" latinLnBrk="0" hangingPunct="1">
-      <a:defRPr sz="1800" kern="1200">
+    <a:lvl2pPr marL="457200" algn="l" defTabSz="914400">
+      <a:defRPr sz="1800">
         <a:solidFill>
           <a:schemeClr val="tx1"/>
         </a:solidFill>
@@ -42,8 +42,8 @@
         <a:cs typeface="+mn-cs"/>
       </a:defRPr>
     </a:lvl2pPr>
-    <a:lvl3pPr marL="914400" algn="l" defTabSz="914400" rtl="0" eaLnBrk="1" latinLnBrk="0" hangingPunct="1">
-      <a:defRPr sz="1800" kern="1200">
+    <a:lvl3pPr marL="914400" algn="l" defTabSz="914400">
+      <a:defRPr sz="1800">
         <a:solidFill>
           <a:schemeClr val="tx1"/>
         </a:solidFill>
@@ -52,8 +52,8 @@
         <a:cs typeface="+mn-cs"/>
       </a:defRPr>
     </a:lvl3pPr>
-    <a:lvl4pPr marL="1371600" algn="l" defTabSz="914400" rtl="0" eaLnBrk="1" latinLnBrk="0" hangingPunct="1">
-      <a:defRPr sz="1800" kern="1200">
+    <a:lvl4pPr marL="1371600" algn="l" defTabSz="914400">
+      <a:defRPr sz="1800">
         <a:solidFill>
           <a:schemeClr val="tx1"/>
         </a:solidFill>
@@ -62,8 +62,8 @@
         <a:cs typeface="+mn-cs"/>
       </a:defRPr>
     </a:lvl4pPr>
-    <a:lvl5pPr marL="1828800" algn="l" defTabSz="914400" rtl="0" eaLnBrk="1" latinLnBrk="0" hangingPunct="1">
-      <a:defRPr sz="1800" kern="1200">
+    <a:lvl5pPr marL="1828800" algn="l" defTabSz="914400">
+      <a:defRPr sz="1800">
         <a:solidFill>
           <a:schemeClr val="tx1"/>
         </a:solidFill>
@@ -72,8 +72,8 @@
         <a:cs typeface="+mn-cs"/>
       </a:defRPr>
     </a:lvl5pPr>
-    <a:lvl6pPr marL="2286000" algn="l" defTabSz="914400" rtl="0" eaLnBrk="1" latinLnBrk="0" hangingPunct="1">
-      <a:defRPr sz="1800" kern="1200">
+    <a:lvl6pPr marL="2286000" algn="l" defTabSz="914400">
+      <a:defRPr sz="1800">
         <a:solidFill>
           <a:schemeClr val="tx1"/>
         </a:solidFill>
@@ -82,8 +82,8 @@
         <a:cs typeface="+mn-cs"/>
       </a:defRPr>
     </a:lvl6pPr>
-    <a:lvl7pPr marL="2743200" algn="l" defTabSz="914400" rtl="0" eaLnBrk="1" latinLnBrk="0" hangingPunct="1">
-      <a:defRPr sz="1800" kern="1200">
+    <a:lvl7pPr marL="2743200" algn="l" defTabSz="914400">
+      <a:defRPr sz="1800">
         <a:solidFill>
           <a:schemeClr val="tx1"/>
         </a:solidFill>
@@ -92,8 +92,8 @@
         <a:cs typeface="+mn-cs"/>
       </a:defRPr>
     </a:lvl7pPr>
-    <a:lvl8pPr marL="3200400" algn="l" defTabSz="914400" rtl="0" eaLnBrk="1" latinLnBrk="0" hangingPunct="1">
-      <a:defRPr sz="1800" kern="1200">
+    <a:lvl8pPr marL="3200400" algn="l" defTabSz="914400">
+      <a:defRPr sz="1800">
         <a:solidFill>
           <a:schemeClr val="tx1"/>
         </a:solidFill>
@@ -102,8 +102,8 @@
         <a:cs typeface="+mn-cs"/>
       </a:defRPr>
     </a:lvl8pPr>
-    <a:lvl9pPr marL="3657600" algn="l" defTabSz="914400" rtl="0" eaLnBrk="1" latinLnBrk="0" hangingPunct="1">
-      <a:defRPr sz="1800" kern="1200">
+    <a:lvl9pPr marL="3657600" algn="l" defTabSz="914400">
+      <a:defRPr sz="1800">
         <a:solidFill>
           <a:schemeClr val="tx1"/>
         </a:solidFill>
@@ -113,17 +113,12 @@
       </a:defRPr>
     </a:lvl9pPr>
   </p:defaultTextStyle>
-  <p:extLst>
-    <p:ext uri="{EFAFB233-063F-42B5-8137-9DF3F51BA10A}">
-      <p15:sldGuideLst xmlns:p15="http://schemas.microsoft.com/office/powerpoint/2012/main"/>
-    </p:ext>
-  </p:extLst>
 </p:presentation>
 </file>
 
 <file path=ppt/notesMasters/notesMaster1.xml><?xml version="1.0" encoding="utf-8"?>
 <p:notesMaster xmlns:a="http://schemas.openxmlformats.org/drawingml/2006/main" xmlns:r="http://schemas.openxmlformats.org/officeDocument/2006/relationships" xmlns:p="http://schemas.openxmlformats.org/presentationml/2006/main">
-  <p:cSld>
+  <p:cSld name="">
     <p:bg>
       <p:bgRef idx="1001">
         <a:schemeClr val="bg1"/>
@@ -135,7 +130,7 @@
         <p:cNvGrpSpPr/>
         <p:nvPr/>
       </p:nvGrpSpPr>
-      <p:grpSpPr>
+      <p:grpSpPr bwMode="auto">
         <a:xfrm>
           <a:off x="0" y="0"/>
           <a:ext cx="0" cy="0"/>
@@ -144,16 +139,11 @@
         </a:xfrm>
       </p:grpSpPr>
     </p:spTree>
-    <p:extLst>
-      <p:ext uri="{BB962C8B-B14F-4D97-AF65-F5344CB8AC3E}">
-        <p14:creationId xmlns:p14="http://schemas.microsoft.com/office/powerpoint/2010/main" val="722882504"/>
-      </p:ext>
-    </p:extLst>
   </p:cSld>
   <p:clrMap bg1="lt1" tx1="dk1" bg2="lt2" tx2="dk2" accent1="accent1" accent2="accent2" accent3="accent3" accent4="accent4" accent5="accent5" accent6="accent6" hlink="hlink" folHlink="folHlink"/>
   <p:notesStyle>
-    <a:lvl1pPr marL="0" algn="l" defTabSz="914400" rtl="0" eaLnBrk="1" latinLnBrk="0" hangingPunct="1">
-      <a:defRPr sz="1200" kern="1200">
+    <a:lvl1pPr marL="0" algn="l" defTabSz="914400">
+      <a:defRPr sz="1200">
         <a:solidFill>
           <a:schemeClr val="tx1"/>
         </a:solidFill>
@@ -162,8 +152,8 @@
         <a:cs typeface="+mn-cs"/>
       </a:defRPr>
     </a:lvl1pPr>
-    <a:lvl2pPr marL="457200" algn="l" defTabSz="914400" rtl="0" eaLnBrk="1" latinLnBrk="0" hangingPunct="1">
-      <a:defRPr sz="1200" kern="1200">
+    <a:lvl2pPr marL="457200" algn="l" defTabSz="914400">
+      <a:defRPr sz="1200">
         <a:solidFill>
           <a:schemeClr val="tx1"/>
         </a:solidFill>
@@ -172,8 +162,8 @@
         <a:cs typeface="+mn-cs"/>
       </a:defRPr>
     </a:lvl2pPr>
-    <a:lvl3pPr marL="914400" algn="l" defTabSz="914400" rtl="0" eaLnBrk="1" latinLnBrk="0" hangingPunct="1">
-      <a:defRPr sz="1200" kern="1200">
+    <a:lvl3pPr marL="914400" algn="l" defTabSz="914400">
+      <a:defRPr sz="1200">
         <a:solidFill>
           <a:schemeClr val="tx1"/>
         </a:solidFill>
@@ -182,8 +172,8 @@
         <a:cs typeface="+mn-cs"/>
       </a:defRPr>
     </a:lvl3pPr>
-    <a:lvl4pPr marL="1371600" algn="l" defTabSz="914400" rtl="0" eaLnBrk="1" latinLnBrk="0" hangingPunct="1">
-      <a:defRPr sz="1200" kern="1200">
+    <a:lvl4pPr marL="1371600" algn="l" defTabSz="914400">
+      <a:defRPr sz="1200">
         <a:solidFill>
           <a:schemeClr val="tx1"/>
         </a:solidFill>
@@ -192,8 +182,8 @@
         <a:cs typeface="+mn-cs"/>
       </a:defRPr>
     </a:lvl4pPr>
-    <a:lvl5pPr marL="1828800" algn="l" defTabSz="914400" rtl="0" eaLnBrk="1" latinLnBrk="0" hangingPunct="1">
-      <a:defRPr sz="1200" kern="1200">
+    <a:lvl5pPr marL="1828800" algn="l" defTabSz="914400">
+      <a:defRPr sz="1200">
         <a:solidFill>
           <a:schemeClr val="tx1"/>
         </a:solidFill>
@@ -202,8 +192,8 @@
         <a:cs typeface="+mn-cs"/>
       </a:defRPr>
     </a:lvl5pPr>
-    <a:lvl6pPr marL="2286000" algn="l" defTabSz="914400" rtl="0" eaLnBrk="1" latinLnBrk="0" hangingPunct="1">
-      <a:defRPr sz="1200" kern="1200">
+    <a:lvl6pPr marL="2286000" algn="l" defTabSz="914400">
+      <a:defRPr sz="1200">
         <a:solidFill>
           <a:schemeClr val="tx1"/>
         </a:solidFill>
@@ -212,8 +202,8 @@
         <a:cs typeface="+mn-cs"/>
       </a:defRPr>
     </a:lvl6pPr>
-    <a:lvl7pPr marL="2743200" algn="l" defTabSz="914400" rtl="0" eaLnBrk="1" latinLnBrk="0" hangingPunct="1">
-      <a:defRPr sz="1200" kern="1200">
+    <a:lvl7pPr marL="2743200" algn="l" defTabSz="914400">
+      <a:defRPr sz="1200">
         <a:solidFill>
           <a:schemeClr val="tx1"/>
         </a:solidFill>
@@ -222,8 +212,8 @@
         <a:cs typeface="+mn-cs"/>
       </a:defRPr>
     </a:lvl7pPr>
-    <a:lvl8pPr marL="3200400" algn="l" defTabSz="914400" rtl="0" eaLnBrk="1" latinLnBrk="0" hangingPunct="1">
-      <a:defRPr sz="1200" kern="1200">
+    <a:lvl8pPr marL="3200400" algn="l" defTabSz="914400">
+      <a:defRPr sz="1200">
         <a:solidFill>
           <a:schemeClr val="tx1"/>
         </a:solidFill>
@@ -232,8 +222,8 @@
         <a:cs typeface="+mn-cs"/>
       </a:defRPr>
     </a:lvl8pPr>
-    <a:lvl9pPr marL="3657600" algn="l" defTabSz="914400" rtl="0" eaLnBrk="1" latinLnBrk="0" hangingPunct="1">
-      <a:defRPr sz="1200" kern="1200">
+    <a:lvl9pPr marL="3657600" algn="l" defTabSz="914400">
+      <a:defRPr sz="1200">
         <a:solidFill>
           <a:schemeClr val="tx1"/>
         </a:solidFill>
@@ -247,15 +237,15 @@
 </file>
 
 <file path=ppt/notesSlides/notesSlide1.xml><?xml version="1.0" encoding="utf-8"?>
-<p:notes xmlns:a="http://schemas.openxmlformats.org/drawingml/2006/main" xmlns:r="http://schemas.openxmlformats.org/officeDocument/2006/relationships" xmlns:p="http://schemas.openxmlformats.org/presentationml/2006/main">
-  <p:cSld>
+<p:notes xmlns:a="http://schemas.openxmlformats.org/drawingml/2006/main" xmlns:r="http://schemas.openxmlformats.org/officeDocument/2006/relationships" xmlns:p="http://schemas.openxmlformats.org/presentationml/2006/main" xmlns:m="http://schemas.openxmlformats.org/officeDocument/2006/math" xmlns:w="http://schemas.openxmlformats.org/wordprocessingml/2006/main">
+  <p:cSld name="">
     <p:spTree>
       <p:nvGrpSpPr>
         <p:cNvPr id="1" name=""/>
         <p:cNvGrpSpPr/>
         <p:nvPr/>
       </p:nvGrpSpPr>
-      <p:grpSpPr>
+      <p:grpSpPr bwMode="auto">
         <a:xfrm>
           <a:off x="0" y="0"/>
           <a:ext cx="0" cy="0"/>
@@ -267,13 +257,13 @@
         <p:nvSpPr>
           <p:cNvPr id="2" name="Slide Image Placeholder 1"/>
           <p:cNvSpPr>
-            <a:spLocks noGrp="1" noRot="1" noChangeAspect="1"/>
+            <a:spLocks noChangeAspect="1" noGrp="1" noRot="1"/>
           </p:cNvSpPr>
           <p:nvPr>
             <p:ph type="sldImg"/>
           </p:nvPr>
         </p:nvSpPr>
-        <p:spPr/>
+        <p:spPr bwMode="auto"/>
       </p:sp>
       <p:sp>
         <p:nvSpPr>
@@ -285,12 +275,15 @@
             <p:ph type="body" idx="1"/>
           </p:nvPr>
         </p:nvSpPr>
-        <p:spPr/>
+        <p:spPr bwMode="auto"/>
         <p:txBody>
           <a:bodyPr/>
           <a:lstStyle/>
           <a:p>
-            <a:endParaRPr lang="en-US" dirty="0"/>
+            <a:pPr>
+              <a:defRPr/>
+            </a:pPr>
+            <a:endParaRPr lang="en-US"/>
           </a:p>
         </p:txBody>
       </p:sp>
@@ -304,11 +297,14 @@
             <p:ph type="sldNum" sz="quarter" idx="10"/>
           </p:nvPr>
         </p:nvSpPr>
-        <p:spPr/>
+        <p:spPr bwMode="auto"/>
         <p:txBody>
           <a:bodyPr/>
           <a:lstStyle/>
           <a:p>
+            <a:pPr>
+              <a:defRPr/>
+            </a:pPr>
             <a:fld id="{F7021451-1387-4CA6-816F-3879F97B5CBC}" type="slidenum">
               <a:rPr lang="en-US"/>
               <a:t>1</a:t>
@@ -318,28 +314,20 @@
         </p:txBody>
       </p:sp>
     </p:spTree>
-    <p:extLst>
-      <p:ext uri="{BB962C8B-B14F-4D97-AF65-F5344CB8AC3E}">
-        <p14:creationId xmlns:p14="http://schemas.microsoft.com/office/powerpoint/2010/main" val="1024086991"/>
-      </p:ext>
-    </p:extLst>
   </p:cSld>
-  <p:clrMapOvr>
-    <a:masterClrMapping/>
-  </p:clrMapOvr>
 </p:notes>
 </file>
 
 <file path=ppt/notesSlides/notesSlide10.xml><?xml version="1.0" encoding="utf-8"?>
-<p:notes xmlns:a="http://schemas.openxmlformats.org/drawingml/2006/main" xmlns:r="http://schemas.openxmlformats.org/officeDocument/2006/relationships" xmlns:p="http://schemas.openxmlformats.org/presentationml/2006/main">
-  <p:cSld>
+<p:notes xmlns:a="http://schemas.openxmlformats.org/drawingml/2006/main" xmlns:r="http://schemas.openxmlformats.org/officeDocument/2006/relationships" xmlns:p="http://schemas.openxmlformats.org/presentationml/2006/main" xmlns:m="http://schemas.openxmlformats.org/officeDocument/2006/math" xmlns:w="http://schemas.openxmlformats.org/wordprocessingml/2006/main">
+  <p:cSld name="">
     <p:spTree>
       <p:nvGrpSpPr>
         <p:cNvPr id="1" name=""/>
         <p:cNvGrpSpPr/>
         <p:nvPr/>
       </p:nvGrpSpPr>
-      <p:grpSpPr>
+      <p:grpSpPr bwMode="auto">
         <a:xfrm>
           <a:off x="0" y="0"/>
           <a:ext cx="0" cy="0"/>
@@ -351,13 +339,13 @@
         <p:nvSpPr>
           <p:cNvPr id="2" name="Slide Image Placeholder 1"/>
           <p:cNvSpPr>
-            <a:spLocks noGrp="1" noRot="1" noChangeAspect="1"/>
+            <a:spLocks noChangeAspect="1" noGrp="1" noRot="1"/>
           </p:cNvSpPr>
           <p:nvPr>
             <p:ph type="sldImg"/>
           </p:nvPr>
         </p:nvSpPr>
-        <p:spPr/>
+        <p:spPr bwMode="auto"/>
       </p:sp>
       <p:sp>
         <p:nvSpPr>
@@ -369,12 +357,15 @@
             <p:ph type="body" idx="1"/>
           </p:nvPr>
         </p:nvSpPr>
-        <p:spPr/>
+        <p:spPr bwMode="auto"/>
         <p:txBody>
           <a:bodyPr/>
           <a:lstStyle/>
           <a:p>
-            <a:endParaRPr lang="en-US" dirty="0"/>
+            <a:pPr>
+              <a:defRPr/>
+            </a:pPr>
+            <a:endParaRPr lang="en-US"/>
           </a:p>
         </p:txBody>
       </p:sp>
@@ -388,11 +379,14 @@
             <p:ph type="sldNum" sz="quarter" idx="10"/>
           </p:nvPr>
         </p:nvSpPr>
-        <p:spPr/>
+        <p:spPr bwMode="auto"/>
         <p:txBody>
           <a:bodyPr/>
           <a:lstStyle/>
           <a:p>
+            <a:pPr>
+              <a:defRPr/>
+            </a:pPr>
             <a:fld id="{F7021451-1387-4CA6-816F-3879F97B5CBC}" type="slidenum">
               <a:rPr lang="en-US"/>
               <a:t>10</a:t>
@@ -402,28 +396,20 @@
         </p:txBody>
       </p:sp>
     </p:spTree>
-    <p:extLst>
-      <p:ext uri="{BB962C8B-B14F-4D97-AF65-F5344CB8AC3E}">
-        <p14:creationId xmlns:p14="http://schemas.microsoft.com/office/powerpoint/2010/main" val="1024086991"/>
-      </p:ext>
-    </p:extLst>
   </p:cSld>
-  <p:clrMapOvr>
-    <a:masterClrMapping/>
-  </p:clrMapOvr>
 </p:notes>
 </file>
 
 <file path=ppt/notesSlides/notesSlide2.xml><?xml version="1.0" encoding="utf-8"?>
-<p:notes xmlns:a="http://schemas.openxmlformats.org/drawingml/2006/main" xmlns:r="http://schemas.openxmlformats.org/officeDocument/2006/relationships" xmlns:p="http://schemas.openxmlformats.org/presentationml/2006/main">
-  <p:cSld>
+<p:notes xmlns:a="http://schemas.openxmlformats.org/drawingml/2006/main" xmlns:r="http://schemas.openxmlformats.org/officeDocument/2006/relationships" xmlns:p="http://schemas.openxmlformats.org/presentationml/2006/main" xmlns:m="http://schemas.openxmlformats.org/officeDocument/2006/math" xmlns:w="http://schemas.openxmlformats.org/wordprocessingml/2006/main">
+  <p:cSld name="">
     <p:spTree>
       <p:nvGrpSpPr>
         <p:cNvPr id="1" name=""/>
         <p:cNvGrpSpPr/>
         <p:nvPr/>
       </p:nvGrpSpPr>
-      <p:grpSpPr>
+      <p:grpSpPr bwMode="auto">
         <a:xfrm>
           <a:off x="0" y="0"/>
           <a:ext cx="0" cy="0"/>
@@ -435,13 +421,13 @@
         <p:nvSpPr>
           <p:cNvPr id="2" name="Slide Image Placeholder 1"/>
           <p:cNvSpPr>
-            <a:spLocks noGrp="1" noRot="1" noChangeAspect="1"/>
+            <a:spLocks noChangeAspect="1" noGrp="1" noRot="1"/>
           </p:cNvSpPr>
           <p:nvPr>
             <p:ph type="sldImg"/>
           </p:nvPr>
         </p:nvSpPr>
-        <p:spPr/>
+        <p:spPr bwMode="auto"/>
       </p:sp>
       <p:sp>
         <p:nvSpPr>
@@ -453,12 +439,15 @@
             <p:ph type="body" idx="1"/>
           </p:nvPr>
         </p:nvSpPr>
-        <p:spPr/>
+        <p:spPr bwMode="auto"/>
         <p:txBody>
           <a:bodyPr/>
           <a:lstStyle/>
           <a:p>
-            <a:endParaRPr lang="en-US" dirty="0"/>
+            <a:pPr>
+              <a:defRPr/>
+            </a:pPr>
+            <a:endParaRPr lang="en-US"/>
           </a:p>
         </p:txBody>
       </p:sp>
@@ -472,11 +461,14 @@
             <p:ph type="sldNum" sz="quarter" idx="10"/>
           </p:nvPr>
         </p:nvSpPr>
-        <p:spPr/>
+        <p:spPr bwMode="auto"/>
         <p:txBody>
           <a:bodyPr/>
           <a:lstStyle/>
           <a:p>
+            <a:pPr>
+              <a:defRPr/>
+            </a:pPr>
             <a:fld id="{F7021451-1387-4CA6-816F-3879F97B5CBC}" type="slidenum">
               <a:rPr lang="en-US"/>
               <a:t>2</a:t>
@@ -486,28 +478,20 @@
         </p:txBody>
       </p:sp>
     </p:spTree>
-    <p:extLst>
-      <p:ext uri="{BB962C8B-B14F-4D97-AF65-F5344CB8AC3E}">
-        <p14:creationId xmlns:p14="http://schemas.microsoft.com/office/powerpoint/2010/main" val="1024086991"/>
-      </p:ext>
-    </p:extLst>
   </p:cSld>
-  <p:clrMapOvr>
-    <a:masterClrMapping/>
-  </p:clrMapOvr>
 </p:notes>
 </file>
 
 <file path=ppt/notesSlides/notesSlide3.xml><?xml version="1.0" encoding="utf-8"?>
-<p:notes xmlns:a="http://schemas.openxmlformats.org/drawingml/2006/main" xmlns:r="http://schemas.openxmlformats.org/officeDocument/2006/relationships" xmlns:p="http://schemas.openxmlformats.org/presentationml/2006/main">
-  <p:cSld>
+<p:notes xmlns:a="http://schemas.openxmlformats.org/drawingml/2006/main" xmlns:r="http://schemas.openxmlformats.org/officeDocument/2006/relationships" xmlns:p="http://schemas.openxmlformats.org/presentationml/2006/main" xmlns:m="http://schemas.openxmlformats.org/officeDocument/2006/math" xmlns:w="http://schemas.openxmlformats.org/wordprocessingml/2006/main">
+  <p:cSld name="">
     <p:spTree>
       <p:nvGrpSpPr>
         <p:cNvPr id="1" name=""/>
         <p:cNvGrpSpPr/>
         <p:nvPr/>
       </p:nvGrpSpPr>
-      <p:grpSpPr>
+      <p:grpSpPr bwMode="auto">
         <a:xfrm>
           <a:off x="0" y="0"/>
           <a:ext cx="0" cy="0"/>
@@ -519,13 +503,13 @@
         <p:nvSpPr>
           <p:cNvPr id="2" name="Slide Image Placeholder 1"/>
           <p:cNvSpPr>
-            <a:spLocks noGrp="1" noRot="1" noChangeAspect="1"/>
+            <a:spLocks noChangeAspect="1" noGrp="1" noRot="1"/>
           </p:cNvSpPr>
           <p:nvPr>
             <p:ph type="sldImg"/>
           </p:nvPr>
         </p:nvSpPr>
-        <p:spPr/>
+        <p:spPr bwMode="auto"/>
       </p:sp>
       <p:sp>
         <p:nvSpPr>
@@ -537,12 +521,15 @@
             <p:ph type="body" idx="1"/>
           </p:nvPr>
         </p:nvSpPr>
-        <p:spPr/>
+        <p:spPr bwMode="auto"/>
         <p:txBody>
           <a:bodyPr/>
           <a:lstStyle/>
           <a:p>
-            <a:endParaRPr lang="en-US" dirty="0"/>
+            <a:pPr>
+              <a:defRPr/>
+            </a:pPr>
+            <a:endParaRPr lang="en-US"/>
           </a:p>
         </p:txBody>
       </p:sp>
@@ -556,11 +543,14 @@
             <p:ph type="sldNum" sz="quarter" idx="10"/>
           </p:nvPr>
         </p:nvSpPr>
-        <p:spPr/>
+        <p:spPr bwMode="auto"/>
         <p:txBody>
           <a:bodyPr/>
           <a:lstStyle/>
           <a:p>
+            <a:pPr>
+              <a:defRPr/>
+            </a:pPr>
             <a:fld id="{F7021451-1387-4CA6-816F-3879F97B5CBC}" type="slidenum">
               <a:rPr lang="en-US"/>
               <a:t>3</a:t>
@@ -570,28 +560,20 @@
         </p:txBody>
       </p:sp>
     </p:spTree>
-    <p:extLst>
-      <p:ext uri="{BB962C8B-B14F-4D97-AF65-F5344CB8AC3E}">
-        <p14:creationId xmlns:p14="http://schemas.microsoft.com/office/powerpoint/2010/main" val="1024086991"/>
-      </p:ext>
-    </p:extLst>
   </p:cSld>
-  <p:clrMapOvr>
-    <a:masterClrMapping/>
-  </p:clrMapOvr>
 </p:notes>
 </file>
 
 <file path=ppt/notesSlides/notesSlide4.xml><?xml version="1.0" encoding="utf-8"?>
-<p:notes xmlns:a="http://schemas.openxmlformats.org/drawingml/2006/main" xmlns:r="http://schemas.openxmlformats.org/officeDocument/2006/relationships" xmlns:p="http://schemas.openxmlformats.org/presentationml/2006/main">
-  <p:cSld>
+<p:notes xmlns:a="http://schemas.openxmlformats.org/drawingml/2006/main" xmlns:r="http://schemas.openxmlformats.org/officeDocument/2006/relationships" xmlns:p="http://schemas.openxmlformats.org/presentationml/2006/main" xmlns:m="http://schemas.openxmlformats.org/officeDocument/2006/math" xmlns:w="http://schemas.openxmlformats.org/wordprocessingml/2006/main">
+  <p:cSld name="">
     <p:spTree>
       <p:nvGrpSpPr>
         <p:cNvPr id="1" name=""/>
         <p:cNvGrpSpPr/>
         <p:nvPr/>
       </p:nvGrpSpPr>
-      <p:grpSpPr>
+      <p:grpSpPr bwMode="auto">
         <a:xfrm>
           <a:off x="0" y="0"/>
           <a:ext cx="0" cy="0"/>
@@ -603,13 +585,13 @@
         <p:nvSpPr>
           <p:cNvPr id="2" name="Slide Image Placeholder 1"/>
           <p:cNvSpPr>
-            <a:spLocks noGrp="1" noRot="1" noChangeAspect="1"/>
+            <a:spLocks noChangeAspect="1" noGrp="1" noRot="1"/>
           </p:cNvSpPr>
           <p:nvPr>
             <p:ph type="sldImg"/>
           </p:nvPr>
         </p:nvSpPr>
-        <p:spPr/>
+        <p:spPr bwMode="auto"/>
       </p:sp>
       <p:sp>
         <p:nvSpPr>
@@ -621,12 +603,15 @@
             <p:ph type="body" idx="1"/>
           </p:nvPr>
         </p:nvSpPr>
-        <p:spPr/>
+        <p:spPr bwMode="auto"/>
         <p:txBody>
           <a:bodyPr/>
           <a:lstStyle/>
           <a:p>
-            <a:endParaRPr lang="en-US" dirty="0"/>
+            <a:pPr>
+              <a:defRPr/>
+            </a:pPr>
+            <a:endParaRPr lang="en-US"/>
           </a:p>
         </p:txBody>
       </p:sp>
@@ -640,11 +625,14 @@
             <p:ph type="sldNum" sz="quarter" idx="10"/>
           </p:nvPr>
         </p:nvSpPr>
-        <p:spPr/>
+        <p:spPr bwMode="auto"/>
         <p:txBody>
           <a:bodyPr/>
           <a:lstStyle/>
           <a:p>
+            <a:pPr>
+              <a:defRPr/>
+            </a:pPr>
             <a:fld id="{F7021451-1387-4CA6-816F-3879F97B5CBC}" type="slidenum">
               <a:rPr lang="en-US"/>
               <a:t>4</a:t>
@@ -654,28 +642,20 @@
         </p:txBody>
       </p:sp>
     </p:spTree>
-    <p:extLst>
-      <p:ext uri="{BB962C8B-B14F-4D97-AF65-F5344CB8AC3E}">
-        <p14:creationId xmlns:p14="http://schemas.microsoft.com/office/powerpoint/2010/main" val="1024086991"/>
-      </p:ext>
-    </p:extLst>
   </p:cSld>
-  <p:clrMapOvr>
-    <a:masterClrMapping/>
-  </p:clrMapOvr>
 </p:notes>
 </file>
 
 <file path=ppt/notesSlides/notesSlide5.xml><?xml version="1.0" encoding="utf-8"?>
-<p:notes xmlns:a="http://schemas.openxmlformats.org/drawingml/2006/main" xmlns:r="http://schemas.openxmlformats.org/officeDocument/2006/relationships" xmlns:p="http://schemas.openxmlformats.org/presentationml/2006/main">
-  <p:cSld>
+<p:notes xmlns:a="http://schemas.openxmlformats.org/drawingml/2006/main" xmlns:r="http://schemas.openxmlformats.org/officeDocument/2006/relationships" xmlns:p="http://schemas.openxmlformats.org/presentationml/2006/main" xmlns:m="http://schemas.openxmlformats.org/officeDocument/2006/math" xmlns:w="http://schemas.openxmlformats.org/wordprocessingml/2006/main">
+  <p:cSld name="">
     <p:spTree>
       <p:nvGrpSpPr>
         <p:cNvPr id="1" name=""/>
         <p:cNvGrpSpPr/>
         <p:nvPr/>
       </p:nvGrpSpPr>
-      <p:grpSpPr>
+      <p:grpSpPr bwMode="auto">
         <a:xfrm>
           <a:off x="0" y="0"/>
           <a:ext cx="0" cy="0"/>
@@ -687,13 +667,13 @@
         <p:nvSpPr>
           <p:cNvPr id="2" name="Slide Image Placeholder 1"/>
           <p:cNvSpPr>
-            <a:spLocks noGrp="1" noRot="1" noChangeAspect="1"/>
+            <a:spLocks noChangeAspect="1" noGrp="1" noRot="1"/>
           </p:cNvSpPr>
           <p:nvPr>
             <p:ph type="sldImg"/>
           </p:nvPr>
         </p:nvSpPr>
-        <p:spPr/>
+        <p:spPr bwMode="auto"/>
       </p:sp>
       <p:sp>
         <p:nvSpPr>
@@ -705,12 +685,15 @@
             <p:ph type="body" idx="1"/>
           </p:nvPr>
         </p:nvSpPr>
-        <p:spPr/>
+        <p:spPr bwMode="auto"/>
         <p:txBody>
           <a:bodyPr/>
           <a:lstStyle/>
           <a:p>
-            <a:endParaRPr lang="en-US" dirty="0"/>
+            <a:pPr>
+              <a:defRPr/>
+            </a:pPr>
+            <a:endParaRPr lang="en-US"/>
           </a:p>
         </p:txBody>
       </p:sp>
@@ -724,11 +707,14 @@
             <p:ph type="sldNum" sz="quarter" idx="10"/>
           </p:nvPr>
         </p:nvSpPr>
-        <p:spPr/>
+        <p:spPr bwMode="auto"/>
         <p:txBody>
           <a:bodyPr/>
           <a:lstStyle/>
           <a:p>
+            <a:pPr>
+              <a:defRPr/>
+            </a:pPr>
             <a:fld id="{F7021451-1387-4CA6-816F-3879F97B5CBC}" type="slidenum">
               <a:rPr lang="en-US"/>
               <a:t>5</a:t>
@@ -738,28 +724,20 @@
         </p:txBody>
       </p:sp>
     </p:spTree>
-    <p:extLst>
-      <p:ext uri="{BB962C8B-B14F-4D97-AF65-F5344CB8AC3E}">
-        <p14:creationId xmlns:p14="http://schemas.microsoft.com/office/powerpoint/2010/main" val="1024086991"/>
-      </p:ext>
-    </p:extLst>
   </p:cSld>
-  <p:clrMapOvr>
-    <a:masterClrMapping/>
-  </p:clrMapOvr>
 </p:notes>
 </file>
 
 <file path=ppt/notesSlides/notesSlide6.xml><?xml version="1.0" encoding="utf-8"?>
-<p:notes xmlns:a="http://schemas.openxmlformats.org/drawingml/2006/main" xmlns:r="http://schemas.openxmlformats.org/officeDocument/2006/relationships" xmlns:p="http://schemas.openxmlformats.org/presentationml/2006/main">
-  <p:cSld>
+<p:notes xmlns:a="http://schemas.openxmlformats.org/drawingml/2006/main" xmlns:r="http://schemas.openxmlformats.org/officeDocument/2006/relationships" xmlns:p="http://schemas.openxmlformats.org/presentationml/2006/main" xmlns:m="http://schemas.openxmlformats.org/officeDocument/2006/math" xmlns:w="http://schemas.openxmlformats.org/wordprocessingml/2006/main">
+  <p:cSld name="">
     <p:spTree>
       <p:nvGrpSpPr>
         <p:cNvPr id="1" name=""/>
         <p:cNvGrpSpPr/>
         <p:nvPr/>
       </p:nvGrpSpPr>
-      <p:grpSpPr>
+      <p:grpSpPr bwMode="auto">
         <a:xfrm>
           <a:off x="0" y="0"/>
           <a:ext cx="0" cy="0"/>
@@ -771,13 +749,13 @@
         <p:nvSpPr>
           <p:cNvPr id="2" name="Slide Image Placeholder 1"/>
           <p:cNvSpPr>
-            <a:spLocks noGrp="1" noRot="1" noChangeAspect="1"/>
+            <a:spLocks noChangeAspect="1" noGrp="1" noRot="1"/>
           </p:cNvSpPr>
           <p:nvPr>
             <p:ph type="sldImg"/>
           </p:nvPr>
         </p:nvSpPr>
-        <p:spPr/>
+        <p:spPr bwMode="auto"/>
       </p:sp>
       <p:sp>
         <p:nvSpPr>
@@ -789,12 +767,15 @@
             <p:ph type="body" idx="1"/>
           </p:nvPr>
         </p:nvSpPr>
-        <p:spPr/>
+        <p:spPr bwMode="auto"/>
         <p:txBody>
           <a:bodyPr/>
           <a:lstStyle/>
           <a:p>
-            <a:endParaRPr lang="en-US" dirty="0"/>
+            <a:pPr>
+              <a:defRPr/>
+            </a:pPr>
+            <a:endParaRPr lang="en-US"/>
           </a:p>
         </p:txBody>
       </p:sp>
@@ -808,11 +789,14 @@
             <p:ph type="sldNum" sz="quarter" idx="10"/>
           </p:nvPr>
         </p:nvSpPr>
-        <p:spPr/>
+        <p:spPr bwMode="auto"/>
         <p:txBody>
           <a:bodyPr/>
           <a:lstStyle/>
           <a:p>
+            <a:pPr>
+              <a:defRPr/>
+            </a:pPr>
             <a:fld id="{F7021451-1387-4CA6-816F-3879F97B5CBC}" type="slidenum">
               <a:rPr lang="en-US"/>
               <a:t>6</a:t>
@@ -822,28 +806,20 @@
         </p:txBody>
       </p:sp>
     </p:spTree>
-    <p:extLst>
-      <p:ext uri="{BB962C8B-B14F-4D97-AF65-F5344CB8AC3E}">
-        <p14:creationId xmlns:p14="http://schemas.microsoft.com/office/powerpoint/2010/main" val="1024086991"/>
-      </p:ext>
-    </p:extLst>
   </p:cSld>
-  <p:clrMapOvr>
-    <a:masterClrMapping/>
-  </p:clrMapOvr>
 </p:notes>
 </file>
 
 <file path=ppt/notesSlides/notesSlide7.xml><?xml version="1.0" encoding="utf-8"?>
-<p:notes xmlns:a="http://schemas.openxmlformats.org/drawingml/2006/main" xmlns:r="http://schemas.openxmlformats.org/officeDocument/2006/relationships" xmlns:p="http://schemas.openxmlformats.org/presentationml/2006/main">
-  <p:cSld>
+<p:notes xmlns:a="http://schemas.openxmlformats.org/drawingml/2006/main" xmlns:r="http://schemas.openxmlformats.org/officeDocument/2006/relationships" xmlns:p="http://schemas.openxmlformats.org/presentationml/2006/main" xmlns:m="http://schemas.openxmlformats.org/officeDocument/2006/math" xmlns:w="http://schemas.openxmlformats.org/wordprocessingml/2006/main">
+  <p:cSld name="">
     <p:spTree>
       <p:nvGrpSpPr>
         <p:cNvPr id="1" name=""/>
         <p:cNvGrpSpPr/>
         <p:nvPr/>
       </p:nvGrpSpPr>
-      <p:grpSpPr>
+      <p:grpSpPr bwMode="auto">
         <a:xfrm>
           <a:off x="0" y="0"/>
           <a:ext cx="0" cy="0"/>
@@ -855,13 +831,13 @@
         <p:nvSpPr>
           <p:cNvPr id="2" name="Slide Image Placeholder 1"/>
           <p:cNvSpPr>
-            <a:spLocks noGrp="1" noRot="1" noChangeAspect="1"/>
+            <a:spLocks noChangeAspect="1" noGrp="1" noRot="1"/>
           </p:cNvSpPr>
           <p:nvPr>
             <p:ph type="sldImg"/>
           </p:nvPr>
         </p:nvSpPr>
-        <p:spPr/>
+        <p:spPr bwMode="auto"/>
       </p:sp>
       <p:sp>
         <p:nvSpPr>
@@ -873,12 +849,15 @@
             <p:ph type="body" idx="1"/>
           </p:nvPr>
         </p:nvSpPr>
-        <p:spPr/>
+        <p:spPr bwMode="auto"/>
         <p:txBody>
           <a:bodyPr/>
           <a:lstStyle/>
           <a:p>
-            <a:endParaRPr lang="en-US" dirty="0"/>
+            <a:pPr>
+              <a:defRPr/>
+            </a:pPr>
+            <a:endParaRPr lang="en-US"/>
           </a:p>
         </p:txBody>
       </p:sp>
@@ -892,11 +871,14 @@
             <p:ph type="sldNum" sz="quarter" idx="10"/>
           </p:nvPr>
         </p:nvSpPr>
-        <p:spPr/>
+        <p:spPr bwMode="auto"/>
         <p:txBody>
           <a:bodyPr/>
           <a:lstStyle/>
           <a:p>
+            <a:pPr>
+              <a:defRPr/>
+            </a:pPr>
             <a:fld id="{F7021451-1387-4CA6-816F-3879F97B5CBC}" type="slidenum">
               <a:rPr lang="en-US"/>
               <a:t>7</a:t>
@@ -906,28 +888,20 @@
         </p:txBody>
       </p:sp>
     </p:spTree>
-    <p:extLst>
-      <p:ext uri="{BB962C8B-B14F-4D97-AF65-F5344CB8AC3E}">
-        <p14:creationId xmlns:p14="http://schemas.microsoft.com/office/powerpoint/2010/main" val="1024086991"/>
-      </p:ext>
-    </p:extLst>
   </p:cSld>
-  <p:clrMapOvr>
-    <a:masterClrMapping/>
-  </p:clrMapOvr>
 </p:notes>
 </file>
 
 <file path=ppt/notesSlides/notesSlide8.xml><?xml version="1.0" encoding="utf-8"?>
-<p:notes xmlns:a="http://schemas.openxmlformats.org/drawingml/2006/main" xmlns:r="http://schemas.openxmlformats.org/officeDocument/2006/relationships" xmlns:p="http://schemas.openxmlformats.org/presentationml/2006/main">
-  <p:cSld>
+<p:notes xmlns:a="http://schemas.openxmlformats.org/drawingml/2006/main" xmlns:r="http://schemas.openxmlformats.org/officeDocument/2006/relationships" xmlns:p="http://schemas.openxmlformats.org/presentationml/2006/main" xmlns:m="http://schemas.openxmlformats.org/officeDocument/2006/math" xmlns:w="http://schemas.openxmlformats.org/wordprocessingml/2006/main">
+  <p:cSld name="">
     <p:spTree>
       <p:nvGrpSpPr>
         <p:cNvPr id="1" name=""/>
         <p:cNvGrpSpPr/>
         <p:nvPr/>
       </p:nvGrpSpPr>
-      <p:grpSpPr>
+      <p:grpSpPr bwMode="auto">
         <a:xfrm>
           <a:off x="0" y="0"/>
           <a:ext cx="0" cy="0"/>
@@ -939,13 +913,13 @@
         <p:nvSpPr>
           <p:cNvPr id="2" name="Slide Image Placeholder 1"/>
           <p:cNvSpPr>
-            <a:spLocks noGrp="1" noRot="1" noChangeAspect="1"/>
+            <a:spLocks noChangeAspect="1" noGrp="1" noRot="1"/>
           </p:cNvSpPr>
           <p:nvPr>
             <p:ph type="sldImg"/>
           </p:nvPr>
         </p:nvSpPr>
-        <p:spPr/>
+        <p:spPr bwMode="auto"/>
       </p:sp>
       <p:sp>
         <p:nvSpPr>
@@ -957,12 +931,15 @@
             <p:ph type="body" idx="1"/>
           </p:nvPr>
         </p:nvSpPr>
-        <p:spPr/>
+        <p:spPr bwMode="auto"/>
         <p:txBody>
           <a:bodyPr/>
           <a:lstStyle/>
           <a:p>
-            <a:endParaRPr lang="en-US" dirty="0"/>
+            <a:pPr>
+              <a:defRPr/>
+            </a:pPr>
+            <a:endParaRPr lang="en-US"/>
           </a:p>
         </p:txBody>
       </p:sp>
@@ -976,11 +953,14 @@
             <p:ph type="sldNum" sz="quarter" idx="10"/>
           </p:nvPr>
         </p:nvSpPr>
-        <p:spPr/>
+        <p:spPr bwMode="auto"/>
         <p:txBody>
           <a:bodyPr/>
           <a:lstStyle/>
           <a:p>
+            <a:pPr>
+              <a:defRPr/>
+            </a:pPr>
             <a:fld id="{F7021451-1387-4CA6-816F-3879F97B5CBC}" type="slidenum">
               <a:rPr lang="en-US"/>
               <a:t>8</a:t>
@@ -990,28 +970,20 @@
         </p:txBody>
       </p:sp>
     </p:spTree>
-    <p:extLst>
-      <p:ext uri="{BB962C8B-B14F-4D97-AF65-F5344CB8AC3E}">
-        <p14:creationId xmlns:p14="http://schemas.microsoft.com/office/powerpoint/2010/main" val="1024086991"/>
-      </p:ext>
-    </p:extLst>
   </p:cSld>
-  <p:clrMapOvr>
-    <a:masterClrMapping/>
-  </p:clrMapOvr>
 </p:notes>
 </file>
 
 <file path=ppt/notesSlides/notesSlide9.xml><?xml version="1.0" encoding="utf-8"?>
-<p:notes xmlns:a="http://schemas.openxmlformats.org/drawingml/2006/main" xmlns:r="http://schemas.openxmlformats.org/officeDocument/2006/relationships" xmlns:p="http://schemas.openxmlformats.org/presentationml/2006/main">
-  <p:cSld>
+<p:notes xmlns:a="http://schemas.openxmlformats.org/drawingml/2006/main" xmlns:r="http://schemas.openxmlformats.org/officeDocument/2006/relationships" xmlns:p="http://schemas.openxmlformats.org/presentationml/2006/main" xmlns:m="http://schemas.openxmlformats.org/officeDocument/2006/math" xmlns:w="http://schemas.openxmlformats.org/wordprocessingml/2006/main">
+  <p:cSld name="">
     <p:spTree>
       <p:nvGrpSpPr>
         <p:cNvPr id="1" name=""/>
         <p:cNvGrpSpPr/>
         <p:nvPr/>
       </p:nvGrpSpPr>
-      <p:grpSpPr>
+      <p:grpSpPr bwMode="auto">
         <a:xfrm>
           <a:off x="0" y="0"/>
           <a:ext cx="0" cy="0"/>
@@ -1023,13 +995,13 @@
         <p:nvSpPr>
           <p:cNvPr id="2" name="Slide Image Placeholder 1"/>
           <p:cNvSpPr>
-            <a:spLocks noGrp="1" noRot="1" noChangeAspect="1"/>
+            <a:spLocks noChangeAspect="1" noGrp="1" noRot="1"/>
           </p:cNvSpPr>
           <p:nvPr>
             <p:ph type="sldImg"/>
           </p:nvPr>
         </p:nvSpPr>
-        <p:spPr/>
+        <p:spPr bwMode="auto"/>
       </p:sp>
       <p:sp>
         <p:nvSpPr>
@@ -1041,12 +1013,15 @@
             <p:ph type="body" idx="1"/>
           </p:nvPr>
         </p:nvSpPr>
-        <p:spPr/>
+        <p:spPr bwMode="auto"/>
         <p:txBody>
           <a:bodyPr/>
           <a:lstStyle/>
           <a:p>
-            <a:endParaRPr lang="en-US" dirty="0"/>
+            <a:pPr>
+              <a:defRPr/>
+            </a:pPr>
+            <a:endParaRPr lang="en-US"/>
           </a:p>
         </p:txBody>
       </p:sp>
@@ -1060,11 +1035,14 @@
             <p:ph type="sldNum" sz="quarter" idx="10"/>
           </p:nvPr>
         </p:nvSpPr>
-        <p:spPr/>
+        <p:spPr bwMode="auto"/>
         <p:txBody>
           <a:bodyPr/>
           <a:lstStyle/>
           <a:p>
+            <a:pPr>
+              <a:defRPr/>
+            </a:pPr>
             <a:fld id="{F7021451-1387-4CA6-816F-3879F97B5CBC}" type="slidenum">
               <a:rPr lang="en-US"/>
               <a:t>9</a:t>
@@ -1074,20 +1052,12 @@
         </p:txBody>
       </p:sp>
     </p:spTree>
-    <p:extLst>
-      <p:ext uri="{BB962C8B-B14F-4D97-AF65-F5344CB8AC3E}">
-        <p14:creationId xmlns:p14="http://schemas.microsoft.com/office/powerpoint/2010/main" val="1024086991"/>
-      </p:ext>
-    </p:extLst>
   </p:cSld>
-  <p:clrMapOvr>
-    <a:masterClrMapping/>
-  </p:clrMapOvr>
 </p:notes>
 </file>
 
 <file path=ppt/slideLayouts/slideLayout1.xml><?xml version="1.0" encoding="utf-8"?>
-<p:sldLayout xmlns:a="http://schemas.openxmlformats.org/drawingml/2006/main" xmlns:r="http://schemas.openxmlformats.org/officeDocument/2006/relationships" xmlns:p="http://schemas.openxmlformats.org/presentationml/2006/main" preserve="1">
+<p:sldLayout xmlns:a="http://schemas.openxmlformats.org/drawingml/2006/main" xmlns:r="http://schemas.openxmlformats.org/officeDocument/2006/relationships" xmlns:p="http://schemas.openxmlformats.org/presentationml/2006/main" xmlns:m="http://schemas.openxmlformats.org/officeDocument/2006/math" xmlns:w="http://schemas.openxmlformats.org/wordprocessingml/2006/main" matchingName="" preserve="1" showMasterPhAnim="0" userDrawn="1">
   <p:cSld name="DEFAULT">
     <p:bg>
       <p:bgRef idx="1001">
@@ -1100,7 +1070,7 @@
         <p:cNvGrpSpPr/>
         <p:nvPr/>
       </p:nvGrpSpPr>
-      <p:grpSpPr>
+      <p:grpSpPr bwMode="auto">
         <a:xfrm>
           <a:off x="0" y="0"/>
           <a:ext cx="0" cy="0"/>
@@ -1117,8 +1087,8 @@
 </file>
 
 <file path=ppt/slideMasters/slideMaster1.xml><?xml version="1.0" encoding="utf-8"?>
-<p:sldMaster xmlns:a="http://schemas.openxmlformats.org/drawingml/2006/main" xmlns:r="http://schemas.openxmlformats.org/officeDocument/2006/relationships" xmlns:p="http://schemas.openxmlformats.org/presentationml/2006/main">
-  <p:cSld>
+<p:sldMaster xmlns:a="http://schemas.openxmlformats.org/drawingml/2006/main" xmlns:r="http://schemas.openxmlformats.org/officeDocument/2006/relationships" xmlns:p="http://schemas.openxmlformats.org/presentationml/2006/main" xmlns:m="http://schemas.openxmlformats.org/officeDocument/2006/math" xmlns:w="http://schemas.openxmlformats.org/wordprocessingml/2006/main" preserve="0">
+  <p:cSld name="">
     <p:bg>
       <p:bgRef idx="1001">
         <a:schemeClr val="bg1"/>
@@ -1130,7 +1100,7 @@
         <p:cNvGrpSpPr/>
         <p:nvPr/>
       </p:nvGrpSpPr>
-      <p:grpSpPr>
+      <p:grpSpPr bwMode="auto">
         <a:xfrm>
           <a:off x="0" y="0"/>
           <a:ext cx="0" cy="0"/>
@@ -1144,15 +1114,15 @@
   <p:sldLayoutIdLst>
     <p:sldLayoutId id="2147483649" r:id="rId1"/>
   </p:sldLayoutIdLst>
-  <p:hf sldNum="0" hdr="0" ftr="0" dt="0"/>
+  <p:hf dt="0" ftr="0" hdr="0" sldNum="0"/>
   <p:txStyles>
     <p:titleStyle>
-      <a:lvl1pPr algn="ctr" defTabSz="914400" rtl="0" eaLnBrk="1" latinLnBrk="0" hangingPunct="1">
+      <a:lvl1pPr algn="ctr" defTabSz="914400">
         <a:spcBef>
-          <a:spcPct val="0"/>
+          <a:spcPts val="0"/>
         </a:spcBef>
         <a:buNone/>
-        <a:defRPr sz="4400" kern="1200">
+        <a:defRPr sz="4400">
           <a:solidFill>
             <a:schemeClr val="tx1"/>
           </a:solidFill>
@@ -1163,13 +1133,13 @@
       </a:lvl1pPr>
     </p:titleStyle>
     <p:bodyStyle>
-      <a:lvl1pPr marL="342900" indent="-342900" algn="l" defTabSz="914400" rtl="0" eaLnBrk="1" latinLnBrk="0" hangingPunct="1">
+      <a:lvl1pPr marL="342900" indent="-342900" algn="l" defTabSz="914400">
         <a:spcBef>
-          <a:spcPct val="20000"/>
+          <a:spcPts val="0"/>
         </a:spcBef>
-        <a:buFont typeface="Arial" pitchFamily="34" charset="0"/>
+        <a:buFont typeface="Arial"/>
         <a:buChar char="•"/>
-        <a:defRPr sz="3200" kern="1200">
+        <a:defRPr sz="3200">
           <a:solidFill>
             <a:schemeClr val="tx1"/>
           </a:solidFill>
@@ -1178,13 +1148,13 @@
           <a:cs typeface="+mn-cs"/>
         </a:defRPr>
       </a:lvl1pPr>
-      <a:lvl2pPr marL="742950" indent="-285750" algn="l" defTabSz="914400" rtl="0" eaLnBrk="1" latinLnBrk="0" hangingPunct="1">
+      <a:lvl2pPr marL="742950" indent="-285750" algn="l" defTabSz="914400">
         <a:spcBef>
-          <a:spcPct val="20000"/>
+          <a:spcPts val="0"/>
         </a:spcBef>
-        <a:buFont typeface="Arial" pitchFamily="34" charset="0"/>
+        <a:buFont typeface="Arial"/>
         <a:buChar char="–"/>
-        <a:defRPr sz="2800" kern="1200">
+        <a:defRPr sz="2800">
           <a:solidFill>
             <a:schemeClr val="tx1"/>
           </a:solidFill>
@@ -1193,13 +1163,13 @@
           <a:cs typeface="+mn-cs"/>
         </a:defRPr>
       </a:lvl2pPr>
-      <a:lvl3pPr marL="1143000" indent="-228600" algn="l" defTabSz="914400" rtl="0" eaLnBrk="1" latinLnBrk="0" hangingPunct="1">
+      <a:lvl3pPr marL="1143000" indent="-228600" algn="l" defTabSz="914400">
         <a:spcBef>
-          <a:spcPct val="20000"/>
+          <a:spcPts val="0"/>
         </a:spcBef>
-        <a:buFont typeface="Arial" pitchFamily="34" charset="0"/>
+        <a:buFont typeface="Arial"/>
         <a:buChar char="•"/>
-        <a:defRPr sz="2400" kern="1200">
+        <a:defRPr sz="2400">
           <a:solidFill>
             <a:schemeClr val="tx1"/>
           </a:solidFill>
@@ -1208,13 +1178,13 @@
           <a:cs typeface="+mn-cs"/>
         </a:defRPr>
       </a:lvl3pPr>
-      <a:lvl4pPr marL="1600200" indent="-228600" algn="l" defTabSz="914400" rtl="0" eaLnBrk="1" latinLnBrk="0" hangingPunct="1">
+      <a:lvl4pPr marL="1600200" indent="-228600" algn="l" defTabSz="914400">
         <a:spcBef>
-          <a:spcPct val="20000"/>
+          <a:spcPts val="0"/>
         </a:spcBef>
-        <a:buFont typeface="Arial" pitchFamily="34" charset="0"/>
+        <a:buFont typeface="Arial"/>
         <a:buChar char="–"/>
-        <a:defRPr sz="2000" kern="1200">
+        <a:defRPr sz="2000">
           <a:solidFill>
             <a:schemeClr val="tx1"/>
           </a:solidFill>
@@ -1223,13 +1193,13 @@
           <a:cs typeface="+mn-cs"/>
         </a:defRPr>
       </a:lvl4pPr>
-      <a:lvl5pPr marL="2057400" indent="-228600" algn="l" defTabSz="914400" rtl="0" eaLnBrk="1" latinLnBrk="0" hangingPunct="1">
+      <a:lvl5pPr marL="2057400" indent="-228600" algn="l" defTabSz="914400">
         <a:spcBef>
-          <a:spcPct val="20000"/>
+          <a:spcPts val="0"/>
         </a:spcBef>
-        <a:buFont typeface="Arial" pitchFamily="34" charset="0"/>
+        <a:buFont typeface="Arial"/>
         <a:buChar char="»"/>
-        <a:defRPr sz="2000" kern="1200">
+        <a:defRPr sz="2000">
           <a:solidFill>
             <a:schemeClr val="tx1"/>
           </a:solidFill>
@@ -1238,13 +1208,13 @@
           <a:cs typeface="+mn-cs"/>
         </a:defRPr>
       </a:lvl5pPr>
-      <a:lvl6pPr marL="2514600" indent="-228600" algn="l" defTabSz="914400" rtl="0" eaLnBrk="1" latinLnBrk="0" hangingPunct="1">
+      <a:lvl6pPr marL="2514600" indent="-228600" algn="l" defTabSz="914400">
         <a:spcBef>
-          <a:spcPct val="20000"/>
+          <a:spcPts val="0"/>
         </a:spcBef>
-        <a:buFont typeface="Arial" pitchFamily="34" charset="0"/>
+        <a:buFont typeface="Arial"/>
         <a:buChar char="•"/>
-        <a:defRPr sz="2000" kern="1200">
+        <a:defRPr sz="2000">
           <a:solidFill>
             <a:schemeClr val="tx1"/>
           </a:solidFill>
@@ -1253,13 +1223,13 @@
           <a:cs typeface="+mn-cs"/>
         </a:defRPr>
       </a:lvl6pPr>
-      <a:lvl7pPr marL="2971800" indent="-228600" algn="l" defTabSz="914400" rtl="0" eaLnBrk="1" latinLnBrk="0" hangingPunct="1">
+      <a:lvl7pPr marL="2971800" indent="-228600" algn="l" defTabSz="914400">
         <a:spcBef>
-          <a:spcPct val="20000"/>
+          <a:spcPts val="0"/>
         </a:spcBef>
-        <a:buFont typeface="Arial" pitchFamily="34" charset="0"/>
+        <a:buFont typeface="Arial"/>
         <a:buChar char="•"/>
-        <a:defRPr sz="2000" kern="1200">
+        <a:defRPr sz="2000">
           <a:solidFill>
             <a:schemeClr val="tx1"/>
           </a:solidFill>
@@ -1268,13 +1238,13 @@
           <a:cs typeface="+mn-cs"/>
         </a:defRPr>
       </a:lvl7pPr>
-      <a:lvl8pPr marL="3429000" indent="-228600" algn="l" defTabSz="914400" rtl="0" eaLnBrk="1" latinLnBrk="0" hangingPunct="1">
+      <a:lvl8pPr marL="3429000" indent="-228600" algn="l" defTabSz="914400">
         <a:spcBef>
-          <a:spcPct val="20000"/>
+          <a:spcPts val="0"/>
         </a:spcBef>
-        <a:buFont typeface="Arial" pitchFamily="34" charset="0"/>
+        <a:buFont typeface="Arial"/>
         <a:buChar char="•"/>
-        <a:defRPr sz="2000" kern="1200">
+        <a:defRPr sz="2000">
           <a:solidFill>
             <a:schemeClr val="tx1"/>
           </a:solidFill>
@@ -1283,13 +1253,13 @@
           <a:cs typeface="+mn-cs"/>
         </a:defRPr>
       </a:lvl8pPr>
-      <a:lvl9pPr marL="3886200" indent="-228600" algn="l" defTabSz="914400" rtl="0" eaLnBrk="1" latinLnBrk="0" hangingPunct="1">
+      <a:lvl9pPr marL="3886200" indent="-228600" algn="l" defTabSz="914400">
         <a:spcBef>
-          <a:spcPct val="20000"/>
+          <a:spcPts val="0"/>
         </a:spcBef>
-        <a:buFont typeface="Arial" pitchFamily="34" charset="0"/>
+        <a:buFont typeface="Arial"/>
         <a:buChar char="•"/>
-        <a:defRPr sz="2000" kern="1200">
+        <a:defRPr sz="2000">
           <a:solidFill>
             <a:schemeClr val="tx1"/>
           </a:solidFill>
@@ -1303,8 +1273,8 @@
       <a:defPPr>
         <a:defRPr lang="en-US"/>
       </a:defPPr>
-      <a:lvl1pPr marL="0" algn="l" defTabSz="914400" rtl="0" eaLnBrk="1" latinLnBrk="0" hangingPunct="1">
-        <a:defRPr sz="1800" kern="1200">
+      <a:lvl1pPr marL="0" algn="l" defTabSz="914400">
+        <a:defRPr sz="1800">
           <a:solidFill>
             <a:schemeClr val="tx1"/>
           </a:solidFill>
@@ -1313,8 +1283,8 @@
           <a:cs typeface="+mn-cs"/>
         </a:defRPr>
       </a:lvl1pPr>
-      <a:lvl2pPr marL="457200" algn="l" defTabSz="914400" rtl="0" eaLnBrk="1" latinLnBrk="0" hangingPunct="1">
-        <a:defRPr sz="1800" kern="1200">
+      <a:lvl2pPr marL="457200" algn="l" defTabSz="914400">
+        <a:defRPr sz="1800">
           <a:solidFill>
             <a:schemeClr val="tx1"/>
           </a:solidFill>
@@ -1323,8 +1293,8 @@
           <a:cs typeface="+mn-cs"/>
         </a:defRPr>
       </a:lvl2pPr>
-      <a:lvl3pPr marL="914400" algn="l" defTabSz="914400" rtl="0" eaLnBrk="1" latinLnBrk="0" hangingPunct="1">
-        <a:defRPr sz="1800" kern="1200">
+      <a:lvl3pPr marL="914400" algn="l" defTabSz="914400">
+        <a:defRPr sz="1800">
           <a:solidFill>
             <a:schemeClr val="tx1"/>
           </a:solidFill>
@@ -1333,8 +1303,8 @@
           <a:cs typeface="+mn-cs"/>
         </a:defRPr>
       </a:lvl3pPr>
-      <a:lvl4pPr marL="1371600" algn="l" defTabSz="914400" rtl="0" eaLnBrk="1" latinLnBrk="0" hangingPunct="1">
-        <a:defRPr sz="1800" kern="1200">
+      <a:lvl4pPr marL="1371600" algn="l" defTabSz="914400">
+        <a:defRPr sz="1800">
           <a:solidFill>
             <a:schemeClr val="tx1"/>
           </a:solidFill>
@@ -1343,8 +1313,8 @@
           <a:cs typeface="+mn-cs"/>
         </a:defRPr>
       </a:lvl4pPr>
-      <a:lvl5pPr marL="1828800" algn="l" defTabSz="914400" rtl="0" eaLnBrk="1" latinLnBrk="0" hangingPunct="1">
-        <a:defRPr sz="1800" kern="1200">
+      <a:lvl5pPr marL="1828800" algn="l" defTabSz="914400">
+        <a:defRPr sz="1800">
           <a:solidFill>
             <a:schemeClr val="tx1"/>
           </a:solidFill>
@@ -1353,8 +1323,8 @@
           <a:cs typeface="+mn-cs"/>
         </a:defRPr>
       </a:lvl5pPr>
-      <a:lvl6pPr marL="2286000" algn="l" defTabSz="914400" rtl="0" eaLnBrk="1" latinLnBrk="0" hangingPunct="1">
-        <a:defRPr sz="1800" kern="1200">
+      <a:lvl6pPr marL="2286000" algn="l" defTabSz="914400">
+        <a:defRPr sz="1800">
           <a:solidFill>
             <a:schemeClr val="tx1"/>
           </a:solidFill>
@@ -1363,8 +1333,8 @@
           <a:cs typeface="+mn-cs"/>
         </a:defRPr>
       </a:lvl6pPr>
-      <a:lvl7pPr marL="2743200" algn="l" defTabSz="914400" rtl="0" eaLnBrk="1" latinLnBrk="0" hangingPunct="1">
-        <a:defRPr sz="1800" kern="1200">
+      <a:lvl7pPr marL="2743200" algn="l" defTabSz="914400">
+        <a:defRPr sz="1800">
           <a:solidFill>
             <a:schemeClr val="tx1"/>
           </a:solidFill>
@@ -1373,8 +1343,8 @@
           <a:cs typeface="+mn-cs"/>
         </a:defRPr>
       </a:lvl7pPr>
-      <a:lvl8pPr marL="3200400" algn="l" defTabSz="914400" rtl="0" eaLnBrk="1" latinLnBrk="0" hangingPunct="1">
-        <a:defRPr sz="1800" kern="1200">
+      <a:lvl8pPr marL="3200400" algn="l" defTabSz="914400">
+        <a:defRPr sz="1800">
           <a:solidFill>
             <a:schemeClr val="tx1"/>
           </a:solidFill>
@@ -1383,8 +1353,8 @@
           <a:cs typeface="+mn-cs"/>
         </a:defRPr>
       </a:lvl8pPr>
-      <a:lvl9pPr marL="3657600" algn="l" defTabSz="914400" rtl="0" eaLnBrk="1" latinLnBrk="0" hangingPunct="1">
-        <a:defRPr sz="1800" kern="1200">
+      <a:lvl9pPr marL="3657600" algn="l" defTabSz="914400">
+        <a:defRPr sz="1800">
           <a:solidFill>
             <a:schemeClr val="tx1"/>
           </a:solidFill>
@@ -1399,14 +1369,13 @@
 </file>
 
 <file path=ppt/slides/slide1.xml><?xml version="1.0" encoding="utf-8"?>
-<p:sld xmlns:a="http://schemas.openxmlformats.org/drawingml/2006/main" xmlns:r="http://schemas.openxmlformats.org/officeDocument/2006/relationships" xmlns:p="http://schemas.openxmlformats.org/presentationml/2006/main">
+<p:sld xmlns:a="http://schemas.openxmlformats.org/drawingml/2006/main" xmlns:r="http://schemas.openxmlformats.org/officeDocument/2006/relationships" xmlns:p="http://schemas.openxmlformats.org/presentationml/2006/main" xmlns:m="http://schemas.openxmlformats.org/officeDocument/2006/math" xmlns:w="http://schemas.openxmlformats.org/wordprocessingml/2006/main" showMasterPhAnim="0" show="1">
   <p:cSld name="Slide 1">
     <p:bg>
-      <p:bgPr>
+      <p:bgPr shadeToTitle="0">
         <a:solidFill>
           <a:srgbClr val="F9F8F8"/>
         </a:solidFill>
-        <a:effectLst/>
       </p:bgPr>
     </p:bg>
     <p:spTree>
@@ -1415,7 +1384,7 @@
         <p:cNvGrpSpPr/>
         <p:nvPr/>
       </p:nvGrpSpPr>
-      <p:grpSpPr>
+      <p:grpSpPr bwMode="auto">
         <a:xfrm>
           <a:off x="0" y="0"/>
           <a:ext cx="0" cy="0"/>
@@ -1429,7 +1398,7 @@
           <p:cNvSpPr/>
           <p:nvPr/>
         </p:nvSpPr>
-        <p:spPr>
+        <p:spPr bwMode="auto">
           <a:xfrm>
             <a:off x="1778000" y="3276600"/>
             <a:ext cx="14130592" cy="1849692"/>
@@ -1446,21 +1415,22 @@
           <a:p>
             <a:pPr marL="0" indent="0" algn="l">
               <a:buNone/>
-            </a:pPr>
-            <a:r>
-              <a:rPr lang="en-US" sz="8894" dirty="0">
+              <a:defRPr/>
+            </a:pPr>
+            <a:r>
+              <a:rPr lang="en-US" sz="8900">
                 <a:solidFill>
                   <a:srgbClr val="2E2E2E">
                     <a:alpha val="100000"/>
                   </a:srgbClr>
                 </a:solidFill>
-                <a:latin typeface="Inter Medium" pitchFamily="34" charset="0"/>
-                <a:ea typeface="Inter Medium" pitchFamily="34" charset="-122"/>
-                <a:cs typeface="Inter Medium" pitchFamily="34" charset="-120"/>
+                <a:latin typeface="Inter Medium"/>
+                <a:ea typeface="Inter Medium"/>
+                <a:cs typeface="Inter Medium"/>
               </a:rPr>
               <a:t>Мобильное приложение</a:t>
             </a:r>
-            <a:endParaRPr lang="en-US" sz="8894" dirty="0"/>
+            <a:endParaRPr lang="en-US" sz="8900"/>
           </a:p>
         </p:txBody>
       </p:sp>
@@ -1470,10 +1440,10 @@
           <p:cNvSpPr/>
           <p:nvPr/>
         </p:nvSpPr>
-        <p:spPr>
+        <p:spPr bwMode="auto">
           <a:xfrm>
             <a:off x="1783221" y="4755046"/>
-            <a:ext cx="10563488" cy="1853498"/>
+            <a:ext cx="10563488" cy="1853497"/>
           </a:xfrm>
           <a:prstGeom prst="rect">
             <a:avLst/>
@@ -1487,21 +1457,22 @@
           <a:p>
             <a:pPr marL="0" indent="0" algn="l">
               <a:buNone/>
-            </a:pPr>
-            <a:r>
-              <a:rPr lang="en-US" sz="8894" dirty="0">
+              <a:defRPr/>
+            </a:pPr>
+            <a:r>
+              <a:rPr lang="en-US" sz="8900">
                 <a:solidFill>
                   <a:srgbClr val="2E2E2E">
                     <a:alpha val="100000"/>
                   </a:srgbClr>
                 </a:solidFill>
-                <a:latin typeface="Inter Bold" pitchFamily="34" charset="0"/>
-                <a:ea typeface="Inter Bold" pitchFamily="34" charset="-122"/>
-                <a:cs typeface="Inter Bold" pitchFamily="34" charset="-120"/>
+                <a:latin typeface="Inter Bold"/>
+                <a:ea typeface="Inter Bold"/>
+                <a:cs typeface="Inter Bold"/>
               </a:rPr>
               <a:t>RenTool</a:t>
             </a:r>
-            <a:endParaRPr lang="en-US" sz="8894" dirty="0"/>
+            <a:endParaRPr lang="en-US" sz="8900"/>
           </a:p>
         </p:txBody>
       </p:sp>
@@ -1511,7 +1482,7 @@
           <p:cNvSpPr/>
           <p:nvPr/>
         </p:nvSpPr>
-        <p:spPr>
+        <p:spPr bwMode="auto">
           <a:xfrm>
             <a:off x="1778000" y="7239000"/>
             <a:ext cx="5876065" cy="669065"/>
@@ -1531,21 +1502,22 @@
                 <a:spcPts val="4874"/>
               </a:lnSpc>
               <a:buNone/>
-            </a:pPr>
-            <a:r>
-              <a:rPr lang="en-US" sz="4105" dirty="0">
+              <a:defRPr/>
+            </a:pPr>
+            <a:r>
+              <a:rPr lang="en-US" sz="4100">
                 <a:solidFill>
                   <a:srgbClr val="2E2E2E">
                     <a:alpha val="100000"/>
                   </a:srgbClr>
                 </a:solidFill>
-                <a:latin typeface="Inter Medium" pitchFamily="34" charset="0"/>
-                <a:ea typeface="Inter Medium" pitchFamily="34" charset="-122"/>
-                <a:cs typeface="Inter Medium" pitchFamily="34" charset="-120"/>
+                <a:latin typeface="Inter Medium"/>
+                <a:ea typeface="Inter Medium"/>
+                <a:cs typeface="Inter Medium"/>
               </a:rPr>
               <a:t>Участники команды:</a:t>
             </a:r>
-            <a:endParaRPr lang="en-US" sz="4105" dirty="0"/>
+            <a:endParaRPr lang="en-US" sz="4100"/>
           </a:p>
         </p:txBody>
       </p:sp>
@@ -1555,7 +1527,7 @@
           <p:cNvSpPr/>
           <p:nvPr/>
         </p:nvSpPr>
-        <p:spPr>
+        <p:spPr bwMode="auto">
           <a:xfrm>
             <a:off x="1778000" y="8001000"/>
             <a:ext cx="8109603" cy="603903"/>
@@ -1575,47 +1547,48 @@
                 <a:spcPts val="4874"/>
               </a:lnSpc>
               <a:buNone/>
-            </a:pPr>
-            <a:r>
-              <a:rPr lang="en-US" sz="2565" dirty="0">
+              <a:defRPr/>
+            </a:pPr>
+            <a:r>
+              <a:rPr lang="en-US" sz="2550">
                 <a:solidFill>
                   <a:srgbClr val="2E2E2E">
                     <a:alpha val="100000"/>
                   </a:srgbClr>
                 </a:solidFill>
-                <a:latin typeface="Inter Regular" pitchFamily="34" charset="0"/>
-                <a:ea typeface="Inter Regular" pitchFamily="34" charset="-122"/>
-                <a:cs typeface="Inter Regular" pitchFamily="34" charset="-120"/>
+                <a:latin typeface="Inter Regular"/>
+                <a:ea typeface="Inter Regular"/>
+                <a:cs typeface="Inter Regular"/>
               </a:rPr>
               <a:t>Бучнев Дмитрий</a:t>
             </a:r>
             <a:r>
-              <a:rPr lang="en-US" sz="2565" kern="0" spc="-26" dirty="0">
+              <a:rPr lang="en-US" sz="2550" spc="-26">
                 <a:solidFill>
                   <a:srgbClr val="2E2E2E">
                     <a:alpha val="100000"/>
                   </a:srgbClr>
                 </a:solidFill>
-                <a:latin typeface="Inter Regular" pitchFamily="34" charset="0"/>
-                <a:ea typeface="Inter Regular" pitchFamily="34" charset="-122"/>
-                <a:cs typeface="Inter Regular" pitchFamily="34" charset="-120"/>
+                <a:latin typeface="Inter Regular"/>
+                <a:ea typeface="Inter Regular"/>
+                <a:cs typeface="Inter Regular"/>
               </a:rPr>
               <a:t>, Ремезов Вадим</a:t>
             </a:r>
             <a:r>
-              <a:rPr lang="en-US" sz="2565" kern="0" spc="-51" dirty="0">
+              <a:rPr lang="en-US" sz="2550" spc="-51">
                 <a:solidFill>
                   <a:srgbClr val="2E2E2E">
                     <a:alpha val="100000"/>
                   </a:srgbClr>
                 </a:solidFill>
-                <a:latin typeface="Inter Regular" pitchFamily="34" charset="0"/>
-                <a:ea typeface="Inter Regular" pitchFamily="34" charset="-122"/>
-                <a:cs typeface="Inter Regular" pitchFamily="34" charset="-120"/>
+                <a:latin typeface="Inter Regular"/>
+                <a:ea typeface="Inter Regular"/>
+                <a:cs typeface="Inter Regular"/>
               </a:rPr>
               <a:t>, Клоков Евгений</a:t>
             </a:r>
-            <a:endParaRPr lang="en-US" sz="2565" dirty="0"/>
+            <a:endParaRPr lang="en-US" sz="2550"/>
           </a:p>
         </p:txBody>
       </p:sp>
@@ -1629,11 +1602,9 @@
         </p:nvPicPr>
         <p:blipFill>
           <a:blip r:embed="rId3"/>
-          <a:stretch>
-            <a:fillRect/>
-          </a:stretch>
+          <a:stretch/>
         </p:blipFill>
-        <p:spPr>
+        <p:spPr bwMode="auto">
           <a:xfrm>
             <a:off x="15411456" y="6235700"/>
             <a:ext cx="907047" cy="907049"/>
@@ -1653,11 +1624,9 @@
         </p:nvPicPr>
         <p:blipFill>
           <a:blip r:embed="rId4"/>
-          <a:stretch>
-            <a:fillRect/>
-          </a:stretch>
+          <a:stretch/>
         </p:blipFill>
-        <p:spPr>
+        <p:spPr bwMode="auto">
           <a:xfrm>
             <a:off x="11671300" y="6659751"/>
             <a:ext cx="4119660" cy="1917818"/>
@@ -1677,14 +1646,12 @@
         </p:nvPicPr>
         <p:blipFill>
           <a:blip r:embed="rId5"/>
-          <a:stretch>
-            <a:fillRect/>
-          </a:stretch>
+          <a:stretch/>
         </p:blipFill>
-        <p:spPr>
+        <p:spPr bwMode="auto">
           <a:xfrm>
             <a:off x="1866900" y="1460500"/>
-            <a:ext cx="4062984" cy="1092200"/>
+            <a:ext cx="4062983" cy="1092200"/>
           </a:xfrm>
           <a:prstGeom prst="rect">
             <a:avLst/>
@@ -1707,11 +1674,9 @@
               </a:ext>
             </a:extLst>
           </a:blip>
-          <a:stretch>
-            <a:fillRect/>
-          </a:stretch>
+          <a:stretch/>
         </p:blipFill>
-        <p:spPr>
+        <p:spPr bwMode="auto">
           <a:xfrm>
             <a:off x="3092111" y="1702132"/>
             <a:ext cx="423122" cy="586696"/>
@@ -1737,11 +1702,9 @@
               </a:ext>
             </a:extLst>
           </a:blip>
-          <a:stretch>
-            <a:fillRect/>
-          </a:stretch>
+          <a:stretch/>
         </p:blipFill>
-        <p:spPr>
+        <p:spPr bwMode="auto">
           <a:xfrm>
             <a:off x="3541745" y="1858008"/>
             <a:ext cx="420105" cy="441601"/>
@@ -1767,11 +1730,9 @@
               </a:ext>
             </a:extLst>
           </a:blip>
-          <a:stretch>
-            <a:fillRect/>
-          </a:stretch>
+          <a:stretch/>
         </p:blipFill>
-        <p:spPr>
+        <p:spPr bwMode="auto">
           <a:xfrm>
             <a:off x="4027736" y="1858008"/>
             <a:ext cx="385303" cy="430724"/>
@@ -1797,11 +1758,9 @@
               </a:ext>
             </a:extLst>
           </a:blip>
-          <a:stretch>
-            <a:fillRect/>
-          </a:stretch>
+          <a:stretch/>
         </p:blipFill>
-        <p:spPr>
+        <p:spPr bwMode="auto">
           <a:xfrm>
             <a:off x="4426880" y="1702132"/>
             <a:ext cx="462695" cy="586600"/>
@@ -1827,11 +1786,9 @@
               </a:ext>
             </a:extLst>
           </a:blip>
-          <a:stretch>
-            <a:fillRect/>
-          </a:stretch>
+          <a:stretch/>
         </p:blipFill>
-        <p:spPr>
+        <p:spPr bwMode="auto">
           <a:xfrm>
             <a:off x="4884507" y="1857911"/>
             <a:ext cx="420490" cy="441697"/>
@@ -1857,11 +1814,9 @@
               </a:ext>
             </a:extLst>
           </a:blip>
-          <a:stretch>
-            <a:fillRect/>
-          </a:stretch>
+          <a:stretch/>
         </p:blipFill>
-        <p:spPr>
+        <p:spPr bwMode="auto">
           <a:xfrm>
             <a:off x="5347007" y="1857911"/>
             <a:ext cx="420588" cy="441697"/>
@@ -1887,11 +1842,9 @@
               </a:ext>
             </a:extLst>
           </a:blip>
-          <a:stretch>
-            <a:fillRect/>
-          </a:stretch>
+          <a:stretch/>
         </p:blipFill>
-        <p:spPr>
+        <p:spPr bwMode="auto">
           <a:xfrm>
             <a:off x="5827247" y="1660274"/>
             <a:ext cx="102637" cy="628458"/>
@@ -1911,11 +1864,9 @@
         </p:nvPicPr>
         <p:blipFill>
           <a:blip r:embed="rId20"/>
-          <a:stretch>
-            <a:fillRect/>
-          </a:stretch>
+          <a:stretch/>
         </p:blipFill>
-        <p:spPr>
+        <p:spPr bwMode="auto">
           <a:xfrm>
             <a:off x="1866900" y="1460500"/>
             <a:ext cx="1042648" cy="1038882"/>
@@ -1930,18 +1881,25 @@
   <p:clrMapOvr>
     <a:masterClrMapping/>
   </p:clrMapOvr>
+  <mc:AlternateContent xmlns:mc="http://schemas.openxmlformats.org/markup-compatibility/2006">
+    <mc:Choice xmlns:p159="http://schemas.microsoft.com/office/powerpoint/2015/09/main" xmlns:p14="http://schemas.microsoft.com/office/powerpoint/2010/main" Requires="p159">
+      <p:transition p14:dur="2000" advClick="1"/>
+    </mc:Choice>
+    <mc:Fallback>
+      <p:transition advClick="1"/>
+    </mc:Fallback>
+  </mc:AlternateContent>
 </p:sld>
 </file>
 
 <file path=ppt/slides/slide10.xml><?xml version="1.0" encoding="utf-8"?>
-<p:sld xmlns:a="http://schemas.openxmlformats.org/drawingml/2006/main" xmlns:r="http://schemas.openxmlformats.org/officeDocument/2006/relationships" xmlns:p="http://schemas.openxmlformats.org/presentationml/2006/main">
+<p:sld xmlns:a="http://schemas.openxmlformats.org/drawingml/2006/main" xmlns:r="http://schemas.openxmlformats.org/officeDocument/2006/relationships" xmlns:p="http://schemas.openxmlformats.org/presentationml/2006/main" xmlns:m="http://schemas.openxmlformats.org/officeDocument/2006/math" xmlns:w="http://schemas.openxmlformats.org/wordprocessingml/2006/main" showMasterPhAnim="0" show="1">
   <p:cSld name="Slide 10">
     <p:bg>
-      <p:bgPr>
+      <p:bgPr shadeToTitle="0">
         <a:solidFill>
           <a:srgbClr val="FFFFFF"/>
         </a:solidFill>
-        <a:effectLst/>
       </p:bgPr>
     </p:bg>
     <p:spTree>
@@ -1950,7 +1908,7 @@
         <p:cNvGrpSpPr/>
         <p:nvPr/>
       </p:nvGrpSpPr>
-      <p:grpSpPr>
+      <p:grpSpPr bwMode="auto">
         <a:xfrm>
           <a:off x="0" y="0"/>
           <a:ext cx="0" cy="0"/>
@@ -1964,7 +1922,7 @@
           <p:cNvSpPr/>
           <p:nvPr/>
         </p:nvSpPr>
-        <p:spPr>
+        <p:spPr bwMode="auto">
           <a:xfrm>
             <a:off x="0" y="9317472"/>
             <a:ext cx="18288808" cy="977430"/>
@@ -1986,7 +1944,7 @@
           <p:cNvSpPr/>
           <p:nvPr/>
         </p:nvSpPr>
-        <p:spPr>
+        <p:spPr bwMode="auto">
           <a:xfrm>
             <a:off x="868834" y="9404350"/>
             <a:ext cx="1750583" cy="912383"/>
@@ -2006,21 +1964,22 @@
                 <a:spcPts val="6414"/>
               </a:lnSpc>
               <a:buNone/>
-            </a:pPr>
-            <a:r>
-              <a:rPr lang="en-US" sz="2052" dirty="0">
+              <a:defRPr/>
+            </a:pPr>
+            <a:r>
+              <a:rPr lang="en-US" sz="2050">
                 <a:solidFill>
                   <a:srgbClr val="F9F8F8">
                     <a:alpha val="100000"/>
                   </a:srgbClr>
                 </a:solidFill>
-                <a:latin typeface="Inter Semi Bold" pitchFamily="34" charset="0"/>
-                <a:ea typeface="Inter Semi Bold" pitchFamily="34" charset="-122"/>
-                <a:cs typeface="Inter Semi Bold" pitchFamily="34" charset="-120"/>
+                <a:latin typeface="Inter Semi Bold"/>
+                <a:ea typeface="Inter Semi Bold"/>
+                <a:cs typeface="Inter Semi Bold"/>
               </a:rPr>
               <a:t>09/ Команда</a:t>
             </a:r>
-            <a:endParaRPr lang="en-US" sz="2052" dirty="0"/>
+            <a:endParaRPr lang="en-US" sz="2050"/>
           </a:p>
         </p:txBody>
       </p:sp>
@@ -2030,7 +1989,7 @@
           <p:cNvSpPr/>
           <p:nvPr/>
         </p:nvSpPr>
-        <p:spPr>
+        <p:spPr bwMode="auto">
           <a:xfrm>
             <a:off x="1778000" y="2032000"/>
             <a:ext cx="9232426" cy="1002826"/>
@@ -2050,21 +2009,22 @@
                 <a:spcPts val="6326"/>
               </a:lnSpc>
               <a:buNone/>
-            </a:pPr>
-            <a:r>
-              <a:rPr lang="en-US" sz="4789" dirty="0">
-                <a:solidFill>
-                  <a:srgbClr val="131212">
-                    <a:alpha val="100000"/>
-                  </a:srgbClr>
-                </a:solidFill>
-                <a:latin typeface="Inter Medium" pitchFamily="34" charset="0"/>
-                <a:ea typeface="Inter Medium" pitchFamily="34" charset="-122"/>
-                <a:cs typeface="Inter Medium" pitchFamily="34" charset="-120"/>
+              <a:defRPr/>
+            </a:pPr>
+            <a:r>
+              <a:rPr lang="en-US" sz="4800">
+                <a:solidFill>
+                  <a:srgbClr val="131212">
+                    <a:alpha val="100000"/>
+                  </a:srgbClr>
+                </a:solidFill>
+                <a:latin typeface="Inter Medium"/>
+                <a:ea typeface="Inter Medium"/>
+                <a:cs typeface="Inter Medium"/>
               </a:rPr>
               <a:t>Участники команды и их роли</a:t>
             </a:r>
-            <a:endParaRPr lang="en-US" sz="4789" dirty="0"/>
+            <a:endParaRPr lang="en-US" sz="4800"/>
           </a:p>
         </p:txBody>
       </p:sp>
@@ -2074,7 +2034,7 @@
           <p:cNvSpPr/>
           <p:nvPr/>
         </p:nvSpPr>
-        <p:spPr>
+        <p:spPr bwMode="auto">
           <a:xfrm>
             <a:off x="1778000" y="3302000"/>
             <a:ext cx="3924300" cy="762000"/>
@@ -2094,21 +2054,22 @@
                 <a:spcPts val="4756"/>
               </a:lnSpc>
               <a:buNone/>
-            </a:pPr>
-            <a:r>
-              <a:rPr lang="en-US" sz="3600" dirty="0">
-                <a:solidFill>
-                  <a:srgbClr val="131212">
-                    <a:alpha val="100000"/>
-                  </a:srgbClr>
-                </a:solidFill>
-                <a:latin typeface="Inter Medium" pitchFamily="34" charset="0"/>
-                <a:ea typeface="Inter Medium" pitchFamily="34" charset="-122"/>
-                <a:cs typeface="Inter Medium" pitchFamily="34" charset="-120"/>
+              <a:defRPr/>
+            </a:pPr>
+            <a:r>
+              <a:rPr lang="en-US" sz="3600">
+                <a:solidFill>
+                  <a:srgbClr val="131212">
+                    <a:alpha val="100000"/>
+                  </a:srgbClr>
+                </a:solidFill>
+                <a:latin typeface="Inter Medium"/>
+                <a:ea typeface="Inter Medium"/>
+                <a:cs typeface="Inter Medium"/>
               </a:rPr>
               <a:t>Бучнев Дмитрий</a:t>
             </a:r>
-            <a:endParaRPr lang="en-US" sz="3600" dirty="0"/>
+            <a:endParaRPr lang="en-US" sz="3600"/>
           </a:p>
         </p:txBody>
       </p:sp>
@@ -2118,7 +2079,7 @@
           <p:cNvSpPr/>
           <p:nvPr/>
         </p:nvSpPr>
-        <p:spPr>
+        <p:spPr bwMode="auto">
           <a:xfrm>
             <a:off x="1778000" y="4000500"/>
             <a:ext cx="4572000" cy="3530600"/>
@@ -2138,21 +2099,22 @@
                 <a:spcPts val="3170"/>
               </a:lnSpc>
               <a:buNone/>
-            </a:pPr>
-            <a:r>
-              <a:rPr lang="en-US" sz="2400" dirty="0">
-                <a:solidFill>
-                  <a:srgbClr val="131212">
-                    <a:alpha val="100000"/>
-                  </a:srgbClr>
-                </a:solidFill>
-                <a:latin typeface="Inter Regular" pitchFamily="34" charset="0"/>
-                <a:ea typeface="Inter Regular" pitchFamily="34" charset="-122"/>
-                <a:cs typeface="Inter Regular" pitchFamily="34" charset="-120"/>
+              <a:defRPr/>
+            </a:pPr>
+            <a:r>
+              <a:rPr lang="en-US" sz="2400">
+                <a:solidFill>
+                  <a:srgbClr val="131212">
+                    <a:alpha val="100000"/>
+                  </a:srgbClr>
+                </a:solidFill>
+                <a:latin typeface="Inter Regular"/>
+                <a:ea typeface="Inter Regular"/>
+                <a:cs typeface="Inter Regular"/>
               </a:rPr>
               <a:t>team lead </a:t>
             </a:r>
-            <a:endParaRPr lang="en-US" sz="2400" dirty="0"/>
+            <a:endParaRPr lang="en-US" sz="2400"/>
           </a:p>
           <a:p>
             <a:pPr marL="0" indent="0" algn="l">
@@ -2160,21 +2122,22 @@
                 <a:spcPts val="3170"/>
               </a:lnSpc>
               <a:buNone/>
-            </a:pPr>
-            <a:r>
-              <a:rPr lang="en-US" sz="2400" dirty="0">
-                <a:solidFill>
-                  <a:srgbClr val="131212">
-                    <a:alpha val="100000"/>
-                  </a:srgbClr>
-                </a:solidFill>
-                <a:latin typeface="Inter Regular" pitchFamily="34" charset="0"/>
-                <a:ea typeface="Inter Regular" pitchFamily="34" charset="-122"/>
-                <a:cs typeface="Inter Regular" pitchFamily="34" charset="-120"/>
+              <a:defRPr/>
+            </a:pPr>
+            <a:r>
+              <a:rPr lang="en-US" sz="2400">
+                <a:solidFill>
+                  <a:srgbClr val="131212">
+                    <a:alpha val="100000"/>
+                  </a:srgbClr>
+                </a:solidFill>
+                <a:latin typeface="Inter Regular"/>
+                <a:ea typeface="Inter Regular"/>
+                <a:cs typeface="Inter Regular"/>
               </a:rPr>
               <a:t>back-end разработчик тестировщик</a:t>
             </a:r>
-            <a:endParaRPr lang="en-US" sz="2400" dirty="0"/>
+            <a:endParaRPr lang="en-US" sz="2400"/>
           </a:p>
         </p:txBody>
       </p:sp>
@@ -2184,7 +2147,7 @@
           <p:cNvSpPr/>
           <p:nvPr/>
         </p:nvSpPr>
-        <p:spPr>
+        <p:spPr bwMode="auto">
           <a:xfrm>
             <a:off x="6426200" y="3302000"/>
             <a:ext cx="3683000" cy="762000"/>
@@ -2204,21 +2167,22 @@
                 <a:spcPts val="4756"/>
               </a:lnSpc>
               <a:buNone/>
-            </a:pPr>
-            <a:r>
-              <a:rPr lang="en-US" sz="3600" dirty="0">
-                <a:solidFill>
-                  <a:srgbClr val="131212">
-                    <a:alpha val="100000"/>
-                  </a:srgbClr>
-                </a:solidFill>
-                <a:latin typeface="Inter Medium" pitchFamily="34" charset="0"/>
-                <a:ea typeface="Inter Medium" pitchFamily="34" charset="-122"/>
-                <a:cs typeface="Inter Medium" pitchFamily="34" charset="-120"/>
+              <a:defRPr/>
+            </a:pPr>
+            <a:r>
+              <a:rPr lang="en-US" sz="3600">
+                <a:solidFill>
+                  <a:srgbClr val="131212">
+                    <a:alpha val="100000"/>
+                  </a:srgbClr>
+                </a:solidFill>
+                <a:latin typeface="Inter Medium"/>
+                <a:ea typeface="Inter Medium"/>
+                <a:cs typeface="Inter Medium"/>
               </a:rPr>
               <a:t>Ремезов Вадим</a:t>
             </a:r>
-            <a:endParaRPr lang="en-US" sz="3600" dirty="0"/>
+            <a:endParaRPr lang="en-US" sz="3600"/>
           </a:p>
         </p:txBody>
       </p:sp>
@@ -2228,7 +2192,7 @@
           <p:cNvSpPr/>
           <p:nvPr/>
         </p:nvSpPr>
-        <p:spPr>
+        <p:spPr bwMode="auto">
           <a:xfrm>
             <a:off x="11074400" y="3302000"/>
             <a:ext cx="3733800" cy="762000"/>
@@ -2248,21 +2212,22 @@
                 <a:spcPts val="4756"/>
               </a:lnSpc>
               <a:buNone/>
-            </a:pPr>
-            <a:r>
-              <a:rPr lang="en-US" sz="3600" dirty="0">
-                <a:solidFill>
-                  <a:srgbClr val="131212">
-                    <a:alpha val="100000"/>
-                  </a:srgbClr>
-                </a:solidFill>
-                <a:latin typeface="Inter Medium" pitchFamily="34" charset="0"/>
-                <a:ea typeface="Inter Medium" pitchFamily="34" charset="-122"/>
-                <a:cs typeface="Inter Medium" pitchFamily="34" charset="-120"/>
+              <a:defRPr/>
+            </a:pPr>
+            <a:r>
+              <a:rPr lang="en-US" sz="3600">
+                <a:solidFill>
+                  <a:srgbClr val="131212">
+                    <a:alpha val="100000"/>
+                  </a:srgbClr>
+                </a:solidFill>
+                <a:latin typeface="Inter Medium"/>
+                <a:ea typeface="Inter Medium"/>
+                <a:cs typeface="Inter Medium"/>
               </a:rPr>
               <a:t>Клоков Евгений</a:t>
             </a:r>
-            <a:endParaRPr lang="en-US" sz="3600" dirty="0"/>
+            <a:endParaRPr lang="en-US" sz="3600"/>
           </a:p>
         </p:txBody>
       </p:sp>
@@ -2272,7 +2237,7 @@
           <p:cNvSpPr/>
           <p:nvPr/>
         </p:nvSpPr>
-        <p:spPr>
+        <p:spPr bwMode="auto">
           <a:xfrm>
             <a:off x="6426200" y="4000500"/>
             <a:ext cx="4572000" cy="2298700"/>
@@ -2292,21 +2257,22 @@
                 <a:spcPts val="3170"/>
               </a:lnSpc>
               <a:buNone/>
-            </a:pPr>
-            <a:r>
-              <a:rPr lang="en-US" sz="2400" dirty="0">
-                <a:solidFill>
-                  <a:srgbClr val="131212">
-                    <a:alpha val="100000"/>
-                  </a:srgbClr>
-                </a:solidFill>
-                <a:latin typeface="Inter Regular" pitchFamily="34" charset="0"/>
-                <a:ea typeface="Inter Regular" pitchFamily="34" charset="-122"/>
-                <a:cs typeface="Inter Regular" pitchFamily="34" charset="-120"/>
+              <a:defRPr/>
+            </a:pPr>
+            <a:r>
+              <a:rPr lang="en-US" sz="2400">
+                <a:solidFill>
+                  <a:srgbClr val="131212">
+                    <a:alpha val="100000"/>
+                  </a:srgbClr>
+                </a:solidFill>
+                <a:latin typeface="Inter Regular"/>
+                <a:ea typeface="Inter Regular"/>
+                <a:cs typeface="Inter Regular"/>
               </a:rPr>
               <a:t>архитектор </a:t>
             </a:r>
-            <a:endParaRPr lang="en-US" sz="2400" dirty="0"/>
+            <a:endParaRPr lang="en-US" sz="2400"/>
           </a:p>
           <a:p>
             <a:pPr marL="0" indent="0" algn="l">
@@ -2314,21 +2280,22 @@
                 <a:spcPts val="3170"/>
               </a:lnSpc>
               <a:buNone/>
-            </a:pPr>
-            <a:r>
-              <a:rPr lang="en-US" sz="2400" dirty="0">
-                <a:solidFill>
-                  <a:srgbClr val="131212">
-                    <a:alpha val="100000"/>
-                  </a:srgbClr>
-                </a:solidFill>
-                <a:latin typeface="Inter Regular" pitchFamily="34" charset="0"/>
-                <a:ea typeface="Inter Regular" pitchFamily="34" charset="-122"/>
-                <a:cs typeface="Inter Regular" pitchFamily="34" charset="-120"/>
+              <a:defRPr/>
+            </a:pPr>
+            <a:r>
+              <a:rPr lang="en-US" sz="2400">
+                <a:solidFill>
+                  <a:srgbClr val="131212">
+                    <a:alpha val="100000"/>
+                  </a:srgbClr>
+                </a:solidFill>
+                <a:latin typeface="Inter Regular"/>
+                <a:ea typeface="Inter Regular"/>
+                <a:cs typeface="Inter Regular"/>
               </a:rPr>
               <a:t>frond-end разработчик технический писатель</a:t>
             </a:r>
-            <a:endParaRPr lang="en-US" sz="2400" dirty="0"/>
+            <a:endParaRPr lang="en-US" sz="2400"/>
           </a:p>
         </p:txBody>
       </p:sp>
@@ -2338,7 +2305,7 @@
           <p:cNvSpPr/>
           <p:nvPr/>
         </p:nvSpPr>
-        <p:spPr>
+        <p:spPr bwMode="auto">
           <a:xfrm>
             <a:off x="11074400" y="4000500"/>
             <a:ext cx="4572000" cy="3251200"/>
@@ -2358,21 +2325,22 @@
                 <a:spcPts val="3170"/>
               </a:lnSpc>
               <a:buNone/>
-            </a:pPr>
-            <a:r>
-              <a:rPr lang="en-US" sz="2400" dirty="0">
-                <a:solidFill>
-                  <a:srgbClr val="131212">
-                    <a:alpha val="100000"/>
-                  </a:srgbClr>
-                </a:solidFill>
-                <a:latin typeface="Inter Regular" pitchFamily="34" charset="0"/>
-                <a:ea typeface="Inter Regular" pitchFamily="34" charset="-122"/>
-                <a:cs typeface="Inter Regular" pitchFamily="34" charset="-120"/>
+              <a:defRPr/>
+            </a:pPr>
+            <a:r>
+              <a:rPr lang="en-US" sz="2400">
+                <a:solidFill>
+                  <a:srgbClr val="131212">
+                    <a:alpha val="100000"/>
+                  </a:srgbClr>
+                </a:solidFill>
+                <a:latin typeface="Inter Regular"/>
+                <a:ea typeface="Inter Regular"/>
+                <a:cs typeface="Inter Regular"/>
               </a:rPr>
               <a:t>проджект-менеджер</a:t>
             </a:r>
-            <a:endParaRPr lang="en-US" sz="2400" dirty="0"/>
+            <a:endParaRPr lang="en-US" sz="2400"/>
           </a:p>
           <a:p>
             <a:pPr marL="0" indent="0" algn="l">
@@ -2380,21 +2348,22 @@
                 <a:spcPts val="3170"/>
               </a:lnSpc>
               <a:buNone/>
-            </a:pPr>
-            <a:r>
-              <a:rPr lang="en-US" sz="2400" dirty="0">
-                <a:solidFill>
-                  <a:srgbClr val="131212">
-                    <a:alpha val="100000"/>
-                  </a:srgbClr>
-                </a:solidFill>
-                <a:latin typeface="Inter Regular" pitchFamily="34" charset="0"/>
-                <a:ea typeface="Inter Regular" pitchFamily="34" charset="-122"/>
-                <a:cs typeface="Inter Regular" pitchFamily="34" charset="-120"/>
+              <a:defRPr/>
+            </a:pPr>
+            <a:r>
+              <a:rPr lang="en-US" sz="2400">
+                <a:solidFill>
+                  <a:srgbClr val="131212">
+                    <a:alpha val="100000"/>
+                  </a:srgbClr>
+                </a:solidFill>
+                <a:latin typeface="Inter Regular"/>
+                <a:ea typeface="Inter Regular"/>
+                <a:cs typeface="Inter Regular"/>
               </a:rPr>
               <a:t>дизайнер</a:t>
             </a:r>
-            <a:endParaRPr lang="en-US" sz="2400" dirty="0"/>
+            <a:endParaRPr lang="en-US" sz="2400"/>
           </a:p>
         </p:txBody>
       </p:sp>
@@ -2404,7 +2373,7 @@
           <p:cNvSpPr/>
           <p:nvPr/>
         </p:nvSpPr>
-        <p:spPr>
+        <p:spPr bwMode="auto">
           <a:xfrm>
             <a:off x="1778000" y="1016000"/>
             <a:ext cx="4619264" cy="557497"/>
@@ -2421,27 +2390,515 @@
           <a:p>
             <a:pPr marL="0" indent="0" algn="l">
               <a:buNone/>
-            </a:pPr>
-            <a:r>
-              <a:rPr lang="en-US" sz="3421" dirty="0">
+              <a:defRPr/>
+            </a:pPr>
+            <a:r>
+              <a:rPr lang="en-US" sz="3400">
                 <a:solidFill>
                   <a:srgbClr val="C4C4C4">
                     <a:alpha val="100000"/>
                   </a:srgbClr>
                 </a:solidFill>
-                <a:latin typeface="Inter Medium" pitchFamily="34" charset="0"/>
-                <a:ea typeface="Inter Medium" pitchFamily="34" charset="-122"/>
-                <a:cs typeface="Inter Medium" pitchFamily="34" charset="-120"/>
+                <a:latin typeface="Inter Medium"/>
+                <a:ea typeface="Inter Medium"/>
+                <a:cs typeface="Inter Medium"/>
               </a:rPr>
               <a:t>Команда</a:t>
             </a:r>
-            <a:endParaRPr lang="en-US" sz="3421" dirty="0"/>
+            <a:endParaRPr lang="en-US" sz="3400"/>
           </a:p>
         </p:txBody>
       </p:sp>
       <p:pic>
         <p:nvPicPr>
           <p:cNvPr id="12" name="Image 0" descr=" "/>
+          <p:cNvPicPr>
+            <a:picLocks noChangeAspect="1"/>
+          </p:cNvPicPr>
+          <p:nvPr/>
+        </p:nvPicPr>
+        <p:blipFill>
+          <a:blip r:embed="rId3"/>
+          <a:stretch/>
+        </p:blipFill>
+        <p:spPr bwMode="auto">
+          <a:xfrm>
+            <a:off x="16814800" y="9453128"/>
+            <a:ext cx="659247" cy="656862"/>
+          </a:xfrm>
+          <a:prstGeom prst="rect">
+            <a:avLst/>
+          </a:prstGeom>
+        </p:spPr>
+      </p:pic>
+      <p:pic>
+        <p:nvPicPr>
+          <p:cNvPr id="13" name="Image 1" descr=" "/>
+          <p:cNvPicPr>
+            <a:picLocks noChangeAspect="1"/>
+          </p:cNvPicPr>
+          <p:nvPr/>
+        </p:nvPicPr>
+        <p:blipFill>
+          <a:blip r:embed="rId4"/>
+          <a:stretch/>
+        </p:blipFill>
+        <p:spPr bwMode="auto">
+          <a:xfrm>
+            <a:off x="16814800" y="9453128"/>
+            <a:ext cx="659244" cy="656863"/>
+          </a:xfrm>
+          <a:prstGeom prst="rect">
+            <a:avLst/>
+          </a:prstGeom>
+        </p:spPr>
+      </p:pic>
+    </p:spTree>
+  </p:cSld>
+  <p:clrMapOvr>
+    <a:masterClrMapping/>
+  </p:clrMapOvr>
+  <mc:AlternateContent xmlns:mc="http://schemas.openxmlformats.org/markup-compatibility/2006">
+    <mc:Choice xmlns:p159="http://schemas.microsoft.com/office/powerpoint/2015/09/main" xmlns:p14="http://schemas.microsoft.com/office/powerpoint/2010/main" Requires="p159">
+      <p:transition p14:dur="2000" advClick="1"/>
+    </mc:Choice>
+    <mc:Fallback>
+      <p:transition advClick="1"/>
+    </mc:Fallback>
+  </mc:AlternateContent>
+</p:sld>
+</file>
+
+<file path=ppt/slides/slide2.xml><?xml version="1.0" encoding="utf-8"?>
+<p:sld xmlns:a="http://schemas.openxmlformats.org/drawingml/2006/main" xmlns:r="http://schemas.openxmlformats.org/officeDocument/2006/relationships" xmlns:p="http://schemas.openxmlformats.org/presentationml/2006/main" xmlns:m="http://schemas.openxmlformats.org/officeDocument/2006/math" xmlns:w="http://schemas.openxmlformats.org/wordprocessingml/2006/main" showMasterPhAnim="0" show="1">
+  <p:cSld name="Slide 2">
+    <p:bg>
+      <p:bgPr shadeToTitle="0">
+        <a:solidFill>
+          <a:srgbClr val="FFFFFF"/>
+        </a:solidFill>
+      </p:bgPr>
+    </p:bg>
+    <p:spTree>
+      <p:nvGrpSpPr>
+        <p:cNvPr id="1" name=""/>
+        <p:cNvGrpSpPr/>
+        <p:nvPr/>
+      </p:nvGrpSpPr>
+      <p:grpSpPr bwMode="auto">
+        <a:xfrm>
+          <a:off x="0" y="0"/>
+          <a:ext cx="0" cy="0"/>
+          <a:chOff x="0" y="0"/>
+          <a:chExt cx="0" cy="0"/>
+        </a:xfrm>
+      </p:grpSpPr>
+      <p:sp>
+        <p:nvSpPr>
+          <p:cNvPr id="2" name="Shape 0"/>
+          <p:cNvSpPr/>
+          <p:nvPr/>
+        </p:nvSpPr>
+        <p:spPr bwMode="auto">
+          <a:xfrm>
+            <a:off x="0" y="9317472"/>
+            <a:ext cx="18288808" cy="977430"/>
+          </a:xfrm>
+          <a:prstGeom prst="rect">
+            <a:avLst/>
+          </a:prstGeom>
+          <a:solidFill>
+            <a:srgbClr val="2E2E2E">
+              <a:alpha val="100000"/>
+            </a:srgbClr>
+          </a:solidFill>
+          <a:ln/>
+        </p:spPr>
+      </p:sp>
+      <p:sp>
+        <p:nvSpPr>
+          <p:cNvPr id="3" name="Text 1"/>
+          <p:cNvSpPr/>
+          <p:nvPr/>
+        </p:nvSpPr>
+        <p:spPr bwMode="auto">
+          <a:xfrm>
+            <a:off x="868834" y="9404350"/>
+            <a:ext cx="1890283" cy="912383"/>
+          </a:xfrm>
+          <a:prstGeom prst="rect">
+            <a:avLst/>
+          </a:prstGeom>
+          <a:noFill/>
+          <a:ln/>
+        </p:spPr>
+        <p:txBody>
+          <a:bodyPr wrap="square" lIns="0" tIns="0" rIns="0" bIns="0" rtlCol="0" anchor="t"/>
+          <a:lstStyle/>
+          <a:p>
+            <a:pPr marL="0" indent="0" algn="l">
+              <a:lnSpc>
+                <a:spcPts val="6414"/>
+              </a:lnSpc>
+              <a:buNone/>
+              <a:defRPr/>
+            </a:pPr>
+            <a:r>
+              <a:rPr lang="en-US" sz="2050">
+                <a:solidFill>
+                  <a:srgbClr val="F9F8F8">
+                    <a:alpha val="100000"/>
+                  </a:srgbClr>
+                </a:solidFill>
+                <a:latin typeface="Inter Semi Bold"/>
+                <a:ea typeface="Inter Semi Bold"/>
+                <a:cs typeface="Inter Semi Bold"/>
+              </a:rPr>
+              <a:t>01/ Проблема</a:t>
+            </a:r>
+            <a:endParaRPr lang="en-US" sz="2050"/>
+          </a:p>
+        </p:txBody>
+      </p:sp>
+      <p:sp>
+        <p:nvSpPr>
+          <p:cNvPr id="4" name="Text 2"/>
+          <p:cNvSpPr/>
+          <p:nvPr/>
+        </p:nvSpPr>
+        <p:spPr bwMode="auto">
+          <a:xfrm>
+            <a:off x="1778000" y="2036862"/>
+            <a:ext cx="13126528" cy="5198482"/>
+          </a:xfrm>
+          <a:prstGeom prst="rect">
+            <a:avLst/>
+          </a:prstGeom>
+          <a:noFill/>
+          <a:ln/>
+        </p:spPr>
+        <p:txBody>
+          <a:bodyPr wrap="square" lIns="0" tIns="0" rIns="0" bIns="0" rtlCol="0" anchor="t"/>
+          <a:lstStyle/>
+          <a:p>
+            <a:pPr marL="0" indent="0" algn="l">
+              <a:lnSpc>
+                <a:spcPts val="6326"/>
+              </a:lnSpc>
+              <a:buNone/>
+              <a:defRPr/>
+            </a:pPr>
+            <a:r>
+              <a:rPr lang="en-US" sz="4800">
+                <a:solidFill>
+                  <a:srgbClr val="131212">
+                    <a:alpha val="100000"/>
+                  </a:srgbClr>
+                </a:solidFill>
+                <a:latin typeface="Inter Medium"/>
+                <a:ea typeface="Inter Medium"/>
+                <a:cs typeface="Inter Medium"/>
+              </a:rPr>
+              <a:t>Описание проблемы, </a:t>
+            </a:r>
+            <a:endParaRPr lang="en-US" sz="4800"/>
+          </a:p>
+          <a:p>
+            <a:pPr marL="0" indent="0" algn="l">
+              <a:lnSpc>
+                <a:spcPts val="6326"/>
+              </a:lnSpc>
+              <a:buNone/>
+              <a:defRPr/>
+            </a:pPr>
+            <a:r>
+              <a:rPr lang="en-US" sz="4800">
+                <a:solidFill>
+                  <a:srgbClr val="131212">
+                    <a:alpha val="100000"/>
+                  </a:srgbClr>
+                </a:solidFill>
+                <a:latin typeface="Inter Medium"/>
+                <a:ea typeface="Inter Medium"/>
+                <a:cs typeface="Inter Medium"/>
+              </a:rPr>
+              <a:t>которую решает наш проект</a:t>
+            </a:r>
+            <a:endParaRPr lang="en-US" sz="4800"/>
+          </a:p>
+        </p:txBody>
+      </p:sp>
+      <p:sp>
+        <p:nvSpPr>
+          <p:cNvPr id="5" name="Text 3"/>
+          <p:cNvSpPr/>
+          <p:nvPr/>
+        </p:nvSpPr>
+        <p:spPr bwMode="auto">
+          <a:xfrm>
+            <a:off x="1778000" y="1016000"/>
+            <a:ext cx="4619264" cy="557497"/>
+          </a:xfrm>
+          <a:prstGeom prst="rect">
+            <a:avLst/>
+          </a:prstGeom>
+          <a:noFill/>
+          <a:ln/>
+        </p:spPr>
+        <p:txBody>
+          <a:bodyPr wrap="square" lIns="0" tIns="0" rIns="0" bIns="0" rtlCol="0" anchor="t"/>
+          <a:lstStyle/>
+          <a:p>
+            <a:pPr marL="0" indent="0" algn="l">
+              <a:buNone/>
+              <a:defRPr/>
+            </a:pPr>
+            <a:r>
+              <a:rPr lang="en-US" sz="3400">
+                <a:solidFill>
+                  <a:srgbClr val="C4C4C4">
+                    <a:alpha val="100000"/>
+                  </a:srgbClr>
+                </a:solidFill>
+                <a:latin typeface="Inter Medium"/>
+                <a:ea typeface="Inter Medium"/>
+                <a:cs typeface="Inter Medium"/>
+              </a:rPr>
+              <a:t>Проблема</a:t>
+            </a:r>
+            <a:endParaRPr lang="en-US" sz="3400"/>
+          </a:p>
+        </p:txBody>
+      </p:sp>
+      <p:sp>
+        <p:nvSpPr>
+          <p:cNvPr id="6" name="Text 4"/>
+          <p:cNvSpPr/>
+          <p:nvPr/>
+        </p:nvSpPr>
+        <p:spPr bwMode="auto">
+          <a:xfrm>
+            <a:off x="1778000" y="4279900"/>
+            <a:ext cx="14014985" cy="654585"/>
+          </a:xfrm>
+          <a:prstGeom prst="rect">
+            <a:avLst/>
+          </a:prstGeom>
+          <a:noFill/>
+          <a:ln/>
+        </p:spPr>
+        <p:txBody>
+          <a:bodyPr wrap="square" lIns="0" tIns="0" rIns="0" bIns="0" rtlCol="0" anchor="t"/>
+          <a:lstStyle/>
+          <a:p>
+            <a:pPr marL="0" indent="0" algn="l">
+              <a:lnSpc>
+                <a:spcPts val="4971"/>
+              </a:lnSpc>
+              <a:buNone/>
+              <a:defRPr/>
+            </a:pPr>
+            <a:r>
+              <a:rPr lang="en-US" sz="3750">
+                <a:solidFill>
+                  <a:srgbClr val="131212">
+                    <a:alpha val="100000"/>
+                  </a:srgbClr>
+                </a:solidFill>
+                <a:latin typeface="Inter Medium"/>
+                <a:ea typeface="Inter Medium"/>
+                <a:cs typeface="Inter Medium"/>
+              </a:rPr>
+              <a:t>• Экономическая эффективность </a:t>
+            </a:r>
+            <a:endParaRPr lang="en-US" sz="3750"/>
+          </a:p>
+          <a:p>
+            <a:pPr marL="0" indent="0" algn="l">
+              <a:lnSpc>
+                <a:spcPts val="4971"/>
+              </a:lnSpc>
+              <a:buNone/>
+              <a:defRPr/>
+            </a:pPr>
+            <a:r>
+              <a:rPr lang="en-US" sz="3750">
+                <a:solidFill>
+                  <a:srgbClr val="131212">
+                    <a:alpha val="100000"/>
+                  </a:srgbClr>
+                </a:solidFill>
+                <a:latin typeface="Inter Medium"/>
+                <a:ea typeface="Inter Medium"/>
+                <a:cs typeface="Inter Medium"/>
+              </a:rPr>
+              <a:t> </a:t>
+            </a:r>
+            <a:endParaRPr lang="en-US" sz="3750"/>
+          </a:p>
+          <a:p>
+            <a:pPr marL="0" indent="0" algn="l">
+              <a:lnSpc>
+                <a:spcPts val="4971"/>
+              </a:lnSpc>
+              <a:buNone/>
+              <a:defRPr/>
+            </a:pPr>
+            <a:r>
+              <a:rPr lang="en-US" sz="3750">
+                <a:solidFill>
+                  <a:srgbClr val="131212">
+                    <a:alpha val="100000"/>
+                  </a:srgbClr>
+                </a:solidFill>
+                <a:latin typeface="Inter Medium"/>
+                <a:ea typeface="Inter Medium"/>
+                <a:cs typeface="Inter Medium"/>
+              </a:rPr>
+              <a:t> </a:t>
+            </a:r>
+            <a:endParaRPr lang="en-US" sz="3750"/>
+          </a:p>
+        </p:txBody>
+      </p:sp>
+      <p:sp>
+        <p:nvSpPr>
+          <p:cNvPr id="7" name="Text 5"/>
+          <p:cNvSpPr/>
+          <p:nvPr/>
+        </p:nvSpPr>
+        <p:spPr bwMode="auto">
+          <a:xfrm>
+            <a:off x="1778000" y="5384800"/>
+            <a:ext cx="13061366" cy="794285"/>
+          </a:xfrm>
+          <a:prstGeom prst="rect">
+            <a:avLst/>
+          </a:prstGeom>
+          <a:noFill/>
+          <a:ln/>
+        </p:spPr>
+        <p:txBody>
+          <a:bodyPr wrap="square" lIns="0" tIns="0" rIns="0" bIns="0" rtlCol="0" anchor="t"/>
+          <a:lstStyle/>
+          <a:p>
+            <a:pPr marL="0" indent="0" algn="l">
+              <a:lnSpc>
+                <a:spcPts val="4971"/>
+              </a:lnSpc>
+              <a:buNone/>
+              <a:defRPr/>
+            </a:pPr>
+            <a:r>
+              <a:rPr lang="en-US" sz="3750">
+                <a:solidFill>
+                  <a:srgbClr val="131212">
+                    <a:alpha val="100000"/>
+                  </a:srgbClr>
+                </a:solidFill>
+                <a:latin typeface="Inter Medium"/>
+                <a:ea typeface="Inter Medium"/>
+                <a:cs typeface="Inter Medium"/>
+              </a:rPr>
+              <a:t>• Доступность специализированных инструментов</a:t>
+            </a:r>
+            <a:endParaRPr lang="en-US" sz="3750"/>
+          </a:p>
+        </p:txBody>
+      </p:sp>
+      <p:sp>
+        <p:nvSpPr>
+          <p:cNvPr id="8" name="Text 6"/>
+          <p:cNvSpPr/>
+          <p:nvPr/>
+        </p:nvSpPr>
+        <p:spPr bwMode="auto">
+          <a:xfrm>
+            <a:off x="1778000" y="6629400"/>
+            <a:ext cx="13061366" cy="794285"/>
+          </a:xfrm>
+          <a:prstGeom prst="rect">
+            <a:avLst/>
+          </a:prstGeom>
+          <a:noFill/>
+          <a:ln/>
+        </p:spPr>
+        <p:txBody>
+          <a:bodyPr wrap="square" lIns="0" tIns="0" rIns="0" bIns="0" rtlCol="0" anchor="t"/>
+          <a:lstStyle/>
+          <a:p>
+            <a:pPr marL="0" indent="0" algn="l">
+              <a:lnSpc>
+                <a:spcPts val="4971"/>
+              </a:lnSpc>
+              <a:buNone/>
+              <a:defRPr/>
+            </a:pPr>
+            <a:r>
+              <a:rPr lang="en-US" sz="3750">
+                <a:solidFill>
+                  <a:srgbClr val="131212">
+                    <a:alpha val="100000"/>
+                  </a:srgbClr>
+                </a:solidFill>
+                <a:latin typeface="Inter Medium"/>
+                <a:ea typeface="Inter Medium"/>
+                <a:cs typeface="Inter Medium"/>
+              </a:rPr>
+              <a:t>• Удобство и гибкость</a:t>
+            </a:r>
+            <a:endParaRPr lang="en-US" sz="3750"/>
+          </a:p>
+        </p:txBody>
+      </p:sp>
+      <p:sp>
+        <p:nvSpPr>
+          <p:cNvPr id="9" name="Text 7"/>
+          <p:cNvSpPr/>
+          <p:nvPr/>
+        </p:nvSpPr>
+        <p:spPr bwMode="auto">
+          <a:xfrm>
+            <a:off x="1778000" y="7874000"/>
+            <a:ext cx="13061366" cy="794285"/>
+          </a:xfrm>
+          <a:prstGeom prst="rect">
+            <a:avLst/>
+          </a:prstGeom>
+          <a:noFill/>
+          <a:ln/>
+        </p:spPr>
+        <p:txBody>
+          <a:bodyPr wrap="square" lIns="0" tIns="0" rIns="0" bIns="0" rtlCol="0" anchor="t"/>
+          <a:lstStyle/>
+          <a:p>
+            <a:pPr marL="0" indent="0" algn="l">
+              <a:lnSpc>
+                <a:spcPts val="4971"/>
+              </a:lnSpc>
+              <a:buNone/>
+              <a:defRPr/>
+            </a:pPr>
+            <a:r>
+              <a:rPr lang="en-US" sz="3750">
+                <a:solidFill>
+                  <a:srgbClr val="131212">
+                    <a:alpha val="100000"/>
+                  </a:srgbClr>
+                </a:solidFill>
+                <a:latin typeface="Inter Medium"/>
+                <a:ea typeface="Inter Medium"/>
+                <a:cs typeface="Inter Medium"/>
+              </a:rPr>
+              <a:t>• Испытание перед покупкой</a:t>
+            </a:r>
+            <a:endParaRPr lang="en-US" sz="3750"/>
+          </a:p>
+        </p:txBody>
+      </p:sp>
+      <p:pic>
+        <p:nvPicPr>
+          <p:cNvPr id="10" name="Image 0" descr=" "/>
           <p:cNvPicPr>
             <a:picLocks noChangeAspect="1"/>
           </p:cNvPicPr>
@@ -2455,14 +2912,12 @@
               </a:ext>
             </a:extLst>
           </a:blip>
-          <a:stretch>
-            <a:fillRect/>
-          </a:stretch>
+          <a:stretch/>
         </p:blipFill>
-        <p:spPr>
-          <a:xfrm>
-            <a:off x="16814800" y="9453128"/>
-            <a:ext cx="659247" cy="656862"/>
+        <p:spPr bwMode="auto">
+          <a:xfrm>
+            <a:off x="16814753" y="9461500"/>
+            <a:ext cx="659242" cy="656862"/>
           </a:xfrm>
           <a:prstGeom prst="rect">
             <a:avLst/>
@@ -2471,7 +2926,7 @@
       </p:pic>
       <p:pic>
         <p:nvPicPr>
-          <p:cNvPr id="13" name="Image 1" descr=" "/>
+          <p:cNvPr id="11" name="Image 1" descr=" "/>
           <p:cNvPicPr>
             <a:picLocks noChangeAspect="1"/>
           </p:cNvPicPr>
@@ -2479,13 +2934,11 @@
         </p:nvPicPr>
         <p:blipFill>
           <a:blip r:embed="rId5"/>
-          <a:stretch>
-            <a:fillRect/>
-          </a:stretch>
+          <a:stretch/>
         </p:blipFill>
-        <p:spPr>
-          <a:xfrm>
-            <a:off x="16814800" y="9453128"/>
+        <p:spPr bwMode="auto">
+          <a:xfrm>
+            <a:off x="16814753" y="9461500"/>
             <a:ext cx="659244" cy="656863"/>
           </a:xfrm>
           <a:prstGeom prst="rect">
@@ -2498,18 +2951,25 @@
   <p:clrMapOvr>
     <a:masterClrMapping/>
   </p:clrMapOvr>
+  <mc:AlternateContent xmlns:mc="http://schemas.openxmlformats.org/markup-compatibility/2006">
+    <mc:Choice xmlns:p159="http://schemas.microsoft.com/office/powerpoint/2015/09/main" xmlns:p14="http://schemas.microsoft.com/office/powerpoint/2010/main" Requires="p159">
+      <p:transition p14:dur="2000" advClick="1"/>
+    </mc:Choice>
+    <mc:Fallback>
+      <p:transition advClick="1"/>
+    </mc:Fallback>
+  </mc:AlternateContent>
 </p:sld>
 </file>
 
-<file path=ppt/slides/slide2.xml><?xml version="1.0" encoding="utf-8"?>
-<p:sld xmlns:a="http://schemas.openxmlformats.org/drawingml/2006/main" xmlns:r="http://schemas.openxmlformats.org/officeDocument/2006/relationships" xmlns:p="http://schemas.openxmlformats.org/presentationml/2006/main">
-  <p:cSld name="Slide 2">
+<file path=ppt/slides/slide3.xml><?xml version="1.0" encoding="utf-8"?>
+<p:sld xmlns:a="http://schemas.openxmlformats.org/drawingml/2006/main" xmlns:r="http://schemas.openxmlformats.org/officeDocument/2006/relationships" xmlns:p="http://schemas.openxmlformats.org/presentationml/2006/main" xmlns:m="http://schemas.openxmlformats.org/officeDocument/2006/math" xmlns:w="http://schemas.openxmlformats.org/wordprocessingml/2006/main" showMasterPhAnim="0" show="1">
+  <p:cSld name="Slide 3">
     <p:bg>
-      <p:bgPr>
+      <p:bgPr shadeToTitle="0">
         <a:solidFill>
           <a:srgbClr val="FFFFFF"/>
         </a:solidFill>
-        <a:effectLst/>
       </p:bgPr>
     </p:bg>
     <p:spTree>
@@ -2518,7 +2978,7 @@
         <p:cNvGrpSpPr/>
         <p:nvPr/>
       </p:nvGrpSpPr>
-      <p:grpSpPr>
+      <p:grpSpPr bwMode="auto">
         <a:xfrm>
           <a:off x="0" y="0"/>
           <a:ext cx="0" cy="0"/>
@@ -2532,7 +2992,7 @@
           <p:cNvSpPr/>
           <p:nvPr/>
         </p:nvSpPr>
-        <p:spPr>
+        <p:spPr bwMode="auto">
           <a:xfrm>
             <a:off x="0" y="9317472"/>
             <a:ext cx="18288808" cy="977430"/>
@@ -2554,10 +3014,10 @@
           <p:cNvSpPr/>
           <p:nvPr/>
         </p:nvSpPr>
-        <p:spPr>
+        <p:spPr bwMode="auto">
           <a:xfrm>
             <a:off x="868834" y="9404350"/>
-            <a:ext cx="1890283" cy="912383"/>
+            <a:ext cx="3147583" cy="912383"/>
           </a:xfrm>
           <a:prstGeom prst="rect">
             <a:avLst/>
@@ -2574,21 +3034,22 @@
                 <a:spcPts val="6414"/>
               </a:lnSpc>
               <a:buNone/>
-            </a:pPr>
-            <a:r>
-              <a:rPr lang="en-US" sz="2052" dirty="0">
+              <a:defRPr/>
+            </a:pPr>
+            <a:r>
+              <a:rPr lang="en-US" sz="2050">
                 <a:solidFill>
                   <a:srgbClr val="F9F8F8">
                     <a:alpha val="100000"/>
                   </a:srgbClr>
                 </a:solidFill>
-                <a:latin typeface="Inter Semi Bold" pitchFamily="34" charset="0"/>
-                <a:ea typeface="Inter Semi Bold" pitchFamily="34" charset="-122"/>
-                <a:cs typeface="Inter Semi Bold" pitchFamily="34" charset="-120"/>
-              </a:rPr>
-              <a:t>01/ Проблема</a:t>
-            </a:r>
-            <a:endParaRPr lang="en-US" sz="2052" dirty="0"/>
+                <a:latin typeface="Inter Semi Bold"/>
+                <a:ea typeface="Inter Semi Bold"/>
+                <a:cs typeface="Inter Semi Bold"/>
+              </a:rPr>
+              <a:t>02/ Целевая аудитория</a:t>
+            </a:r>
+            <a:endParaRPr lang="en-US" sz="2050"/>
           </a:p>
         </p:txBody>
       </p:sp>
@@ -2598,7 +3059,7 @@
           <p:cNvSpPr/>
           <p:nvPr/>
         </p:nvSpPr>
-        <p:spPr>
+        <p:spPr bwMode="auto">
           <a:xfrm>
             <a:off x="1778000" y="2036862"/>
             <a:ext cx="13126528" cy="5198482"/>
@@ -2618,21 +3079,22 @@
                 <a:spcPts val="6326"/>
               </a:lnSpc>
               <a:buNone/>
-            </a:pPr>
-            <a:r>
-              <a:rPr lang="en-US" sz="4789" dirty="0">
-                <a:solidFill>
-                  <a:srgbClr val="131212">
-                    <a:alpha val="100000"/>
-                  </a:srgbClr>
-                </a:solidFill>
-                <a:latin typeface="Inter Medium" pitchFamily="34" charset="0"/>
-                <a:ea typeface="Inter Medium" pitchFamily="34" charset="-122"/>
-                <a:cs typeface="Inter Medium" pitchFamily="34" charset="-120"/>
-              </a:rPr>
-              <a:t>Описание проблемы, </a:t>
-            </a:r>
-            <a:endParaRPr lang="en-US" sz="4789" dirty="0"/>
+              <a:defRPr/>
+            </a:pPr>
+            <a:r>
+              <a:rPr lang="en-US" sz="4800">
+                <a:solidFill>
+                  <a:srgbClr val="131212">
+                    <a:alpha val="100000"/>
+                  </a:srgbClr>
+                </a:solidFill>
+                <a:latin typeface="Inter Medium"/>
+                <a:ea typeface="Inter Medium"/>
+                <a:cs typeface="Inter Medium"/>
+              </a:rPr>
+              <a:t>Описание целевой аудитории</a:t>
+            </a:r>
+            <a:endParaRPr lang="en-US" sz="4800"/>
           </a:p>
           <a:p>
             <a:pPr marL="0" indent="0" algn="l">
@@ -2640,21 +3102,22 @@
                 <a:spcPts val="6326"/>
               </a:lnSpc>
               <a:buNone/>
-            </a:pPr>
-            <a:r>
-              <a:rPr lang="en-US" sz="4789" dirty="0">
-                <a:solidFill>
-                  <a:srgbClr val="131212">
-                    <a:alpha val="100000"/>
-                  </a:srgbClr>
-                </a:solidFill>
-                <a:latin typeface="Inter Medium" pitchFamily="34" charset="0"/>
-                <a:ea typeface="Inter Medium" pitchFamily="34" charset="-122"/>
-                <a:cs typeface="Inter Medium" pitchFamily="34" charset="-120"/>
-              </a:rPr>
-              <a:t>которую решает наш проект</a:t>
-            </a:r>
-            <a:endParaRPr lang="en-US" sz="4789" dirty="0"/>
+              <a:defRPr/>
+            </a:pPr>
+            <a:r>
+              <a:rPr lang="en-US" sz="4800">
+                <a:solidFill>
+                  <a:srgbClr val="131212">
+                    <a:alpha val="100000"/>
+                  </a:srgbClr>
+                </a:solidFill>
+                <a:latin typeface="Inter Medium"/>
+                <a:ea typeface="Inter Medium"/>
+                <a:cs typeface="Inter Medium"/>
+              </a:rPr>
+              <a:t>нашего проекта</a:t>
+            </a:r>
+            <a:endParaRPr lang="en-US" sz="4800"/>
           </a:p>
         </p:txBody>
       </p:sp>
@@ -2664,7 +3127,7 @@
           <p:cNvSpPr/>
           <p:nvPr/>
         </p:nvSpPr>
-        <p:spPr>
+        <p:spPr bwMode="auto">
           <a:xfrm>
             <a:off x="1778000" y="1016000"/>
             <a:ext cx="4619264" cy="557497"/>
@@ -2681,21 +3144,22 @@
           <a:p>
             <a:pPr marL="0" indent="0" algn="l">
               <a:buNone/>
-            </a:pPr>
-            <a:r>
-              <a:rPr lang="en-US" sz="3421" dirty="0">
+              <a:defRPr/>
+            </a:pPr>
+            <a:r>
+              <a:rPr lang="en-US" sz="3400">
                 <a:solidFill>
                   <a:srgbClr val="C4C4C4">
                     <a:alpha val="100000"/>
                   </a:srgbClr>
                 </a:solidFill>
-                <a:latin typeface="Inter Medium" pitchFamily="34" charset="0"/>
-                <a:ea typeface="Inter Medium" pitchFamily="34" charset="-122"/>
-                <a:cs typeface="Inter Medium" pitchFamily="34" charset="-120"/>
-              </a:rPr>
-              <a:t>Проблема</a:t>
-            </a:r>
-            <a:endParaRPr lang="en-US" sz="3421" dirty="0"/>
+                <a:latin typeface="Inter Medium"/>
+                <a:ea typeface="Inter Medium"/>
+                <a:cs typeface="Inter Medium"/>
+              </a:rPr>
+              <a:t>Целевая аудитория</a:t>
+            </a:r>
+            <a:endParaRPr lang="en-US" sz="3400"/>
           </a:p>
         </p:txBody>
       </p:sp>
@@ -2705,7 +3169,7 @@
           <p:cNvSpPr/>
           <p:nvPr/>
         </p:nvSpPr>
-        <p:spPr>
+        <p:spPr bwMode="auto">
           <a:xfrm>
             <a:off x="1778000" y="4279900"/>
             <a:ext cx="14014985" cy="654585"/>
@@ -2725,197 +3189,35 @@
                 <a:spcPts val="4971"/>
               </a:lnSpc>
               <a:buNone/>
-            </a:pPr>
-            <a:r>
-              <a:rPr lang="en-US" sz="3763" dirty="0">
-                <a:solidFill>
-                  <a:srgbClr val="131212">
-                    <a:alpha val="100000"/>
-                  </a:srgbClr>
-                </a:solidFill>
-                <a:latin typeface="Inter Medium" pitchFamily="34" charset="0"/>
-                <a:ea typeface="Inter Medium" pitchFamily="34" charset="-122"/>
-                <a:cs typeface="Inter Medium" pitchFamily="34" charset="-120"/>
-              </a:rPr>
-              <a:t>• Экономическая эффективность </a:t>
-            </a:r>
-            <a:endParaRPr lang="en-US" sz="3763" dirty="0"/>
-          </a:p>
-          <a:p>
-            <a:pPr marL="0" indent="0" algn="l">
-              <a:lnSpc>
-                <a:spcPts val="4971"/>
-              </a:lnSpc>
-              <a:buNone/>
-            </a:pPr>
-            <a:r>
-              <a:rPr lang="en-US" sz="3763" dirty="0">
-                <a:solidFill>
-                  <a:srgbClr val="131212">
-                    <a:alpha val="100000"/>
-                  </a:srgbClr>
-                </a:solidFill>
-                <a:latin typeface="Inter Medium" pitchFamily="34" charset="0"/>
-                <a:ea typeface="Inter Medium" pitchFamily="34" charset="-122"/>
-                <a:cs typeface="Inter Medium" pitchFamily="34" charset="-120"/>
-              </a:rPr>
-              <a:t> </a:t>
-            </a:r>
-            <a:endParaRPr lang="en-US" sz="3763" dirty="0"/>
-          </a:p>
-          <a:p>
-            <a:pPr marL="0" indent="0" algn="l">
-              <a:lnSpc>
-                <a:spcPts val="4971"/>
-              </a:lnSpc>
-              <a:buNone/>
-            </a:pPr>
-            <a:r>
-              <a:rPr lang="en-US" sz="3763" dirty="0">
-                <a:solidFill>
-                  <a:srgbClr val="131212">
-                    <a:alpha val="100000"/>
-                  </a:srgbClr>
-                </a:solidFill>
-                <a:latin typeface="Inter Medium" pitchFamily="34" charset="0"/>
-                <a:ea typeface="Inter Medium" pitchFamily="34" charset="-122"/>
-                <a:cs typeface="Inter Medium" pitchFamily="34" charset="-120"/>
-              </a:rPr>
-              <a:t> </a:t>
-            </a:r>
-            <a:endParaRPr lang="en-US" sz="3763" dirty="0"/>
-          </a:p>
-        </p:txBody>
-      </p:sp>
-      <p:sp>
-        <p:nvSpPr>
-          <p:cNvPr id="7" name="Text 5"/>
-          <p:cNvSpPr/>
-          <p:nvPr/>
-        </p:nvSpPr>
-        <p:spPr>
-          <a:xfrm>
-            <a:off x="1778000" y="5384800"/>
-            <a:ext cx="13061366" cy="794285"/>
-          </a:xfrm>
-          <a:prstGeom prst="rect">
-            <a:avLst/>
-          </a:prstGeom>
-          <a:noFill/>
-          <a:ln/>
-        </p:spPr>
-        <p:txBody>
-          <a:bodyPr wrap="square" lIns="0" tIns="0" rIns="0" bIns="0" rtlCol="0" anchor="t"/>
-          <a:lstStyle/>
-          <a:p>
-            <a:pPr marL="0" indent="0" algn="l">
-              <a:lnSpc>
-                <a:spcPts val="4971"/>
-              </a:lnSpc>
-              <a:buNone/>
-            </a:pPr>
-            <a:r>
-              <a:rPr lang="en-US" sz="3763" dirty="0">
-                <a:solidFill>
-                  <a:srgbClr val="131212">
-                    <a:alpha val="100000"/>
-                  </a:srgbClr>
-                </a:solidFill>
-                <a:latin typeface="Inter Medium" pitchFamily="34" charset="0"/>
-                <a:ea typeface="Inter Medium" pitchFamily="34" charset="-122"/>
-                <a:cs typeface="Inter Medium" pitchFamily="34" charset="-120"/>
-              </a:rPr>
-              <a:t>• Доступность специализированных инструментов</a:t>
-            </a:r>
-            <a:endParaRPr lang="en-US" sz="3763" dirty="0"/>
-          </a:p>
-        </p:txBody>
-      </p:sp>
-      <p:sp>
-        <p:nvSpPr>
-          <p:cNvPr id="8" name="Text 6"/>
-          <p:cNvSpPr/>
-          <p:nvPr/>
-        </p:nvSpPr>
-        <p:spPr>
-          <a:xfrm>
-            <a:off x="1778000" y="6629400"/>
-            <a:ext cx="13061366" cy="794285"/>
-          </a:xfrm>
-          <a:prstGeom prst="rect">
-            <a:avLst/>
-          </a:prstGeom>
-          <a:noFill/>
-          <a:ln/>
-        </p:spPr>
-        <p:txBody>
-          <a:bodyPr wrap="square" lIns="0" tIns="0" rIns="0" bIns="0" rtlCol="0" anchor="t"/>
-          <a:lstStyle/>
-          <a:p>
-            <a:pPr marL="0" indent="0" algn="l">
-              <a:lnSpc>
-                <a:spcPts val="4971"/>
-              </a:lnSpc>
-              <a:buNone/>
-            </a:pPr>
-            <a:r>
-              <a:rPr lang="en-US" sz="3763" dirty="0">
-                <a:solidFill>
-                  <a:srgbClr val="131212">
-                    <a:alpha val="100000"/>
-                  </a:srgbClr>
-                </a:solidFill>
-                <a:latin typeface="Inter Medium" pitchFamily="34" charset="0"/>
-                <a:ea typeface="Inter Medium" pitchFamily="34" charset="-122"/>
-                <a:cs typeface="Inter Medium" pitchFamily="34" charset="-120"/>
-              </a:rPr>
-              <a:t>• Удобство и гибкость</a:t>
-            </a:r>
-            <a:endParaRPr lang="en-US" sz="3763" dirty="0"/>
-          </a:p>
-        </p:txBody>
-      </p:sp>
-      <p:sp>
-        <p:nvSpPr>
-          <p:cNvPr id="9" name="Text 7"/>
-          <p:cNvSpPr/>
-          <p:nvPr/>
-        </p:nvSpPr>
-        <p:spPr>
-          <a:xfrm>
-            <a:off x="1778000" y="7874000"/>
-            <a:ext cx="13061366" cy="794285"/>
-          </a:xfrm>
-          <a:prstGeom prst="rect">
-            <a:avLst/>
-          </a:prstGeom>
-          <a:noFill/>
-          <a:ln/>
-        </p:spPr>
-        <p:txBody>
-          <a:bodyPr wrap="square" lIns="0" tIns="0" rIns="0" bIns="0" rtlCol="0" anchor="t"/>
-          <a:lstStyle/>
-          <a:p>
-            <a:pPr marL="0" indent="0" algn="l">
-              <a:lnSpc>
-                <a:spcPts val="4971"/>
-              </a:lnSpc>
-              <a:buNone/>
-            </a:pPr>
-            <a:r>
-              <a:rPr lang="en-US" sz="3763" dirty="0">
-                <a:solidFill>
-                  <a:srgbClr val="131212">
-                    <a:alpha val="100000"/>
-                  </a:srgbClr>
-                </a:solidFill>
-                <a:latin typeface="Inter Medium" pitchFamily="34" charset="0"/>
-                <a:ea typeface="Inter Medium" pitchFamily="34" charset="-122"/>
-                <a:cs typeface="Inter Medium" pitchFamily="34" charset="-120"/>
-              </a:rPr>
-              <a:t>• Испытание перед покупкой</a:t>
-            </a:r>
-            <a:endParaRPr lang="en-US" sz="3763" dirty="0"/>
+              <a:defRPr/>
+            </a:pPr>
+            <a:r>
+              <a:rPr lang="en-US" sz="3750">
+                <a:solidFill>
+                  <a:srgbClr val="131212">
+                    <a:alpha val="100000"/>
+                  </a:srgbClr>
+                </a:solidFill>
+                <a:latin typeface="Inter Medium"/>
+                <a:ea typeface="Inter Medium"/>
+                <a:cs typeface="Inter Medium"/>
+              </a:rPr>
+              <a:t>• </a:t>
+            </a:r>
+            <a:r>
+              <a:rPr lang="ru-RU" sz="3750">
+                <a:solidFill>
+                  <a:srgbClr val="131212">
+                    <a:alpha val="100000"/>
+                  </a:srgbClr>
+                </a:solidFill>
+                <a:latin typeface="Inter Medium"/>
+                <a:ea typeface="Inter Medium"/>
+                <a:cs typeface="Inter Medium"/>
+              </a:rPr>
+              <a:t>Люди в возрасте от 18 до 45 лет, которые не нуждаются в многоразовом использовании инструмента</a:t>
+            </a:r>
+            <a:endParaRPr lang="en-US" sz="3750"/>
           </a:p>
         </p:txBody>
       </p:sp>
@@ -2935,14 +3237,12 @@
               </a:ext>
             </a:extLst>
           </a:blip>
-          <a:stretch>
-            <a:fillRect/>
-          </a:stretch>
+          <a:stretch/>
         </p:blipFill>
-        <p:spPr>
-          <a:xfrm>
-            <a:off x="16814753" y="9461500"/>
-            <a:ext cx="659243" cy="656862"/>
+        <p:spPr bwMode="auto">
+          <a:xfrm>
+            <a:off x="16814750" y="9461500"/>
+            <a:ext cx="659247" cy="656862"/>
           </a:xfrm>
           <a:prstGeom prst="rect">
             <a:avLst/>
@@ -2959,13 +3259,11 @@
         </p:nvPicPr>
         <p:blipFill>
           <a:blip r:embed="rId5"/>
-          <a:stretch>
-            <a:fillRect/>
-          </a:stretch>
+          <a:stretch/>
         </p:blipFill>
-        <p:spPr>
-          <a:xfrm>
-            <a:off x="16814753" y="9461500"/>
+        <p:spPr bwMode="auto">
+          <a:xfrm>
+            <a:off x="16814750" y="9461500"/>
             <a:ext cx="659244" cy="656863"/>
           </a:xfrm>
           <a:prstGeom prst="rect">
@@ -2978,18 +3276,25 @@
   <p:clrMapOvr>
     <a:masterClrMapping/>
   </p:clrMapOvr>
+  <mc:AlternateContent xmlns:mc="http://schemas.openxmlformats.org/markup-compatibility/2006">
+    <mc:Choice xmlns:p159="http://schemas.microsoft.com/office/powerpoint/2015/09/main" xmlns:p14="http://schemas.microsoft.com/office/powerpoint/2010/main" Requires="p159">
+      <p:transition p14:dur="2000" advClick="1"/>
+    </mc:Choice>
+    <mc:Fallback>
+      <p:transition advClick="1"/>
+    </mc:Fallback>
+  </mc:AlternateContent>
 </p:sld>
 </file>
 
-<file path=ppt/slides/slide3.xml><?xml version="1.0" encoding="utf-8"?>
-<p:sld xmlns:a="http://schemas.openxmlformats.org/drawingml/2006/main" xmlns:r="http://schemas.openxmlformats.org/officeDocument/2006/relationships" xmlns:p="http://schemas.openxmlformats.org/presentationml/2006/main">
-  <p:cSld name="Slide 3">
+<file path=ppt/slides/slide4.xml><?xml version="1.0" encoding="utf-8"?>
+<p:sld xmlns:a="http://schemas.openxmlformats.org/drawingml/2006/main" xmlns:r="http://schemas.openxmlformats.org/officeDocument/2006/relationships" xmlns:p="http://schemas.openxmlformats.org/presentationml/2006/main" xmlns:m="http://schemas.openxmlformats.org/officeDocument/2006/math" xmlns:w="http://schemas.openxmlformats.org/wordprocessingml/2006/main" showMasterPhAnim="0" show="1">
+  <p:cSld name="Slide 4">
     <p:bg>
-      <p:bgPr>
+      <p:bgPr shadeToTitle="0">
         <a:solidFill>
           <a:srgbClr val="FFFFFF"/>
         </a:solidFill>
-        <a:effectLst/>
       </p:bgPr>
     </p:bg>
     <p:spTree>
@@ -2998,7 +3303,7 @@
         <p:cNvGrpSpPr/>
         <p:nvPr/>
       </p:nvGrpSpPr>
-      <p:grpSpPr>
+      <p:grpSpPr bwMode="auto">
         <a:xfrm>
           <a:off x="0" y="0"/>
           <a:ext cx="0" cy="0"/>
@@ -3012,7 +3317,7 @@
           <p:cNvSpPr/>
           <p:nvPr/>
         </p:nvSpPr>
-        <p:spPr>
+        <p:spPr bwMode="auto">
           <a:xfrm>
             <a:off x="0" y="9317472"/>
             <a:ext cx="18288808" cy="977430"/>
@@ -3034,10 +3339,10 @@
           <p:cNvSpPr/>
           <p:nvPr/>
         </p:nvSpPr>
-        <p:spPr>
+        <p:spPr bwMode="auto">
           <a:xfrm>
             <a:off x="868834" y="9404350"/>
-            <a:ext cx="3147583" cy="912383"/>
+            <a:ext cx="3744483" cy="912383"/>
           </a:xfrm>
           <a:prstGeom prst="rect">
             <a:avLst/>
@@ -3054,21 +3359,22 @@
                 <a:spcPts val="6414"/>
               </a:lnSpc>
               <a:buNone/>
-            </a:pPr>
-            <a:r>
-              <a:rPr lang="en-US" sz="2052" dirty="0">
+              <a:defRPr/>
+            </a:pPr>
+            <a:r>
+              <a:rPr lang="en-US" sz="2050">
                 <a:solidFill>
                   <a:srgbClr val="F9F8F8">
                     <a:alpha val="100000"/>
                   </a:srgbClr>
                 </a:solidFill>
-                <a:latin typeface="Inter Semi Bold" pitchFamily="34" charset="0"/>
-                <a:ea typeface="Inter Semi Bold" pitchFamily="34" charset="-122"/>
-                <a:cs typeface="Inter Semi Bold" pitchFamily="34" charset="-120"/>
-              </a:rPr>
-              <a:t>02/ Целевая аудитория</a:t>
-            </a:r>
-            <a:endParaRPr lang="en-US" sz="2052" dirty="0"/>
+                <a:latin typeface="Inter Semi Bold"/>
+                <a:ea typeface="Inter Semi Bold"/>
+                <a:cs typeface="Inter Semi Bold"/>
+              </a:rPr>
+              <a:t>03/ Предлагаемое решение</a:t>
+            </a:r>
+            <a:endParaRPr lang="en-US" sz="2050"/>
           </a:p>
         </p:txBody>
       </p:sp>
@@ -3078,7 +3384,7 @@
           <p:cNvSpPr/>
           <p:nvPr/>
         </p:nvSpPr>
-        <p:spPr>
+        <p:spPr bwMode="auto">
           <a:xfrm>
             <a:off x="1778000" y="2036862"/>
             <a:ext cx="13126528" cy="5198482"/>
@@ -3098,21 +3404,35 @@
                 <a:spcPts val="6326"/>
               </a:lnSpc>
               <a:buNone/>
-            </a:pPr>
-            <a:r>
-              <a:rPr lang="en-US" sz="4789" dirty="0">
-                <a:solidFill>
-                  <a:srgbClr val="131212">
-                    <a:alpha val="100000"/>
-                  </a:srgbClr>
-                </a:solidFill>
-                <a:latin typeface="Inter Medium" pitchFamily="34" charset="0"/>
-                <a:ea typeface="Inter Medium" pitchFamily="34" charset="-122"/>
-                <a:cs typeface="Inter Medium" pitchFamily="34" charset="-120"/>
-              </a:rPr>
-              <a:t>Описание целевой аудитории</a:t>
-            </a:r>
-            <a:endParaRPr lang="en-US" sz="4789" dirty="0"/>
+              <a:defRPr/>
+            </a:pPr>
+            <a:r>
+              <a:rPr lang="en-US" sz="4800">
+                <a:solidFill>
+                  <a:srgbClr val="131212">
+                    <a:alpha val="100000"/>
+                  </a:srgbClr>
+                </a:solidFill>
+                <a:latin typeface="Inter Medium"/>
+                <a:ea typeface="Inter Medium"/>
+                <a:cs typeface="Inter Medium"/>
+              </a:rPr>
+              <a:t>Мобильное приложение</a:t>
+            </a:r>
+            <a:r>
+              <a:rPr lang="en-US" sz="4800" spc="-47">
+                <a:solidFill>
+                  <a:srgbClr val="131212">
+                    <a:alpha val="100000"/>
+                  </a:srgbClr>
+                </a:solidFill>
+                <a:latin typeface="Inter Medium"/>
+                <a:ea typeface="Inter Medium"/>
+                <a:cs typeface="Inter Medium"/>
+              </a:rPr>
+              <a:t>, позволяющее</a:t>
+            </a:r>
+            <a:endParaRPr lang="en-US" sz="4800"/>
           </a:p>
           <a:p>
             <a:pPr marL="0" indent="0" algn="l">
@@ -3120,21 +3440,22 @@
                 <a:spcPts val="6326"/>
               </a:lnSpc>
               <a:buNone/>
-            </a:pPr>
-            <a:r>
-              <a:rPr lang="en-US" sz="4789" dirty="0">
-                <a:solidFill>
-                  <a:srgbClr val="131212">
-                    <a:alpha val="100000"/>
-                  </a:srgbClr>
-                </a:solidFill>
-                <a:latin typeface="Inter Medium" pitchFamily="34" charset="0"/>
-                <a:ea typeface="Inter Medium" pitchFamily="34" charset="-122"/>
-                <a:cs typeface="Inter Medium" pitchFamily="34" charset="-120"/>
-              </a:rPr>
-              <a:t>нашего проекта</a:t>
-            </a:r>
-            <a:endParaRPr lang="en-US" sz="4789" dirty="0"/>
+              <a:defRPr/>
+            </a:pPr>
+            <a:r>
+              <a:rPr lang="en-US" sz="4800" spc="-47">
+                <a:solidFill>
+                  <a:srgbClr val="131212">
+                    <a:alpha val="100000"/>
+                  </a:srgbClr>
+                </a:solidFill>
+                <a:latin typeface="Inter Medium"/>
+                <a:ea typeface="Inter Medium"/>
+                <a:cs typeface="Inter Medium"/>
+              </a:rPr>
+              <a:t>в реальном времени:</a:t>
+            </a:r>
+            <a:endParaRPr lang="en-US" sz="4800"/>
           </a:p>
         </p:txBody>
       </p:sp>
@@ -3144,10 +3465,10 @@
           <p:cNvSpPr/>
           <p:nvPr/>
         </p:nvSpPr>
-        <p:spPr>
+        <p:spPr bwMode="auto">
           <a:xfrm>
             <a:off x="1778000" y="1016000"/>
-            <a:ext cx="4619264" cy="557497"/>
+            <a:ext cx="5339105" cy="665504"/>
           </a:xfrm>
           <a:prstGeom prst="rect">
             <a:avLst/>
@@ -3161,21 +3482,22 @@
           <a:p>
             <a:pPr marL="0" indent="0" algn="l">
               <a:buNone/>
-            </a:pPr>
-            <a:r>
-              <a:rPr lang="en-US" sz="3421" dirty="0">
+              <a:defRPr/>
+            </a:pPr>
+            <a:r>
+              <a:rPr lang="en-US" sz="3400">
                 <a:solidFill>
                   <a:srgbClr val="C4C4C4">
                     <a:alpha val="100000"/>
                   </a:srgbClr>
                 </a:solidFill>
-                <a:latin typeface="Inter Medium" pitchFamily="34" charset="0"/>
-                <a:ea typeface="Inter Medium" pitchFamily="34" charset="-122"/>
-                <a:cs typeface="Inter Medium" pitchFamily="34" charset="-120"/>
-              </a:rPr>
-              <a:t>Целевая аудитория</a:t>
-            </a:r>
-            <a:endParaRPr lang="en-US" sz="3421" dirty="0"/>
+                <a:latin typeface="Inter Medium"/>
+                <a:ea typeface="Inter Medium"/>
+                <a:cs typeface="Inter Medium"/>
+              </a:rPr>
+              <a:t>Предлагаемое решение</a:t>
+            </a:r>
+            <a:endParaRPr lang="en-US" sz="3400"/>
           </a:p>
         </p:txBody>
       </p:sp>
@@ -3185,7 +3507,7 @@
           <p:cNvSpPr/>
           <p:nvPr/>
         </p:nvSpPr>
-        <p:spPr>
+        <p:spPr bwMode="auto">
           <a:xfrm>
             <a:off x="1778000" y="4279900"/>
             <a:ext cx="14014985" cy="654585"/>
@@ -3205,21 +3527,22 @@
                 <a:spcPts val="4971"/>
               </a:lnSpc>
               <a:buNone/>
-            </a:pPr>
-            <a:r>
-              <a:rPr lang="en-US" sz="3763" dirty="0">
-                <a:solidFill>
-                  <a:srgbClr val="131212">
-                    <a:alpha val="100000"/>
-                  </a:srgbClr>
-                </a:solidFill>
-                <a:latin typeface="Inter Medium" pitchFamily="34" charset="0"/>
-                <a:ea typeface="Inter Medium" pitchFamily="34" charset="-122"/>
-                <a:cs typeface="Inter Medium" pitchFamily="34" charset="-120"/>
-              </a:rPr>
-              <a:t>• Строительные компании</a:t>
-            </a:r>
-            <a:endParaRPr lang="en-US" sz="3763" dirty="0"/>
+              <a:defRPr/>
+            </a:pPr>
+            <a:r>
+              <a:rPr lang="en-US" sz="3750">
+                <a:solidFill>
+                  <a:srgbClr val="131212">
+                    <a:alpha val="100000"/>
+                  </a:srgbClr>
+                </a:solidFill>
+                <a:latin typeface="Inter Medium"/>
+                <a:ea typeface="Inter Medium"/>
+                <a:cs typeface="Inter Medium"/>
+              </a:rPr>
+              <a:t>• Быстро находить нужный инструмент</a:t>
+            </a:r>
+            <a:endParaRPr lang="en-US" sz="3750"/>
           </a:p>
           <a:p>
             <a:pPr marL="0" indent="0" algn="l">
@@ -3227,21 +3550,22 @@
                 <a:spcPts val="4971"/>
               </a:lnSpc>
               <a:buNone/>
-            </a:pPr>
-            <a:r>
-              <a:rPr lang="en-US" sz="3763" dirty="0">
-                <a:solidFill>
-                  <a:srgbClr val="131212">
-                    <a:alpha val="100000"/>
-                  </a:srgbClr>
-                </a:solidFill>
-                <a:latin typeface="Inter Medium" pitchFamily="34" charset="0"/>
-                <a:ea typeface="Inter Medium" pitchFamily="34" charset="-122"/>
-                <a:cs typeface="Inter Medium" pitchFamily="34" charset="-120"/>
+              <a:defRPr/>
+            </a:pPr>
+            <a:r>
+              <a:rPr lang="en-US" sz="3750">
+                <a:solidFill>
+                  <a:srgbClr val="131212">
+                    <a:alpha val="100000"/>
+                  </a:srgbClr>
+                </a:solidFill>
+                <a:latin typeface="Inter Medium"/>
+                <a:ea typeface="Inter Medium"/>
+                <a:cs typeface="Inter Medium"/>
               </a:rPr>
               <a:t> </a:t>
             </a:r>
-            <a:endParaRPr lang="en-US" sz="3763" dirty="0"/>
+            <a:endParaRPr lang="en-US" sz="3750"/>
           </a:p>
           <a:p>
             <a:pPr marL="0" indent="0" algn="l">
@@ -3249,21 +3573,22 @@
                 <a:spcPts val="4971"/>
               </a:lnSpc>
               <a:buNone/>
-            </a:pPr>
-            <a:r>
-              <a:rPr lang="en-US" sz="3763" dirty="0">
-                <a:solidFill>
-                  <a:srgbClr val="131212">
-                    <a:alpha val="100000"/>
-                  </a:srgbClr>
-                </a:solidFill>
-                <a:latin typeface="Inter Medium" pitchFamily="34" charset="0"/>
-                <a:ea typeface="Inter Medium" pitchFamily="34" charset="-122"/>
-                <a:cs typeface="Inter Medium" pitchFamily="34" charset="-120"/>
+              <a:defRPr/>
+            </a:pPr>
+            <a:r>
+              <a:rPr lang="en-US" sz="3750">
+                <a:solidFill>
+                  <a:srgbClr val="131212">
+                    <a:alpha val="100000"/>
+                  </a:srgbClr>
+                </a:solidFill>
+                <a:latin typeface="Inter Medium"/>
+                <a:ea typeface="Inter Medium"/>
+                <a:cs typeface="Inter Medium"/>
               </a:rPr>
               <a:t> </a:t>
             </a:r>
-            <a:endParaRPr lang="en-US" sz="3763" dirty="0"/>
+            <a:endParaRPr lang="en-US" sz="3750"/>
           </a:p>
         </p:txBody>
       </p:sp>
@@ -3273,7 +3598,7 @@
           <p:cNvSpPr/>
           <p:nvPr/>
         </p:nvSpPr>
-        <p:spPr>
+        <p:spPr bwMode="auto">
           <a:xfrm>
             <a:off x="1778000" y="5384800"/>
             <a:ext cx="13061366" cy="794285"/>
@@ -3293,21 +3618,22 @@
                 <a:spcPts val="4971"/>
               </a:lnSpc>
               <a:buNone/>
-            </a:pPr>
-            <a:r>
-              <a:rPr lang="en-US" sz="3763" dirty="0">
-                <a:solidFill>
-                  <a:srgbClr val="131212">
-                    <a:alpha val="100000"/>
-                  </a:srgbClr>
-                </a:solidFill>
-                <a:latin typeface="Inter Medium" pitchFamily="34" charset="0"/>
-                <a:ea typeface="Inter Medium" pitchFamily="34" charset="-122"/>
-                <a:cs typeface="Inter Medium" pitchFamily="34" charset="-120"/>
-              </a:rPr>
-              <a:t>• Ремонтные службы</a:t>
-            </a:r>
-            <a:endParaRPr lang="en-US" sz="3763" dirty="0"/>
+              <a:defRPr/>
+            </a:pPr>
+            <a:r>
+              <a:rPr lang="en-US" sz="3750">
+                <a:solidFill>
+                  <a:srgbClr val="131212">
+                    <a:alpha val="100000"/>
+                  </a:srgbClr>
+                </a:solidFill>
+                <a:latin typeface="Inter Medium"/>
+                <a:ea typeface="Inter Medium"/>
+                <a:cs typeface="Inter Medium"/>
+              </a:rPr>
+              <a:t>• Оформлять заявку на аренду онлайн</a:t>
+            </a:r>
+            <a:endParaRPr lang="en-US" sz="3750"/>
           </a:p>
         </p:txBody>
       </p:sp>
@@ -3317,7 +3643,7 @@
           <p:cNvSpPr/>
           <p:nvPr/>
         </p:nvSpPr>
-        <p:spPr>
+        <p:spPr bwMode="auto">
           <a:xfrm>
             <a:off x="1778000" y="6629400"/>
             <a:ext cx="13061366" cy="794285"/>
@@ -3337,21 +3663,22 @@
                 <a:spcPts val="4971"/>
               </a:lnSpc>
               <a:buNone/>
-            </a:pPr>
-            <a:r>
-              <a:rPr lang="en-US" sz="3763" dirty="0">
-                <a:solidFill>
-                  <a:srgbClr val="131212">
-                    <a:alpha val="100000"/>
-                  </a:srgbClr>
-                </a:solidFill>
-                <a:latin typeface="Inter Medium" pitchFamily="34" charset="0"/>
-                <a:ea typeface="Inter Medium" pitchFamily="34" charset="-122"/>
-                <a:cs typeface="Inter Medium" pitchFamily="34" charset="-120"/>
-              </a:rPr>
-              <a:t>• Профессиональные ремонтные мастерские</a:t>
-            </a:r>
-            <a:endParaRPr lang="en-US" sz="3763" dirty="0"/>
+              <a:defRPr/>
+            </a:pPr>
+            <a:r>
+              <a:rPr lang="en-US" sz="3750">
+                <a:solidFill>
+                  <a:srgbClr val="131212">
+                    <a:alpha val="100000"/>
+                  </a:srgbClr>
+                </a:solidFill>
+                <a:latin typeface="Inter Medium"/>
+                <a:ea typeface="Inter Medium"/>
+                <a:cs typeface="Inter Medium"/>
+              </a:rPr>
+              <a:t>• Тестировать инструмент перед покупкой</a:t>
+            </a:r>
+            <a:endParaRPr lang="en-US" sz="3750"/>
           </a:p>
         </p:txBody>
       </p:sp>
@@ -3361,7 +3688,7 @@
           <p:cNvSpPr/>
           <p:nvPr/>
         </p:nvSpPr>
-        <p:spPr>
+        <p:spPr bwMode="auto">
           <a:xfrm>
             <a:off x="1778000" y="7874000"/>
             <a:ext cx="13061366" cy="794285"/>
@@ -3381,21 +3708,716 @@
                 <a:spcPts val="4971"/>
               </a:lnSpc>
               <a:buNone/>
-            </a:pPr>
-            <a:r>
-              <a:rPr lang="en-US" sz="3763" dirty="0">
-                <a:solidFill>
-                  <a:srgbClr val="131212">
-                    <a:alpha val="100000"/>
-                  </a:srgbClr>
-                </a:solidFill>
-                <a:latin typeface="Inter Medium" pitchFamily="34" charset="0"/>
-                <a:ea typeface="Inter Medium" pitchFamily="34" charset="-122"/>
-                <a:cs typeface="Inter Medium" pitchFamily="34" charset="-120"/>
-              </a:rPr>
-              <a:t>• Частные лица</a:t>
-            </a:r>
-            <a:endParaRPr lang="en-US" sz="3763" dirty="0"/>
+              <a:defRPr/>
+            </a:pPr>
+            <a:r>
+              <a:rPr lang="en-US" sz="3750">
+                <a:solidFill>
+                  <a:srgbClr val="131212">
+                    <a:alpha val="100000"/>
+                  </a:srgbClr>
+                </a:solidFill>
+                <a:latin typeface="Inter Medium"/>
+                <a:ea typeface="Inter Medium"/>
+                <a:cs typeface="Inter Medium"/>
+              </a:rPr>
+              <a:t>• Арендовывать инструмент на определенное время</a:t>
+            </a:r>
+            <a:endParaRPr lang="en-US" sz="3750"/>
+          </a:p>
+        </p:txBody>
+      </p:sp>
+      <p:pic>
+        <p:nvPicPr>
+          <p:cNvPr id="10" name="Image 0" descr=" "/>
+          <p:cNvPicPr>
+            <a:picLocks noChangeAspect="1"/>
+          </p:cNvPicPr>
+          <p:nvPr/>
+        </p:nvPicPr>
+        <p:blipFill>
+          <a:blip r:embed="rId3"/>
+          <a:stretch/>
+        </p:blipFill>
+        <p:spPr bwMode="auto">
+          <a:xfrm>
+            <a:off x="16814750" y="9461500"/>
+            <a:ext cx="659247" cy="656862"/>
+          </a:xfrm>
+          <a:prstGeom prst="rect">
+            <a:avLst/>
+          </a:prstGeom>
+        </p:spPr>
+      </p:pic>
+      <p:pic>
+        <p:nvPicPr>
+          <p:cNvPr id="11" name="Image 1" descr=" "/>
+          <p:cNvPicPr>
+            <a:picLocks noChangeAspect="1"/>
+          </p:cNvPicPr>
+          <p:nvPr/>
+        </p:nvPicPr>
+        <p:blipFill>
+          <a:blip r:embed="rId4"/>
+          <a:stretch/>
+        </p:blipFill>
+        <p:spPr bwMode="auto">
+          <a:xfrm>
+            <a:off x="16814750" y="9461500"/>
+            <a:ext cx="659244" cy="656863"/>
+          </a:xfrm>
+          <a:prstGeom prst="rect">
+            <a:avLst/>
+          </a:prstGeom>
+        </p:spPr>
+      </p:pic>
+    </p:spTree>
+  </p:cSld>
+  <p:clrMapOvr>
+    <a:masterClrMapping/>
+  </p:clrMapOvr>
+  <mc:AlternateContent xmlns:mc="http://schemas.openxmlformats.org/markup-compatibility/2006">
+    <mc:Choice xmlns:p159="http://schemas.microsoft.com/office/powerpoint/2015/09/main" xmlns:p14="http://schemas.microsoft.com/office/powerpoint/2010/main" Requires="p159">
+      <p:transition p14:dur="2000" advClick="1"/>
+    </mc:Choice>
+    <mc:Fallback>
+      <p:transition advClick="1"/>
+    </mc:Fallback>
+  </mc:AlternateContent>
+</p:sld>
+</file>
+
+<file path=ppt/slides/slide5.xml><?xml version="1.0" encoding="utf-8"?>
+<p:sld xmlns:a="http://schemas.openxmlformats.org/drawingml/2006/main" xmlns:r="http://schemas.openxmlformats.org/officeDocument/2006/relationships" xmlns:p="http://schemas.openxmlformats.org/presentationml/2006/main" xmlns:m="http://schemas.openxmlformats.org/officeDocument/2006/math" xmlns:w="http://schemas.openxmlformats.org/wordprocessingml/2006/main" showMasterPhAnim="0" show="1">
+  <p:cSld name="Slide 5">
+    <p:bg>
+      <p:bgPr shadeToTitle="0">
+        <a:solidFill>
+          <a:srgbClr val="FFFFFF"/>
+        </a:solidFill>
+      </p:bgPr>
+    </p:bg>
+    <p:spTree>
+      <p:nvGrpSpPr>
+        <p:cNvPr id="1" name=""/>
+        <p:cNvGrpSpPr/>
+        <p:nvPr/>
+      </p:nvGrpSpPr>
+      <p:grpSpPr bwMode="auto">
+        <a:xfrm>
+          <a:off x="0" y="0"/>
+          <a:ext cx="0" cy="0"/>
+          <a:chOff x="0" y="0"/>
+          <a:chExt cx="0" cy="0"/>
+        </a:xfrm>
+      </p:grpSpPr>
+      <p:sp>
+        <p:nvSpPr>
+          <p:cNvPr id="2" name="Shape 0"/>
+          <p:cNvSpPr/>
+          <p:nvPr/>
+        </p:nvSpPr>
+        <p:spPr bwMode="auto">
+          <a:xfrm>
+            <a:off x="0" y="9317472"/>
+            <a:ext cx="18288808" cy="977430"/>
+          </a:xfrm>
+          <a:prstGeom prst="rect">
+            <a:avLst/>
+          </a:prstGeom>
+          <a:solidFill>
+            <a:srgbClr val="2E2E2E">
+              <a:alpha val="100000"/>
+            </a:srgbClr>
+          </a:solidFill>
+          <a:ln/>
+        </p:spPr>
+      </p:sp>
+      <p:sp>
+        <p:nvSpPr>
+          <p:cNvPr id="3" name="Text 1"/>
+          <p:cNvSpPr/>
+          <p:nvPr/>
+        </p:nvSpPr>
+        <p:spPr bwMode="auto">
+          <a:xfrm>
+            <a:off x="868834" y="9404350"/>
+            <a:ext cx="3807983" cy="912383"/>
+          </a:xfrm>
+          <a:prstGeom prst="rect">
+            <a:avLst/>
+          </a:prstGeom>
+          <a:noFill/>
+          <a:ln/>
+        </p:spPr>
+        <p:txBody>
+          <a:bodyPr wrap="square" lIns="0" tIns="0" rIns="0" bIns="0" rtlCol="0" anchor="t"/>
+          <a:lstStyle/>
+          <a:p>
+            <a:pPr marL="0" indent="0" algn="l">
+              <a:lnSpc>
+                <a:spcPts val="6414"/>
+              </a:lnSpc>
+              <a:buNone/>
+              <a:defRPr/>
+            </a:pPr>
+            <a:r>
+              <a:rPr lang="en-US" sz="2050">
+                <a:solidFill>
+                  <a:srgbClr val="F9F8F8">
+                    <a:alpha val="100000"/>
+                  </a:srgbClr>
+                </a:solidFill>
+                <a:latin typeface="Inter Semi Bold"/>
+                <a:ea typeface="Inter Semi Bold"/>
+                <a:cs typeface="Inter Semi Bold"/>
+              </a:rPr>
+              <a:t>04/ Технологии и инновации</a:t>
+            </a:r>
+            <a:endParaRPr lang="en-US" sz="2050"/>
+          </a:p>
+        </p:txBody>
+      </p:sp>
+      <p:sp>
+        <p:nvSpPr>
+          <p:cNvPr id="4" name="Text 2"/>
+          <p:cNvSpPr/>
+          <p:nvPr/>
+        </p:nvSpPr>
+        <p:spPr bwMode="auto">
+          <a:xfrm>
+            <a:off x="1778000" y="2032000"/>
+            <a:ext cx="10515126" cy="1002826"/>
+          </a:xfrm>
+          <a:prstGeom prst="rect">
+            <a:avLst/>
+          </a:prstGeom>
+          <a:noFill/>
+          <a:ln/>
+        </p:spPr>
+        <p:txBody>
+          <a:bodyPr wrap="square" lIns="0" tIns="0" rIns="0" bIns="0" rtlCol="0" anchor="t"/>
+          <a:lstStyle/>
+          <a:p>
+            <a:pPr marL="0" indent="0" algn="l">
+              <a:lnSpc>
+                <a:spcPts val="6326"/>
+              </a:lnSpc>
+              <a:buNone/>
+              <a:defRPr/>
+            </a:pPr>
+            <a:r>
+              <a:rPr lang="en-US" sz="4800">
+                <a:solidFill>
+                  <a:srgbClr val="131212">
+                    <a:alpha val="100000"/>
+                  </a:srgbClr>
+                </a:solidFill>
+                <a:latin typeface="Inter Medium"/>
+                <a:ea typeface="Inter Medium"/>
+                <a:cs typeface="Inter Medium"/>
+              </a:rPr>
+              <a:t>Цели проекта и этапы разработки</a:t>
+            </a:r>
+            <a:endParaRPr lang="en-US" sz="4800"/>
+          </a:p>
+        </p:txBody>
+      </p:sp>
+      <p:sp>
+        <p:nvSpPr>
+          <p:cNvPr id="5" name="Text 3"/>
+          <p:cNvSpPr/>
+          <p:nvPr/>
+        </p:nvSpPr>
+        <p:spPr bwMode="auto">
+          <a:xfrm>
+            <a:off x="1778000" y="3302000"/>
+            <a:ext cx="4051300" cy="762000"/>
+          </a:xfrm>
+          <a:prstGeom prst="rect">
+            <a:avLst/>
+          </a:prstGeom>
+          <a:noFill/>
+          <a:ln/>
+        </p:spPr>
+        <p:txBody>
+          <a:bodyPr wrap="square" lIns="0" tIns="0" rIns="0" bIns="0" rtlCol="0" anchor="t"/>
+          <a:lstStyle/>
+          <a:p>
+            <a:pPr marL="0" indent="0" algn="l">
+              <a:lnSpc>
+                <a:spcPts val="4756"/>
+              </a:lnSpc>
+              <a:buNone/>
+              <a:defRPr/>
+            </a:pPr>
+            <a:r>
+              <a:rPr lang="en-US" sz="3600">
+                <a:solidFill>
+                  <a:srgbClr val="131212">
+                    <a:alpha val="100000"/>
+                  </a:srgbClr>
+                </a:solidFill>
+                <a:latin typeface="Inter Medium"/>
+                <a:ea typeface="Inter Medium"/>
+                <a:cs typeface="Inter Medium"/>
+              </a:rPr>
+              <a:t>Серверная часть</a:t>
+            </a:r>
+            <a:endParaRPr lang="en-US" sz="3600"/>
+          </a:p>
+        </p:txBody>
+      </p:sp>
+      <p:sp>
+        <p:nvSpPr>
+          <p:cNvPr id="6" name="Text 4"/>
+          <p:cNvSpPr/>
+          <p:nvPr/>
+        </p:nvSpPr>
+        <p:spPr bwMode="auto">
+          <a:xfrm>
+            <a:off x="1778000" y="4000500"/>
+            <a:ext cx="4572000" cy="4483100"/>
+          </a:xfrm>
+          <a:prstGeom prst="rect">
+            <a:avLst/>
+          </a:prstGeom>
+          <a:noFill/>
+          <a:ln/>
+        </p:spPr>
+        <p:txBody>
+          <a:bodyPr wrap="square" lIns="0" tIns="0" rIns="0" bIns="0" rtlCol="0" anchor="t"/>
+          <a:lstStyle/>
+          <a:p>
+            <a:pPr marL="0" indent="0" algn="l">
+              <a:lnSpc>
+                <a:spcPts val="3170"/>
+              </a:lnSpc>
+              <a:buNone/>
+              <a:defRPr/>
+            </a:pPr>
+            <a:r>
+              <a:rPr lang="en-US" sz="2400">
+                <a:solidFill>
+                  <a:srgbClr val="131212">
+                    <a:alpha val="100000"/>
+                  </a:srgbClr>
+                </a:solidFill>
+                <a:latin typeface="Inter Regular"/>
+                <a:ea typeface="Inter Regular"/>
+                <a:cs typeface="Inter Regular"/>
+              </a:rPr>
+              <a:t> </a:t>
+            </a:r>
+            <a:endParaRPr lang="en-US" sz="2400"/>
+          </a:p>
+          <a:p>
+            <a:pPr marL="0" indent="0" algn="l">
+              <a:lnSpc>
+                <a:spcPts val="3170"/>
+              </a:lnSpc>
+              <a:buNone/>
+              <a:defRPr/>
+            </a:pPr>
+            <a:r>
+              <a:rPr lang="en-US" sz="2400">
+                <a:solidFill>
+                  <a:srgbClr val="131212">
+                    <a:alpha val="100000"/>
+                  </a:srgbClr>
+                </a:solidFill>
+                <a:latin typeface="Inter Regular"/>
+                <a:ea typeface="Inter Regular"/>
+                <a:cs typeface="Inter Regular"/>
+              </a:rPr>
+              <a:t>Java </a:t>
+            </a:r>
+            <a:endParaRPr lang="en-US" sz="2400"/>
+          </a:p>
+          <a:p>
+            <a:pPr marL="0" indent="0" algn="l">
+              <a:lnSpc>
+                <a:spcPts val="3170"/>
+              </a:lnSpc>
+              <a:buNone/>
+              <a:defRPr/>
+            </a:pPr>
+            <a:r>
+              <a:rPr lang="en-US" sz="2400">
+                <a:solidFill>
+                  <a:srgbClr val="131212">
+                    <a:alpha val="100000"/>
+                  </a:srgbClr>
+                </a:solidFill>
+                <a:latin typeface="Inter Regular"/>
+                <a:ea typeface="Inter Regular"/>
+                <a:cs typeface="Inter Regular"/>
+              </a:rPr>
+              <a:t> </a:t>
+            </a:r>
+            <a:endParaRPr lang="en-US" sz="2400"/>
+          </a:p>
+          <a:p>
+            <a:pPr marL="0" indent="0" algn="l">
+              <a:lnSpc>
+                <a:spcPts val="3170"/>
+              </a:lnSpc>
+              <a:buNone/>
+              <a:defRPr/>
+            </a:pPr>
+            <a:r>
+              <a:rPr lang="en-US" sz="2400">
+                <a:solidFill>
+                  <a:srgbClr val="131212">
+                    <a:alpha val="100000"/>
+                  </a:srgbClr>
+                </a:solidFill>
+                <a:latin typeface="Inter Regular"/>
+                <a:ea typeface="Inter Regular"/>
+                <a:cs typeface="Inter Regular"/>
+              </a:rPr>
+              <a:t>﻿﻿Spring Boot </a:t>
+            </a:r>
+            <a:endParaRPr lang="en-US" sz="2400"/>
+          </a:p>
+          <a:p>
+            <a:pPr marL="0" indent="0" algn="l">
+              <a:lnSpc>
+                <a:spcPts val="3170"/>
+              </a:lnSpc>
+              <a:buNone/>
+              <a:defRPr/>
+            </a:pPr>
+            <a:r>
+              <a:rPr lang="en-US" sz="2400">
+                <a:solidFill>
+                  <a:srgbClr val="131212">
+                    <a:alpha val="100000"/>
+                  </a:srgbClr>
+                </a:solidFill>
+                <a:latin typeface="Inter Regular"/>
+                <a:ea typeface="Inter Regular"/>
+                <a:cs typeface="Inter Regular"/>
+              </a:rPr>
+              <a:t> </a:t>
+            </a:r>
+            <a:endParaRPr lang="en-US" sz="2400"/>
+          </a:p>
+          <a:p>
+            <a:pPr marL="0" indent="0" algn="l">
+              <a:lnSpc>
+                <a:spcPts val="3170"/>
+              </a:lnSpc>
+              <a:buNone/>
+              <a:defRPr/>
+            </a:pPr>
+            <a:r>
+              <a:rPr lang="en-US" sz="2400">
+                <a:solidFill>
+                  <a:srgbClr val="131212">
+                    <a:alpha val="100000"/>
+                  </a:srgbClr>
+                </a:solidFill>
+                <a:latin typeface="Inter Regular"/>
+                <a:ea typeface="Inter Regular"/>
+                <a:cs typeface="Inter Regular"/>
+              </a:rPr>
+              <a:t>﻿﻿PostgreSQL </a:t>
+            </a:r>
+            <a:endParaRPr lang="en-US" sz="2400"/>
+          </a:p>
+          <a:p>
+            <a:pPr marL="0" indent="0" algn="l">
+              <a:lnSpc>
+                <a:spcPts val="3170"/>
+              </a:lnSpc>
+              <a:buNone/>
+              <a:defRPr/>
+            </a:pPr>
+            <a:r>
+              <a:rPr lang="en-US" sz="2400">
+                <a:solidFill>
+                  <a:srgbClr val="131212">
+                    <a:alpha val="100000"/>
+                  </a:srgbClr>
+                </a:solidFill>
+                <a:latin typeface="Inter Regular"/>
+                <a:ea typeface="Inter Regular"/>
+                <a:cs typeface="Inter Regular"/>
+              </a:rPr>
+              <a:t> </a:t>
+            </a:r>
+            <a:endParaRPr lang="en-US" sz="2400"/>
+          </a:p>
+          <a:p>
+            <a:pPr marL="0" indent="0" algn="l">
+              <a:lnSpc>
+                <a:spcPts val="3170"/>
+              </a:lnSpc>
+              <a:buNone/>
+              <a:defRPr/>
+            </a:pPr>
+            <a:r>
+              <a:rPr lang="en-US" sz="2400">
+                <a:solidFill>
+                  <a:srgbClr val="131212">
+                    <a:alpha val="100000"/>
+                  </a:srgbClr>
+                </a:solidFill>
+                <a:latin typeface="Inter Regular"/>
+                <a:ea typeface="Inter Regular"/>
+                <a:cs typeface="Inter Regular"/>
+              </a:rPr>
+              <a:t>Kong</a:t>
+            </a:r>
+            <a:endParaRPr lang="en-US" sz="2400"/>
+          </a:p>
+          <a:p>
+            <a:pPr marL="0" indent="0" algn="l">
+              <a:lnSpc>
+                <a:spcPts val="3170"/>
+              </a:lnSpc>
+              <a:buNone/>
+              <a:defRPr/>
+            </a:pPr>
+            <a:r>
+              <a:rPr lang="en-US" sz="2400">
+                <a:solidFill>
+                  <a:srgbClr val="131212">
+                    <a:alpha val="100000"/>
+                  </a:srgbClr>
+                </a:solidFill>
+                <a:latin typeface="Inter Regular"/>
+                <a:ea typeface="Inter Regular"/>
+                <a:cs typeface="Inter Regular"/>
+              </a:rPr>
+              <a:t> </a:t>
+            </a:r>
+            <a:endParaRPr lang="en-US" sz="2400"/>
+          </a:p>
+          <a:p>
+            <a:pPr marL="0" indent="0" algn="l">
+              <a:lnSpc>
+                <a:spcPts val="3170"/>
+              </a:lnSpc>
+              <a:buNone/>
+              <a:defRPr/>
+            </a:pPr>
+            <a:r>
+              <a:rPr lang="en-US" sz="2400">
+                <a:solidFill>
+                  <a:srgbClr val="131212">
+                    <a:alpha val="100000"/>
+                  </a:srgbClr>
+                </a:solidFill>
+                <a:latin typeface="Inter Regular"/>
+                <a:ea typeface="Inter Regular"/>
+                <a:cs typeface="Inter Regular"/>
+              </a:rPr>
+              <a:t>﻿﻿Keycloak  </a:t>
+            </a:r>
+            <a:endParaRPr lang="en-US" sz="2400"/>
+          </a:p>
+        </p:txBody>
+      </p:sp>
+      <p:sp>
+        <p:nvSpPr>
+          <p:cNvPr id="7" name="Text 5"/>
+          <p:cNvSpPr/>
+          <p:nvPr/>
+        </p:nvSpPr>
+        <p:spPr bwMode="auto">
+          <a:xfrm>
+            <a:off x="6426200" y="3302000"/>
+            <a:ext cx="4203700" cy="762000"/>
+          </a:xfrm>
+          <a:prstGeom prst="rect">
+            <a:avLst/>
+          </a:prstGeom>
+          <a:noFill/>
+          <a:ln/>
+        </p:spPr>
+        <p:txBody>
+          <a:bodyPr wrap="square" lIns="0" tIns="0" rIns="0" bIns="0" rtlCol="0" anchor="t"/>
+          <a:lstStyle/>
+          <a:p>
+            <a:pPr marL="0" indent="0" algn="l">
+              <a:lnSpc>
+                <a:spcPts val="4756"/>
+              </a:lnSpc>
+              <a:buNone/>
+              <a:defRPr/>
+            </a:pPr>
+            <a:r>
+              <a:rPr lang="en-US" sz="3600">
+                <a:solidFill>
+                  <a:srgbClr val="131212">
+                    <a:alpha val="100000"/>
+                  </a:srgbClr>
+                </a:solidFill>
+                <a:latin typeface="Inter Medium"/>
+                <a:ea typeface="Inter Medium"/>
+                <a:cs typeface="Inter Medium"/>
+              </a:rPr>
+              <a:t>Клиентская часть</a:t>
+            </a:r>
+            <a:endParaRPr lang="en-US" sz="3600"/>
+          </a:p>
+        </p:txBody>
+      </p:sp>
+      <p:sp>
+        <p:nvSpPr>
+          <p:cNvPr id="8" name="Text 6"/>
+          <p:cNvSpPr/>
+          <p:nvPr/>
+        </p:nvSpPr>
+        <p:spPr bwMode="auto">
+          <a:xfrm>
+            <a:off x="6426200" y="4000500"/>
+            <a:ext cx="6883400" cy="3644900"/>
+          </a:xfrm>
+          <a:prstGeom prst="rect">
+            <a:avLst/>
+          </a:prstGeom>
+          <a:noFill/>
+          <a:ln/>
+        </p:spPr>
+        <p:txBody>
+          <a:bodyPr wrap="square" lIns="0" tIns="0" rIns="0" bIns="0" rtlCol="0" anchor="t"/>
+          <a:lstStyle/>
+          <a:p>
+            <a:pPr marL="0" indent="0" algn="l">
+              <a:lnSpc>
+                <a:spcPts val="3170"/>
+              </a:lnSpc>
+              <a:buNone/>
+              <a:defRPr/>
+            </a:pPr>
+            <a:r>
+              <a:rPr lang="en-US" sz="2400">
+                <a:solidFill>
+                  <a:srgbClr val="131212">
+                    <a:alpha val="100000"/>
+                  </a:srgbClr>
+                </a:solidFill>
+                <a:latin typeface="Inter Regular"/>
+                <a:ea typeface="Inter Regular"/>
+                <a:cs typeface="Inter Regular"/>
+              </a:rPr>
+              <a:t> </a:t>
+            </a:r>
+            <a:endParaRPr lang="en-US" sz="2400"/>
+          </a:p>
+          <a:p>
+            <a:pPr marL="0" indent="0" algn="l">
+              <a:lnSpc>
+                <a:spcPts val="3170"/>
+              </a:lnSpc>
+              <a:buNone/>
+              <a:defRPr/>
+            </a:pPr>
+            <a:r>
+              <a:rPr lang="en-US" sz="2400">
+                <a:solidFill>
+                  <a:srgbClr val="131212">
+                    <a:alpha val="100000"/>
+                  </a:srgbClr>
+                </a:solidFill>
+                <a:latin typeface="Inter Regular"/>
+                <a:ea typeface="Inter Regular"/>
+                <a:cs typeface="Inter Regular"/>
+              </a:rPr>
+              <a:t>Dart </a:t>
+            </a:r>
+            <a:endParaRPr lang="en-US" sz="2400"/>
+          </a:p>
+          <a:p>
+            <a:pPr marL="0" indent="0" algn="l">
+              <a:lnSpc>
+                <a:spcPts val="3170"/>
+              </a:lnSpc>
+              <a:buNone/>
+              <a:defRPr/>
+            </a:pPr>
+            <a:r>
+              <a:rPr lang="en-US" sz="2400">
+                <a:solidFill>
+                  <a:srgbClr val="131212">
+                    <a:alpha val="100000"/>
+                  </a:srgbClr>
+                </a:solidFill>
+                <a:latin typeface="Inter Regular"/>
+                <a:ea typeface="Inter Regular"/>
+                <a:cs typeface="Inter Regular"/>
+              </a:rPr>
+              <a:t> </a:t>
+            </a:r>
+            <a:endParaRPr lang="en-US" sz="2400"/>
+          </a:p>
+          <a:p>
+            <a:pPr marL="0" indent="0" algn="l">
+              <a:lnSpc>
+                <a:spcPts val="3170"/>
+              </a:lnSpc>
+              <a:buNone/>
+              <a:defRPr/>
+            </a:pPr>
+            <a:r>
+              <a:rPr lang="en-US" sz="2400">
+                <a:solidFill>
+                  <a:srgbClr val="131212">
+                    <a:alpha val="100000"/>
+                  </a:srgbClr>
+                </a:solidFill>
+                <a:latin typeface="Inter Regular"/>
+                <a:ea typeface="Inter Regular"/>
+                <a:cs typeface="Inter Regular"/>
+              </a:rPr>
+              <a:t>Flutter SDK</a:t>
+            </a:r>
+            <a:endParaRPr lang="en-US" sz="2400"/>
+          </a:p>
+        </p:txBody>
+      </p:sp>
+      <p:sp>
+        <p:nvSpPr>
+          <p:cNvPr id="9" name="Text 7"/>
+          <p:cNvSpPr/>
+          <p:nvPr/>
+        </p:nvSpPr>
+        <p:spPr bwMode="auto">
+          <a:xfrm>
+            <a:off x="1778000" y="1016000"/>
+            <a:ext cx="5783605" cy="551205"/>
+          </a:xfrm>
+          <a:prstGeom prst="rect">
+            <a:avLst/>
+          </a:prstGeom>
+          <a:noFill/>
+          <a:ln/>
+        </p:spPr>
+        <p:txBody>
+          <a:bodyPr wrap="square" lIns="0" tIns="0" rIns="0" bIns="0" rtlCol="0" anchor="t"/>
+          <a:lstStyle/>
+          <a:p>
+            <a:pPr marL="0" indent="0" algn="l">
+              <a:buNone/>
+              <a:defRPr/>
+            </a:pPr>
+            <a:r>
+              <a:rPr lang="en-US" sz="3400">
+                <a:solidFill>
+                  <a:srgbClr val="C4C4C4">
+                    <a:alpha val="100000"/>
+                  </a:srgbClr>
+                </a:solidFill>
+                <a:latin typeface="Inter Medium"/>
+                <a:ea typeface="Inter Medium"/>
+                <a:cs typeface="Inter Medium"/>
+              </a:rPr>
+              <a:t>Технологии и инновации</a:t>
+            </a:r>
+            <a:endParaRPr lang="en-US" sz="3400"/>
           </a:p>
         </p:txBody>
       </p:sp>
@@ -3415,13 +4437,11 @@
               </a:ext>
             </a:extLst>
           </a:blip>
-          <a:stretch>
-            <a:fillRect/>
-          </a:stretch>
+          <a:stretch/>
         </p:blipFill>
-        <p:spPr>
-          <a:xfrm>
-            <a:off x="16814750" y="9461500"/>
+        <p:spPr bwMode="auto">
+          <a:xfrm>
+            <a:off x="16814800" y="9453128"/>
             <a:ext cx="659247" cy="656862"/>
           </a:xfrm>
           <a:prstGeom prst="rect">
@@ -3439,13 +4459,11 @@
         </p:nvPicPr>
         <p:blipFill>
           <a:blip r:embed="rId5"/>
-          <a:stretch>
-            <a:fillRect/>
-          </a:stretch>
+          <a:stretch/>
         </p:blipFill>
-        <p:spPr>
-          <a:xfrm>
-            <a:off x="16814750" y="9461500"/>
+        <p:spPr bwMode="auto">
+          <a:xfrm>
+            <a:off x="16814800" y="9453128"/>
             <a:ext cx="659244" cy="656863"/>
           </a:xfrm>
           <a:prstGeom prst="rect">
@@ -3458,18 +4476,25 @@
   <p:clrMapOvr>
     <a:masterClrMapping/>
   </p:clrMapOvr>
+  <mc:AlternateContent xmlns:mc="http://schemas.openxmlformats.org/markup-compatibility/2006">
+    <mc:Choice xmlns:p159="http://schemas.microsoft.com/office/powerpoint/2015/09/main" xmlns:p14="http://schemas.microsoft.com/office/powerpoint/2010/main" Requires="p159">
+      <p:transition p14:dur="2000" advClick="1"/>
+    </mc:Choice>
+    <mc:Fallback>
+      <p:transition advClick="1"/>
+    </mc:Fallback>
+  </mc:AlternateContent>
 </p:sld>
 </file>
 
-<file path=ppt/slides/slide4.xml><?xml version="1.0" encoding="utf-8"?>
-<p:sld xmlns:a="http://schemas.openxmlformats.org/drawingml/2006/main" xmlns:r="http://schemas.openxmlformats.org/officeDocument/2006/relationships" xmlns:p="http://schemas.openxmlformats.org/presentationml/2006/main">
-  <p:cSld name="Slide 4">
+<file path=ppt/slides/slide6.xml><?xml version="1.0" encoding="utf-8"?>
+<p:sld xmlns:a="http://schemas.openxmlformats.org/drawingml/2006/main" xmlns:r="http://schemas.openxmlformats.org/officeDocument/2006/relationships" xmlns:p="http://schemas.openxmlformats.org/presentationml/2006/main" xmlns:m="http://schemas.openxmlformats.org/officeDocument/2006/math" xmlns:w="http://schemas.openxmlformats.org/wordprocessingml/2006/main" showMasterPhAnim="0" show="1">
+  <p:cSld name="Slide 6">
     <p:bg>
-      <p:bgPr>
+      <p:bgPr shadeToTitle="0">
         <a:solidFill>
           <a:srgbClr val="FFFFFF"/>
         </a:solidFill>
-        <a:effectLst/>
       </p:bgPr>
     </p:bg>
     <p:spTree>
@@ -3478,7 +4503,7 @@
         <p:cNvGrpSpPr/>
         <p:nvPr/>
       </p:nvGrpSpPr>
-      <p:grpSpPr>
+      <p:grpSpPr bwMode="auto">
         <a:xfrm>
           <a:off x="0" y="0"/>
           <a:ext cx="0" cy="0"/>
@@ -3492,7 +4517,7 @@
           <p:cNvSpPr/>
           <p:nvPr/>
         </p:nvSpPr>
-        <p:spPr>
+        <p:spPr bwMode="auto">
           <a:xfrm>
             <a:off x="0" y="9317472"/>
             <a:ext cx="18288808" cy="977430"/>
@@ -3514,10 +4539,10 @@
           <p:cNvSpPr/>
           <p:nvPr/>
         </p:nvSpPr>
-        <p:spPr>
+        <p:spPr bwMode="auto">
           <a:xfrm>
             <a:off x="868834" y="9404350"/>
-            <a:ext cx="3744483" cy="912383"/>
+            <a:ext cx="4481083" cy="912383"/>
           </a:xfrm>
           <a:prstGeom prst="rect">
             <a:avLst/>
@@ -3534,21 +4559,22 @@
                 <a:spcPts val="6414"/>
               </a:lnSpc>
               <a:buNone/>
-            </a:pPr>
-            <a:r>
-              <a:rPr lang="en-US" sz="2052" dirty="0">
+              <a:defRPr/>
+            </a:pPr>
+            <a:r>
+              <a:rPr lang="en-US" sz="2050">
                 <a:solidFill>
                   <a:srgbClr val="F9F8F8">
                     <a:alpha val="100000"/>
                   </a:srgbClr>
                 </a:solidFill>
-                <a:latin typeface="Inter Semi Bold" pitchFamily="34" charset="0"/>
-                <a:ea typeface="Inter Semi Bold" pitchFamily="34" charset="-122"/>
-                <a:cs typeface="Inter Semi Bold" pitchFamily="34" charset="-120"/>
-              </a:rPr>
-              <a:t>03/ Предлагаемое решение</a:t>
-            </a:r>
-            <a:endParaRPr lang="en-US" sz="2052" dirty="0"/>
+                <a:latin typeface="Inter Semi Bold"/>
+                <a:ea typeface="Inter Semi Bold"/>
+                <a:cs typeface="Inter Semi Bold"/>
+              </a:rPr>
+              <a:t>05/ Конкурентное преимущество</a:t>
+            </a:r>
+            <a:endParaRPr lang="en-US" sz="2050"/>
           </a:p>
         </p:txBody>
       </p:sp>
@@ -3558,10 +4584,10 @@
           <p:cNvSpPr/>
           <p:nvPr/>
         </p:nvSpPr>
-        <p:spPr>
-          <a:xfrm>
-            <a:off x="1778000" y="2036862"/>
-            <a:ext cx="13126528" cy="5198482"/>
+        <p:spPr bwMode="auto">
+          <a:xfrm>
+            <a:off x="1778000" y="914400"/>
+            <a:ext cx="13126528" cy="2603026"/>
           </a:xfrm>
           <a:prstGeom prst="rect">
             <a:avLst/>
@@ -3578,34 +4604,22 @@
                 <a:spcPts val="6326"/>
               </a:lnSpc>
               <a:buNone/>
-            </a:pPr>
-            <a:r>
-              <a:rPr lang="en-US" sz="4789" dirty="0">
-                <a:solidFill>
-                  <a:srgbClr val="131212">
-                    <a:alpha val="100000"/>
-                  </a:srgbClr>
-                </a:solidFill>
-                <a:latin typeface="Inter Medium" pitchFamily="34" charset="0"/>
-                <a:ea typeface="Inter Medium" pitchFamily="34" charset="-122"/>
-                <a:cs typeface="Inter Medium" pitchFamily="34" charset="-120"/>
-              </a:rPr>
-              <a:t>Мобильное приложение</a:t>
-            </a:r>
-            <a:r>
-              <a:rPr lang="en-US" sz="4789" kern="0" spc="-48" dirty="0">
-                <a:solidFill>
-                  <a:srgbClr val="131212">
-                    <a:alpha val="100000"/>
-                  </a:srgbClr>
-                </a:solidFill>
-                <a:latin typeface="Inter Medium" pitchFamily="34" charset="0"/>
-                <a:ea typeface="Inter Medium" pitchFamily="34" charset="-122"/>
-                <a:cs typeface="Inter Medium" pitchFamily="34" charset="-120"/>
-              </a:rPr>
-              <a:t>, позволяющее</a:t>
-            </a:r>
-            <a:endParaRPr lang="en-US" sz="4789" dirty="0"/>
+              <a:defRPr/>
+            </a:pPr>
+            <a:r>
+              <a:rPr lang="en-US" sz="4800">
+                <a:solidFill>
+                  <a:srgbClr val="131212">
+                    <a:alpha val="100000"/>
+                  </a:srgbClr>
+                </a:solidFill>
+                <a:latin typeface="Inter Medium"/>
+                <a:ea typeface="Inter Medium"/>
+                <a:cs typeface="Inter Medium"/>
+              </a:rPr>
+              <a:t>Конкурентное </a:t>
+            </a:r>
+            <a:endParaRPr lang="en-US" sz="4800"/>
           </a:p>
           <a:p>
             <a:pPr marL="0" indent="0" algn="l">
@@ -3613,21 +4627,22 @@
                 <a:spcPts val="6326"/>
               </a:lnSpc>
               <a:buNone/>
-            </a:pPr>
-            <a:r>
-              <a:rPr lang="en-US" sz="4789" kern="0" spc="-48" dirty="0">
-                <a:solidFill>
-                  <a:srgbClr val="131212">
-                    <a:alpha val="100000"/>
-                  </a:srgbClr>
-                </a:solidFill>
-                <a:latin typeface="Inter Medium" pitchFamily="34" charset="0"/>
-                <a:ea typeface="Inter Medium" pitchFamily="34" charset="-122"/>
-                <a:cs typeface="Inter Medium" pitchFamily="34" charset="-120"/>
-              </a:rPr>
-              <a:t>в реальном времени:</a:t>
-            </a:r>
-            <a:endParaRPr lang="en-US" sz="4789" dirty="0"/>
+              <a:defRPr/>
+            </a:pPr>
+            <a:r>
+              <a:rPr lang="en-US" sz="4800">
+                <a:solidFill>
+                  <a:srgbClr val="131212">
+                    <a:alpha val="100000"/>
+                  </a:srgbClr>
+                </a:solidFill>
+                <a:latin typeface="Inter Medium"/>
+                <a:ea typeface="Inter Medium"/>
+                <a:cs typeface="Inter Medium"/>
+              </a:rPr>
+              <a:t>преимущество</a:t>
+            </a:r>
+            <a:endParaRPr lang="en-US" sz="4800"/>
           </a:p>
         </p:txBody>
       </p:sp>
@@ -3637,10 +4652,10 @@
           <p:cNvSpPr/>
           <p:nvPr/>
         </p:nvSpPr>
-        <p:spPr>
-          <a:xfrm>
-            <a:off x="1778000" y="1016000"/>
-            <a:ext cx="5339105" cy="665505"/>
+        <p:spPr bwMode="auto">
+          <a:xfrm>
+            <a:off x="1778000" y="3314700"/>
+            <a:ext cx="14014985" cy="2242085"/>
           </a:xfrm>
           <a:prstGeom prst="rect">
             <a:avLst/>
@@ -3653,66 +4668,39 @@
           <a:lstStyle/>
           <a:p>
             <a:pPr marL="0" indent="0" algn="l">
-              <a:buNone/>
-            </a:pPr>
-            <a:r>
-              <a:rPr lang="en-US" sz="3421" dirty="0">
-                <a:solidFill>
-                  <a:srgbClr val="C4C4C4">
-                    <a:alpha val="100000"/>
-                  </a:srgbClr>
-                </a:solidFill>
-                <a:latin typeface="Inter Medium" pitchFamily="34" charset="0"/>
-                <a:ea typeface="Inter Medium" pitchFamily="34" charset="-122"/>
-                <a:cs typeface="Inter Medium" pitchFamily="34" charset="-120"/>
-              </a:rPr>
-              <a:t>Предлагаемое решение</a:t>
-            </a:r>
-            <a:endParaRPr lang="en-US" sz="3421" dirty="0"/>
-          </a:p>
-        </p:txBody>
-      </p:sp>
-      <p:sp>
-        <p:nvSpPr>
-          <p:cNvPr id="6" name="Text 4"/>
-          <p:cNvSpPr/>
-          <p:nvPr/>
-        </p:nvSpPr>
-        <p:spPr>
-          <a:xfrm>
-            <a:off x="1778000" y="4279900"/>
-            <a:ext cx="14014985" cy="654585"/>
-          </a:xfrm>
-          <a:prstGeom prst="rect">
-            <a:avLst/>
-          </a:prstGeom>
-          <a:noFill/>
-          <a:ln/>
-        </p:spPr>
-        <p:txBody>
-          <a:bodyPr wrap="square" lIns="0" tIns="0" rIns="0" bIns="0" rtlCol="0" anchor="t"/>
-          <a:lstStyle/>
-          <a:p>
-            <a:pPr marL="0" indent="0" algn="l">
               <a:lnSpc>
                 <a:spcPts val="4971"/>
               </a:lnSpc>
               <a:buNone/>
-            </a:pPr>
-            <a:r>
-              <a:rPr lang="en-US" sz="3763" dirty="0">
-                <a:solidFill>
-                  <a:srgbClr val="131212">
-                    <a:alpha val="100000"/>
-                  </a:srgbClr>
-                </a:solidFill>
-                <a:latin typeface="Inter Medium" pitchFamily="34" charset="0"/>
-                <a:ea typeface="Inter Medium" pitchFamily="34" charset="-122"/>
-                <a:cs typeface="Inter Medium" pitchFamily="34" charset="-120"/>
-              </a:rPr>
-              <a:t>• Быстро находить нужный инструмент</a:t>
-            </a:r>
-            <a:endParaRPr lang="en-US" sz="3763" dirty="0"/>
+              <a:defRPr/>
+            </a:pPr>
+            <a:r>
+              <a:rPr lang="en-US" sz="3750">
+                <a:solidFill>
+                  <a:srgbClr val="131212">
+                    <a:alpha val="100000"/>
+                  </a:srgbClr>
+                </a:solidFill>
+                <a:latin typeface="Inter Medium"/>
+                <a:ea typeface="Inter Medium"/>
+                <a:cs typeface="Inter Medium"/>
+              </a:rPr>
+              <a:t>В отличии от существующих решений</a:t>
+            </a:r>
+            <a:r>
+              <a:rPr lang="en-US" sz="3750" spc="-38">
+                <a:solidFill>
+                  <a:srgbClr val="131212">
+                    <a:alpha val="100000"/>
+                  </a:srgbClr>
+                </a:solidFill>
+                <a:latin typeface="Inter Medium"/>
+                <a:ea typeface="Inter Medium"/>
+                <a:cs typeface="Inter Medium"/>
+              </a:rPr>
+              <a:t>, приложение RenTool позволяет арендовать инструмент за минимальное количество операций </a:t>
+            </a:r>
+            <a:endParaRPr lang="en-US" sz="3750"/>
           </a:p>
           <a:p>
             <a:pPr marL="0" indent="0" algn="l">
@@ -3720,21 +4708,22 @@
                 <a:spcPts val="4971"/>
               </a:lnSpc>
               <a:buNone/>
-            </a:pPr>
-            <a:r>
-              <a:rPr lang="en-US" sz="3763" dirty="0">
-                <a:solidFill>
-                  <a:srgbClr val="131212">
-                    <a:alpha val="100000"/>
-                  </a:srgbClr>
-                </a:solidFill>
-                <a:latin typeface="Inter Medium" pitchFamily="34" charset="0"/>
-                <a:ea typeface="Inter Medium" pitchFamily="34" charset="-122"/>
-                <a:cs typeface="Inter Medium" pitchFamily="34" charset="-120"/>
+              <a:defRPr/>
+            </a:pPr>
+            <a:r>
+              <a:rPr lang="en-US" sz="3750">
+                <a:solidFill>
+                  <a:srgbClr val="131212">
+                    <a:alpha val="100000"/>
+                  </a:srgbClr>
+                </a:solidFill>
+                <a:latin typeface="Inter Medium"/>
+                <a:ea typeface="Inter Medium"/>
+                <a:cs typeface="Inter Medium"/>
               </a:rPr>
               <a:t> </a:t>
             </a:r>
-            <a:endParaRPr lang="en-US" sz="3763" dirty="0"/>
+            <a:endParaRPr lang="en-US" sz="3750"/>
           </a:p>
           <a:p>
             <a:pPr marL="0" indent="0" algn="l">
@@ -3742,177 +4731,38 @@
                 <a:spcPts val="4971"/>
               </a:lnSpc>
               <a:buNone/>
-            </a:pPr>
-            <a:r>
-              <a:rPr lang="en-US" sz="3763" dirty="0">
-                <a:solidFill>
-                  <a:srgbClr val="131212">
-                    <a:alpha val="100000"/>
-                  </a:srgbClr>
-                </a:solidFill>
-                <a:latin typeface="Inter Medium" pitchFamily="34" charset="0"/>
-                <a:ea typeface="Inter Medium" pitchFamily="34" charset="-122"/>
-                <a:cs typeface="Inter Medium" pitchFamily="34" charset="-120"/>
+              <a:defRPr/>
+            </a:pPr>
+            <a:r>
+              <a:rPr lang="en-US" sz="3750">
+                <a:solidFill>
+                  <a:srgbClr val="131212">
+                    <a:alpha val="100000"/>
+                  </a:srgbClr>
+                </a:solidFill>
+                <a:latin typeface="Inter Medium"/>
+                <a:ea typeface="Inter Medium"/>
+                <a:cs typeface="Inter Medium"/>
               </a:rPr>
               <a:t> </a:t>
             </a:r>
-            <a:endParaRPr lang="en-US" sz="3763" dirty="0"/>
-          </a:p>
-        </p:txBody>
-      </p:sp>
-      <p:sp>
-        <p:nvSpPr>
-          <p:cNvPr id="7" name="Text 5"/>
-          <p:cNvSpPr/>
-          <p:nvPr/>
-        </p:nvSpPr>
-        <p:spPr>
-          <a:xfrm>
-            <a:off x="1778000" y="5384800"/>
-            <a:ext cx="13061366" cy="794285"/>
-          </a:xfrm>
-          <a:prstGeom prst="rect">
-            <a:avLst/>
-          </a:prstGeom>
-          <a:noFill/>
-          <a:ln/>
-        </p:spPr>
-        <p:txBody>
-          <a:bodyPr wrap="square" lIns="0" tIns="0" rIns="0" bIns="0" rtlCol="0" anchor="t"/>
-          <a:lstStyle/>
-          <a:p>
-            <a:pPr marL="0" indent="0" algn="l">
-              <a:lnSpc>
-                <a:spcPts val="4971"/>
-              </a:lnSpc>
-              <a:buNone/>
-            </a:pPr>
-            <a:r>
-              <a:rPr lang="en-US" sz="3763" dirty="0">
-                <a:solidFill>
-                  <a:srgbClr val="131212">
-                    <a:alpha val="100000"/>
-                  </a:srgbClr>
-                </a:solidFill>
-                <a:latin typeface="Inter Medium" pitchFamily="34" charset="0"/>
-                <a:ea typeface="Inter Medium" pitchFamily="34" charset="-122"/>
-                <a:cs typeface="Inter Medium" pitchFamily="34" charset="-120"/>
-              </a:rPr>
-              <a:t>• Оформлять заявку на аренду онлайн</a:t>
-            </a:r>
-            <a:endParaRPr lang="en-US" sz="3763" dirty="0"/>
-          </a:p>
-        </p:txBody>
-      </p:sp>
-      <p:sp>
-        <p:nvSpPr>
-          <p:cNvPr id="8" name="Text 6"/>
-          <p:cNvSpPr/>
-          <p:nvPr/>
-        </p:nvSpPr>
-        <p:spPr>
-          <a:xfrm>
-            <a:off x="1778000" y="6629400"/>
-            <a:ext cx="13061366" cy="794285"/>
-          </a:xfrm>
-          <a:prstGeom prst="rect">
-            <a:avLst/>
-          </a:prstGeom>
-          <a:noFill/>
-          <a:ln/>
-        </p:spPr>
-        <p:txBody>
-          <a:bodyPr wrap="square" lIns="0" tIns="0" rIns="0" bIns="0" rtlCol="0" anchor="t"/>
-          <a:lstStyle/>
-          <a:p>
-            <a:pPr marL="0" indent="0" algn="l">
-              <a:lnSpc>
-                <a:spcPts val="4971"/>
-              </a:lnSpc>
-              <a:buNone/>
-            </a:pPr>
-            <a:r>
-              <a:rPr lang="en-US" sz="3763" dirty="0">
-                <a:solidFill>
-                  <a:srgbClr val="131212">
-                    <a:alpha val="100000"/>
-                  </a:srgbClr>
-                </a:solidFill>
-                <a:latin typeface="Inter Medium" pitchFamily="34" charset="0"/>
-                <a:ea typeface="Inter Medium" pitchFamily="34" charset="-122"/>
-                <a:cs typeface="Inter Medium" pitchFamily="34" charset="-120"/>
-              </a:rPr>
-              <a:t>• Тестировать инструмент перед покупкой</a:t>
-            </a:r>
-            <a:endParaRPr lang="en-US" sz="3763" dirty="0"/>
-          </a:p>
-        </p:txBody>
-      </p:sp>
-      <p:sp>
-        <p:nvSpPr>
-          <p:cNvPr id="9" name="Text 7"/>
-          <p:cNvSpPr/>
-          <p:nvPr/>
-        </p:nvSpPr>
-        <p:spPr>
-          <a:xfrm>
-            <a:off x="1778000" y="7874000"/>
-            <a:ext cx="13061366" cy="794285"/>
-          </a:xfrm>
-          <a:prstGeom prst="rect">
-            <a:avLst/>
-          </a:prstGeom>
-          <a:noFill/>
-          <a:ln/>
-        </p:spPr>
-        <p:txBody>
-          <a:bodyPr wrap="square" lIns="0" tIns="0" rIns="0" bIns="0" rtlCol="0" anchor="t"/>
-          <a:lstStyle/>
-          <a:p>
-            <a:pPr marL="0" indent="0" algn="l">
-              <a:lnSpc>
-                <a:spcPts val="4971"/>
-              </a:lnSpc>
-              <a:buNone/>
-            </a:pPr>
-            <a:r>
-              <a:rPr lang="en-US" sz="3763" dirty="0">
-                <a:solidFill>
-                  <a:srgbClr val="131212">
-                    <a:alpha val="100000"/>
-                  </a:srgbClr>
-                </a:solidFill>
-                <a:latin typeface="Inter Medium" pitchFamily="34" charset="0"/>
-                <a:ea typeface="Inter Medium" pitchFamily="34" charset="-122"/>
-                <a:cs typeface="Inter Medium" pitchFamily="34" charset="-120"/>
-              </a:rPr>
-              <a:t>• Арендовывать инструмент на определенное время</a:t>
-            </a:r>
-            <a:endParaRPr lang="en-US" sz="3763" dirty="0"/>
+            <a:endParaRPr lang="en-US" sz="3750"/>
           </a:p>
         </p:txBody>
       </p:sp>
       <p:pic>
         <p:nvPicPr>
-          <p:cNvPr id="10" name="Image 0" descr=" "/>
+          <p:cNvPr id="6" name="Image 0" descr=" "/>
           <p:cNvPicPr>
             <a:picLocks noChangeAspect="1"/>
           </p:cNvPicPr>
           <p:nvPr/>
         </p:nvPicPr>
         <p:blipFill>
-          <a:blip r:embed="rId3">
-            <a:extLst>
-              <a:ext uri="{96DAC541-7B7A-43D3-8B79-37D633B846F1}">
-                <asvg:svgBlip xmlns:asvg="http://schemas.microsoft.com/office/drawing/2016/SVG/main" r:embed="rId4"/>
-              </a:ext>
-            </a:extLst>
-          </a:blip>
-          <a:stretch>
-            <a:fillRect/>
-          </a:stretch>
+          <a:blip r:embed="rId3"/>
+          <a:stretch/>
         </p:blipFill>
-        <p:spPr>
+        <p:spPr bwMode="auto">
           <a:xfrm>
             <a:off x="16814750" y="9461500"/>
             <a:ext cx="659247" cy="656862"/>
@@ -3924,19 +4774,17 @@
       </p:pic>
       <p:pic>
         <p:nvPicPr>
-          <p:cNvPr id="11" name="Image 1" descr=" "/>
+          <p:cNvPr id="7" name="Image 1" descr=" "/>
           <p:cNvPicPr>
             <a:picLocks noChangeAspect="1"/>
           </p:cNvPicPr>
           <p:nvPr/>
         </p:nvPicPr>
         <p:blipFill>
-          <a:blip r:embed="rId5"/>
-          <a:stretch>
-            <a:fillRect/>
-          </a:stretch>
+          <a:blip r:embed="rId4"/>
+          <a:stretch/>
         </p:blipFill>
-        <p:spPr>
+        <p:spPr bwMode="auto">
           <a:xfrm>
             <a:off x="16814750" y="9461500"/>
             <a:ext cx="659244" cy="656863"/>
@@ -3951,18 +4799,25 @@
   <p:clrMapOvr>
     <a:masterClrMapping/>
   </p:clrMapOvr>
+  <mc:AlternateContent xmlns:mc="http://schemas.openxmlformats.org/markup-compatibility/2006">
+    <mc:Choice xmlns:p159="http://schemas.microsoft.com/office/powerpoint/2015/09/main" xmlns:p14="http://schemas.microsoft.com/office/powerpoint/2010/main" Requires="p159">
+      <p:transition p14:dur="2000" advClick="1"/>
+    </mc:Choice>
+    <mc:Fallback>
+      <p:transition advClick="1"/>
+    </mc:Fallback>
+  </mc:AlternateContent>
 </p:sld>
 </file>
 
-<file path=ppt/slides/slide5.xml><?xml version="1.0" encoding="utf-8"?>
-<p:sld xmlns:a="http://schemas.openxmlformats.org/drawingml/2006/main" xmlns:r="http://schemas.openxmlformats.org/officeDocument/2006/relationships" xmlns:p="http://schemas.openxmlformats.org/presentationml/2006/main">
-  <p:cSld name="Slide 5">
+<file path=ppt/slides/slide7.xml><?xml version="1.0" encoding="utf-8"?>
+<p:sld xmlns:a="http://schemas.openxmlformats.org/drawingml/2006/main" xmlns:r="http://schemas.openxmlformats.org/officeDocument/2006/relationships" xmlns:p="http://schemas.openxmlformats.org/presentationml/2006/main" xmlns:m="http://schemas.openxmlformats.org/officeDocument/2006/math" xmlns:w="http://schemas.openxmlformats.org/wordprocessingml/2006/main" showMasterPhAnim="0" show="1">
+  <p:cSld name="Slide 7">
     <p:bg>
-      <p:bgPr>
+      <p:bgPr shadeToTitle="0">
         <a:solidFill>
           <a:srgbClr val="FFFFFF"/>
         </a:solidFill>
-        <a:effectLst/>
       </p:bgPr>
     </p:bg>
     <p:spTree>
@@ -3971,7 +4826,7 @@
         <p:cNvGrpSpPr/>
         <p:nvPr/>
       </p:nvGrpSpPr>
-      <p:grpSpPr>
+      <p:grpSpPr bwMode="auto">
         <a:xfrm>
           <a:off x="0" y="0"/>
           <a:ext cx="0" cy="0"/>
@@ -3981,36 +4836,14 @@
       </p:grpSpPr>
       <p:sp>
         <p:nvSpPr>
-          <p:cNvPr id="2" name="Shape 0"/>
+          <p:cNvPr id="2" name="Text 0"/>
           <p:cNvSpPr/>
           <p:nvPr/>
         </p:nvSpPr>
-        <p:spPr>
-          <a:xfrm>
-            <a:off x="0" y="9317472"/>
-            <a:ext cx="18288808" cy="977430"/>
-          </a:xfrm>
-          <a:prstGeom prst="rect">
-            <a:avLst/>
-          </a:prstGeom>
-          <a:solidFill>
-            <a:srgbClr val="2E2E2E">
-              <a:alpha val="100000"/>
-            </a:srgbClr>
-          </a:solidFill>
-          <a:ln/>
-        </p:spPr>
-      </p:sp>
-      <p:sp>
-        <p:nvSpPr>
-          <p:cNvPr id="3" name="Text 1"/>
-          <p:cNvSpPr/>
-          <p:nvPr/>
-        </p:nvSpPr>
-        <p:spPr>
-          <a:xfrm>
-            <a:off x="868834" y="9404350"/>
-            <a:ext cx="3807983" cy="912383"/>
+        <p:spPr bwMode="auto">
+          <a:xfrm>
+            <a:off x="868797" y="1129472"/>
+            <a:ext cx="6599965" cy="808765"/>
           </a:xfrm>
           <a:prstGeom prst="rect">
             <a:avLst/>
@@ -4023,998 +4856,23 @@
           <a:lstStyle/>
           <a:p>
             <a:pPr marL="0" indent="0" algn="l">
-              <a:lnSpc>
-                <a:spcPts val="6414"/>
-              </a:lnSpc>
-              <a:buNone/>
-            </a:pPr>
-            <a:r>
-              <a:rPr lang="en-US" sz="2052" dirty="0">
-                <a:solidFill>
-                  <a:srgbClr val="F9F8F8">
-                    <a:alpha val="100000"/>
-                  </a:srgbClr>
-                </a:solidFill>
-                <a:latin typeface="Inter Semi Bold" pitchFamily="34" charset="0"/>
-                <a:ea typeface="Inter Semi Bold" pitchFamily="34" charset="-122"/>
-                <a:cs typeface="Inter Semi Bold" pitchFamily="34" charset="-120"/>
-              </a:rPr>
-              <a:t>04/ Технологии и инновации</a:t>
-            </a:r>
-            <a:endParaRPr lang="en-US" sz="2052" dirty="0"/>
-          </a:p>
-        </p:txBody>
-      </p:sp>
-      <p:sp>
-        <p:nvSpPr>
-          <p:cNvPr id="4" name="Text 2"/>
-          <p:cNvSpPr/>
-          <p:nvPr/>
-        </p:nvSpPr>
-        <p:spPr>
-          <a:xfrm>
-            <a:off x="1778000" y="2032000"/>
-            <a:ext cx="10515126" cy="1002826"/>
-          </a:xfrm>
-          <a:prstGeom prst="rect">
-            <a:avLst/>
-          </a:prstGeom>
-          <a:noFill/>
-          <a:ln/>
-        </p:spPr>
-        <p:txBody>
-          <a:bodyPr wrap="square" lIns="0" tIns="0" rIns="0" bIns="0" rtlCol="0" anchor="t"/>
-          <a:lstStyle/>
-          <a:p>
-            <a:pPr marL="0" indent="0" algn="l">
-              <a:lnSpc>
-                <a:spcPts val="6326"/>
-              </a:lnSpc>
-              <a:buNone/>
-            </a:pPr>
-            <a:r>
-              <a:rPr lang="en-US" sz="4789" dirty="0">
-                <a:solidFill>
-                  <a:srgbClr val="131212">
-                    <a:alpha val="100000"/>
-                  </a:srgbClr>
-                </a:solidFill>
-                <a:latin typeface="Inter Medium" pitchFamily="34" charset="0"/>
-                <a:ea typeface="Inter Medium" pitchFamily="34" charset="-122"/>
-                <a:cs typeface="Inter Medium" pitchFamily="34" charset="-120"/>
-              </a:rPr>
-              <a:t>Цели проекта и этапы разработки</a:t>
-            </a:r>
-            <a:endParaRPr lang="en-US" sz="4789" dirty="0"/>
-          </a:p>
-        </p:txBody>
-      </p:sp>
-      <p:sp>
-        <p:nvSpPr>
-          <p:cNvPr id="5" name="Text 3"/>
-          <p:cNvSpPr/>
-          <p:nvPr/>
-        </p:nvSpPr>
-        <p:spPr>
-          <a:xfrm>
-            <a:off x="1778000" y="3302000"/>
-            <a:ext cx="4051300" cy="762000"/>
-          </a:xfrm>
-          <a:prstGeom prst="rect">
-            <a:avLst/>
-          </a:prstGeom>
-          <a:noFill/>
-          <a:ln/>
-        </p:spPr>
-        <p:txBody>
-          <a:bodyPr wrap="square" lIns="0" tIns="0" rIns="0" bIns="0" rtlCol="0" anchor="t"/>
-          <a:lstStyle/>
-          <a:p>
-            <a:pPr marL="0" indent="0" algn="l">
-              <a:lnSpc>
-                <a:spcPts val="4756"/>
-              </a:lnSpc>
-              <a:buNone/>
-            </a:pPr>
-            <a:r>
-              <a:rPr lang="en-US" sz="3600" dirty="0">
-                <a:solidFill>
-                  <a:srgbClr val="131212">
-                    <a:alpha val="100000"/>
-                  </a:srgbClr>
-                </a:solidFill>
-                <a:latin typeface="Inter Medium" pitchFamily="34" charset="0"/>
-                <a:ea typeface="Inter Medium" pitchFamily="34" charset="-122"/>
-                <a:cs typeface="Inter Medium" pitchFamily="34" charset="-120"/>
-              </a:rPr>
-              <a:t>Серверная часть</a:t>
-            </a:r>
-            <a:endParaRPr lang="en-US" sz="3600" dirty="0"/>
-          </a:p>
-        </p:txBody>
-      </p:sp>
-      <p:sp>
-        <p:nvSpPr>
-          <p:cNvPr id="6" name="Text 4"/>
-          <p:cNvSpPr/>
-          <p:nvPr/>
-        </p:nvSpPr>
-        <p:spPr>
-          <a:xfrm>
-            <a:off x="1778000" y="4000500"/>
-            <a:ext cx="4572000" cy="4483100"/>
-          </a:xfrm>
-          <a:prstGeom prst="rect">
-            <a:avLst/>
-          </a:prstGeom>
-          <a:noFill/>
-          <a:ln/>
-        </p:spPr>
-        <p:txBody>
-          <a:bodyPr wrap="square" lIns="0" tIns="0" rIns="0" bIns="0" rtlCol="0" anchor="t"/>
-          <a:lstStyle/>
-          <a:p>
-            <a:pPr marL="0" indent="0" algn="l">
-              <a:lnSpc>
-                <a:spcPts val="3170"/>
-              </a:lnSpc>
-              <a:buNone/>
-            </a:pPr>
-            <a:r>
-              <a:rPr lang="en-US" sz="2400" dirty="0">
-                <a:solidFill>
-                  <a:srgbClr val="131212">
-                    <a:alpha val="100000"/>
-                  </a:srgbClr>
-                </a:solidFill>
-                <a:latin typeface="Inter Regular" pitchFamily="34" charset="0"/>
-                <a:ea typeface="Inter Regular" pitchFamily="34" charset="-122"/>
-                <a:cs typeface="Inter Regular" pitchFamily="34" charset="-120"/>
-              </a:rPr>
-              <a:t> </a:t>
-            </a:r>
-            <a:endParaRPr lang="en-US" sz="2400" dirty="0"/>
-          </a:p>
-          <a:p>
-            <a:pPr marL="0" indent="0" algn="l">
-              <a:lnSpc>
-                <a:spcPts val="3170"/>
-              </a:lnSpc>
-              <a:buNone/>
-            </a:pPr>
-            <a:r>
-              <a:rPr lang="en-US" sz="2400" dirty="0">
-                <a:solidFill>
-                  <a:srgbClr val="131212">
-                    <a:alpha val="100000"/>
-                  </a:srgbClr>
-                </a:solidFill>
-                <a:latin typeface="Inter Regular" pitchFamily="34" charset="0"/>
-                <a:ea typeface="Inter Regular" pitchFamily="34" charset="-122"/>
-                <a:cs typeface="Inter Regular" pitchFamily="34" charset="-120"/>
-              </a:rPr>
-              <a:t>Java </a:t>
-            </a:r>
-            <a:endParaRPr lang="en-US" sz="2400" dirty="0"/>
-          </a:p>
-          <a:p>
-            <a:pPr marL="0" indent="0" algn="l">
-              <a:lnSpc>
-                <a:spcPts val="3170"/>
-              </a:lnSpc>
-              <a:buNone/>
-            </a:pPr>
-            <a:r>
-              <a:rPr lang="en-US" sz="2400" dirty="0">
-                <a:solidFill>
-                  <a:srgbClr val="131212">
-                    <a:alpha val="100000"/>
-                  </a:srgbClr>
-                </a:solidFill>
-                <a:latin typeface="Inter Regular" pitchFamily="34" charset="0"/>
-                <a:ea typeface="Inter Regular" pitchFamily="34" charset="-122"/>
-                <a:cs typeface="Inter Regular" pitchFamily="34" charset="-120"/>
-              </a:rPr>
-              <a:t> </a:t>
-            </a:r>
-            <a:endParaRPr lang="en-US" sz="2400" dirty="0"/>
-          </a:p>
-          <a:p>
-            <a:pPr marL="0" indent="0" algn="l">
-              <a:lnSpc>
-                <a:spcPts val="3170"/>
-              </a:lnSpc>
-              <a:buNone/>
-            </a:pPr>
-            <a:r>
-              <a:rPr lang="en-US" sz="2400" dirty="0">
-                <a:solidFill>
-                  <a:srgbClr val="131212">
-                    <a:alpha val="100000"/>
-                  </a:srgbClr>
-                </a:solidFill>
-                <a:latin typeface="Inter Regular" pitchFamily="34" charset="0"/>
-                <a:ea typeface="Inter Regular" pitchFamily="34" charset="-122"/>
-                <a:cs typeface="Inter Regular" pitchFamily="34" charset="-120"/>
-              </a:rPr>
-              <a:t>﻿﻿Spring Boot </a:t>
-            </a:r>
-            <a:endParaRPr lang="en-US" sz="2400" dirty="0"/>
-          </a:p>
-          <a:p>
-            <a:pPr marL="0" indent="0" algn="l">
-              <a:lnSpc>
-                <a:spcPts val="3170"/>
-              </a:lnSpc>
-              <a:buNone/>
-            </a:pPr>
-            <a:r>
-              <a:rPr lang="en-US" sz="2400" dirty="0">
-                <a:solidFill>
-                  <a:srgbClr val="131212">
-                    <a:alpha val="100000"/>
-                  </a:srgbClr>
-                </a:solidFill>
-                <a:latin typeface="Inter Regular" pitchFamily="34" charset="0"/>
-                <a:ea typeface="Inter Regular" pitchFamily="34" charset="-122"/>
-                <a:cs typeface="Inter Regular" pitchFamily="34" charset="-120"/>
-              </a:rPr>
-              <a:t> </a:t>
-            </a:r>
-            <a:endParaRPr lang="en-US" sz="2400" dirty="0"/>
-          </a:p>
-          <a:p>
-            <a:pPr marL="0" indent="0" algn="l">
-              <a:lnSpc>
-                <a:spcPts val="3170"/>
-              </a:lnSpc>
-              <a:buNone/>
-            </a:pPr>
-            <a:r>
-              <a:rPr lang="en-US" sz="2400" dirty="0">
-                <a:solidFill>
-                  <a:srgbClr val="131212">
-                    <a:alpha val="100000"/>
-                  </a:srgbClr>
-                </a:solidFill>
-                <a:latin typeface="Inter Regular" pitchFamily="34" charset="0"/>
-                <a:ea typeface="Inter Regular" pitchFamily="34" charset="-122"/>
-                <a:cs typeface="Inter Regular" pitchFamily="34" charset="-120"/>
-              </a:rPr>
-              <a:t>﻿﻿PostgreSQL </a:t>
-            </a:r>
-            <a:endParaRPr lang="en-US" sz="2400" dirty="0"/>
-          </a:p>
-          <a:p>
-            <a:pPr marL="0" indent="0" algn="l">
-              <a:lnSpc>
-                <a:spcPts val="3170"/>
-              </a:lnSpc>
-              <a:buNone/>
-            </a:pPr>
-            <a:r>
-              <a:rPr lang="en-US" sz="2400" dirty="0">
-                <a:solidFill>
-                  <a:srgbClr val="131212">
-                    <a:alpha val="100000"/>
-                  </a:srgbClr>
-                </a:solidFill>
-                <a:latin typeface="Inter Regular" pitchFamily="34" charset="0"/>
-                <a:ea typeface="Inter Regular" pitchFamily="34" charset="-122"/>
-                <a:cs typeface="Inter Regular" pitchFamily="34" charset="-120"/>
-              </a:rPr>
-              <a:t> </a:t>
-            </a:r>
-            <a:endParaRPr lang="en-US" sz="2400" dirty="0"/>
-          </a:p>
-          <a:p>
-            <a:pPr marL="0" indent="0" algn="l">
-              <a:lnSpc>
-                <a:spcPts val="3170"/>
-              </a:lnSpc>
-              <a:buNone/>
-            </a:pPr>
-            <a:r>
-              <a:rPr lang="en-US" sz="2400" dirty="0">
-                <a:solidFill>
-                  <a:srgbClr val="131212">
-                    <a:alpha val="100000"/>
-                  </a:srgbClr>
-                </a:solidFill>
-                <a:latin typeface="Inter Regular" pitchFamily="34" charset="0"/>
-                <a:ea typeface="Inter Regular" pitchFamily="34" charset="-122"/>
-                <a:cs typeface="Inter Regular" pitchFamily="34" charset="-120"/>
-              </a:rPr>
-              <a:t>Kong</a:t>
-            </a:r>
-            <a:endParaRPr lang="en-US" sz="2400" dirty="0"/>
-          </a:p>
-          <a:p>
-            <a:pPr marL="0" indent="0" algn="l">
-              <a:lnSpc>
-                <a:spcPts val="3170"/>
-              </a:lnSpc>
-              <a:buNone/>
-            </a:pPr>
-            <a:r>
-              <a:rPr lang="en-US" sz="2400" dirty="0">
-                <a:solidFill>
-                  <a:srgbClr val="131212">
-                    <a:alpha val="100000"/>
-                  </a:srgbClr>
-                </a:solidFill>
-                <a:latin typeface="Inter Regular" pitchFamily="34" charset="0"/>
-                <a:ea typeface="Inter Regular" pitchFamily="34" charset="-122"/>
-                <a:cs typeface="Inter Regular" pitchFamily="34" charset="-120"/>
-              </a:rPr>
-              <a:t> </a:t>
-            </a:r>
-            <a:endParaRPr lang="en-US" sz="2400" dirty="0"/>
-          </a:p>
-          <a:p>
-            <a:pPr marL="0" indent="0" algn="l">
-              <a:lnSpc>
-                <a:spcPts val="3170"/>
-              </a:lnSpc>
-              <a:buNone/>
-            </a:pPr>
-            <a:r>
-              <a:rPr lang="en-US" sz="2400" dirty="0">
-                <a:solidFill>
-                  <a:srgbClr val="131212">
-                    <a:alpha val="100000"/>
-                  </a:srgbClr>
-                </a:solidFill>
-                <a:latin typeface="Inter Regular" pitchFamily="34" charset="0"/>
-                <a:ea typeface="Inter Regular" pitchFamily="34" charset="-122"/>
-                <a:cs typeface="Inter Regular" pitchFamily="34" charset="-120"/>
-              </a:rPr>
-              <a:t>﻿﻿Keycloak  </a:t>
-            </a:r>
-            <a:endParaRPr lang="en-US" sz="2400" dirty="0"/>
-          </a:p>
-        </p:txBody>
-      </p:sp>
-      <p:sp>
-        <p:nvSpPr>
-          <p:cNvPr id="7" name="Text 5"/>
-          <p:cNvSpPr/>
-          <p:nvPr/>
-        </p:nvSpPr>
-        <p:spPr>
-          <a:xfrm>
-            <a:off x="6426200" y="3302000"/>
-            <a:ext cx="4203700" cy="762000"/>
-          </a:xfrm>
-          <a:prstGeom prst="rect">
-            <a:avLst/>
-          </a:prstGeom>
-          <a:noFill/>
-          <a:ln/>
-        </p:spPr>
-        <p:txBody>
-          <a:bodyPr wrap="square" lIns="0" tIns="0" rIns="0" bIns="0" rtlCol="0" anchor="t"/>
-          <a:lstStyle/>
-          <a:p>
-            <a:pPr marL="0" indent="0" algn="l">
-              <a:lnSpc>
-                <a:spcPts val="4756"/>
-              </a:lnSpc>
-              <a:buNone/>
-            </a:pPr>
-            <a:r>
-              <a:rPr lang="en-US" sz="3600" dirty="0">
-                <a:solidFill>
-                  <a:srgbClr val="131212">
-                    <a:alpha val="100000"/>
-                  </a:srgbClr>
-                </a:solidFill>
-                <a:latin typeface="Inter Medium" pitchFamily="34" charset="0"/>
-                <a:ea typeface="Inter Medium" pitchFamily="34" charset="-122"/>
-                <a:cs typeface="Inter Medium" pitchFamily="34" charset="-120"/>
-              </a:rPr>
-              <a:t>Клиентская часть</a:t>
-            </a:r>
-            <a:endParaRPr lang="en-US" sz="3600" dirty="0"/>
-          </a:p>
-        </p:txBody>
-      </p:sp>
-      <p:sp>
-        <p:nvSpPr>
-          <p:cNvPr id="8" name="Text 6"/>
-          <p:cNvSpPr/>
-          <p:nvPr/>
-        </p:nvSpPr>
-        <p:spPr>
-          <a:xfrm>
-            <a:off x="6426200" y="4000500"/>
-            <a:ext cx="6883400" cy="3644900"/>
-          </a:xfrm>
-          <a:prstGeom prst="rect">
-            <a:avLst/>
-          </a:prstGeom>
-          <a:noFill/>
-          <a:ln/>
-        </p:spPr>
-        <p:txBody>
-          <a:bodyPr wrap="square" lIns="0" tIns="0" rIns="0" bIns="0" rtlCol="0" anchor="t"/>
-          <a:lstStyle/>
-          <a:p>
-            <a:pPr marL="0" indent="0" algn="l">
-              <a:lnSpc>
-                <a:spcPts val="3170"/>
-              </a:lnSpc>
-              <a:buNone/>
-            </a:pPr>
-            <a:r>
-              <a:rPr lang="en-US" sz="2400" dirty="0">
-                <a:solidFill>
-                  <a:srgbClr val="131212">
-                    <a:alpha val="100000"/>
-                  </a:srgbClr>
-                </a:solidFill>
-                <a:latin typeface="Inter Regular" pitchFamily="34" charset="0"/>
-                <a:ea typeface="Inter Regular" pitchFamily="34" charset="-122"/>
-                <a:cs typeface="Inter Regular" pitchFamily="34" charset="-120"/>
-              </a:rPr>
-              <a:t> </a:t>
-            </a:r>
-            <a:endParaRPr lang="en-US" sz="2400" dirty="0"/>
-          </a:p>
-          <a:p>
-            <a:pPr marL="0" indent="0" algn="l">
-              <a:lnSpc>
-                <a:spcPts val="3170"/>
-              </a:lnSpc>
-              <a:buNone/>
-            </a:pPr>
-            <a:r>
-              <a:rPr lang="en-US" sz="2400" dirty="0">
-                <a:solidFill>
-                  <a:srgbClr val="131212">
-                    <a:alpha val="100000"/>
-                  </a:srgbClr>
-                </a:solidFill>
-                <a:latin typeface="Inter Regular" pitchFamily="34" charset="0"/>
-                <a:ea typeface="Inter Regular" pitchFamily="34" charset="-122"/>
-                <a:cs typeface="Inter Regular" pitchFamily="34" charset="-120"/>
-              </a:rPr>
-              <a:t>Dart </a:t>
-            </a:r>
-            <a:endParaRPr lang="en-US" sz="2400" dirty="0"/>
-          </a:p>
-          <a:p>
-            <a:pPr marL="0" indent="0" algn="l">
-              <a:lnSpc>
-                <a:spcPts val="3170"/>
-              </a:lnSpc>
-              <a:buNone/>
-            </a:pPr>
-            <a:r>
-              <a:rPr lang="en-US" sz="2400" dirty="0">
-                <a:solidFill>
-                  <a:srgbClr val="131212">
-                    <a:alpha val="100000"/>
-                  </a:srgbClr>
-                </a:solidFill>
-                <a:latin typeface="Inter Regular" pitchFamily="34" charset="0"/>
-                <a:ea typeface="Inter Regular" pitchFamily="34" charset="-122"/>
-                <a:cs typeface="Inter Regular" pitchFamily="34" charset="-120"/>
-              </a:rPr>
-              <a:t> </a:t>
-            </a:r>
-            <a:endParaRPr lang="en-US" sz="2400" dirty="0"/>
-          </a:p>
-          <a:p>
-            <a:pPr marL="0" indent="0" algn="l">
-              <a:lnSpc>
-                <a:spcPts val="3170"/>
-              </a:lnSpc>
-              <a:buNone/>
-            </a:pPr>
-            <a:r>
-              <a:rPr lang="en-US" sz="2400" dirty="0">
-                <a:solidFill>
-                  <a:srgbClr val="131212">
-                    <a:alpha val="100000"/>
-                  </a:srgbClr>
-                </a:solidFill>
-                <a:latin typeface="Inter Regular" pitchFamily="34" charset="0"/>
-                <a:ea typeface="Inter Regular" pitchFamily="34" charset="-122"/>
-                <a:cs typeface="Inter Regular" pitchFamily="34" charset="-120"/>
-              </a:rPr>
-              <a:t>Flutter SDK</a:t>
-            </a:r>
-            <a:endParaRPr lang="en-US" sz="2400" dirty="0"/>
-          </a:p>
-        </p:txBody>
-      </p:sp>
-      <p:sp>
-        <p:nvSpPr>
-          <p:cNvPr id="9" name="Text 7"/>
-          <p:cNvSpPr/>
-          <p:nvPr/>
-        </p:nvSpPr>
-        <p:spPr>
-          <a:xfrm>
-            <a:off x="1778000" y="1016000"/>
-            <a:ext cx="5783605" cy="551205"/>
-          </a:xfrm>
-          <a:prstGeom prst="rect">
-            <a:avLst/>
-          </a:prstGeom>
-          <a:noFill/>
-          <a:ln/>
-        </p:spPr>
-        <p:txBody>
-          <a:bodyPr wrap="square" lIns="0" tIns="0" rIns="0" bIns="0" rtlCol="0" anchor="t"/>
-          <a:lstStyle/>
-          <a:p>
-            <a:pPr marL="0" indent="0" algn="l">
-              <a:buNone/>
-            </a:pPr>
-            <a:r>
-              <a:rPr lang="en-US" sz="3421" dirty="0">
-                <a:solidFill>
-                  <a:srgbClr val="C4C4C4">
-                    <a:alpha val="100000"/>
-                  </a:srgbClr>
-                </a:solidFill>
-                <a:latin typeface="Inter Medium" pitchFamily="34" charset="0"/>
-                <a:ea typeface="Inter Medium" pitchFamily="34" charset="-122"/>
-                <a:cs typeface="Inter Medium" pitchFamily="34" charset="-120"/>
-              </a:rPr>
-              <a:t>Технологии и инновации</a:t>
-            </a:r>
-            <a:endParaRPr lang="en-US" sz="3421" dirty="0"/>
-          </a:p>
-        </p:txBody>
-      </p:sp>
-      <p:pic>
-        <p:nvPicPr>
-          <p:cNvPr id="10" name="Image 0" descr=" "/>
-          <p:cNvPicPr>
-            <a:picLocks noChangeAspect="1"/>
-          </p:cNvPicPr>
-          <p:nvPr/>
-        </p:nvPicPr>
-        <p:blipFill>
-          <a:blip r:embed="rId3">
-            <a:extLst>
-              <a:ext uri="{96DAC541-7B7A-43D3-8B79-37D633B846F1}">
-                <asvg:svgBlip xmlns:asvg="http://schemas.microsoft.com/office/drawing/2016/SVG/main" r:embed="rId4"/>
-              </a:ext>
-            </a:extLst>
-          </a:blip>
-          <a:stretch>
-            <a:fillRect/>
-          </a:stretch>
-        </p:blipFill>
-        <p:spPr>
-          <a:xfrm>
-            <a:off x="16814800" y="9453128"/>
-            <a:ext cx="659247" cy="656862"/>
-          </a:xfrm>
-          <a:prstGeom prst="rect">
-            <a:avLst/>
-          </a:prstGeom>
-        </p:spPr>
-      </p:pic>
-      <p:pic>
-        <p:nvPicPr>
-          <p:cNvPr id="11" name="Image 1" descr=" "/>
-          <p:cNvPicPr>
-            <a:picLocks noChangeAspect="1"/>
-          </p:cNvPicPr>
-          <p:nvPr/>
-        </p:nvPicPr>
-        <p:blipFill>
-          <a:blip r:embed="rId5"/>
-          <a:stretch>
-            <a:fillRect/>
-          </a:stretch>
-        </p:blipFill>
-        <p:spPr>
-          <a:xfrm>
-            <a:off x="16814800" y="9453128"/>
-            <a:ext cx="659244" cy="656863"/>
-          </a:xfrm>
-          <a:prstGeom prst="rect">
-            <a:avLst/>
-          </a:prstGeom>
-        </p:spPr>
-      </p:pic>
-    </p:spTree>
-  </p:cSld>
-  <p:clrMapOvr>
-    <a:masterClrMapping/>
-  </p:clrMapOvr>
-</p:sld>
-</file>
-
-<file path=ppt/slides/slide6.xml><?xml version="1.0" encoding="utf-8"?>
-<p:sld xmlns:a="http://schemas.openxmlformats.org/drawingml/2006/main" xmlns:r="http://schemas.openxmlformats.org/officeDocument/2006/relationships" xmlns:p="http://schemas.openxmlformats.org/presentationml/2006/main">
-  <p:cSld name="Slide 6">
-    <p:bg>
-      <p:bgPr>
-        <a:solidFill>
-          <a:srgbClr val="FFFFFF"/>
-        </a:solidFill>
-        <a:effectLst/>
-      </p:bgPr>
-    </p:bg>
-    <p:spTree>
-      <p:nvGrpSpPr>
-        <p:cNvPr id="1" name=""/>
-        <p:cNvGrpSpPr/>
-        <p:nvPr/>
-      </p:nvGrpSpPr>
-      <p:grpSpPr>
-        <a:xfrm>
-          <a:off x="0" y="0"/>
-          <a:ext cx="0" cy="0"/>
-          <a:chOff x="0" y="0"/>
-          <a:chExt cx="0" cy="0"/>
-        </a:xfrm>
-      </p:grpSpPr>
-      <p:sp>
-        <p:nvSpPr>
-          <p:cNvPr id="2" name="Shape 0"/>
-          <p:cNvSpPr/>
-          <p:nvPr/>
-        </p:nvSpPr>
-        <p:spPr>
-          <a:xfrm>
-            <a:off x="0" y="9317472"/>
-            <a:ext cx="18288808" cy="977430"/>
-          </a:xfrm>
-          <a:prstGeom prst="rect">
-            <a:avLst/>
-          </a:prstGeom>
-          <a:solidFill>
-            <a:srgbClr val="2E2E2E">
-              <a:alpha val="100000"/>
-            </a:srgbClr>
-          </a:solidFill>
-          <a:ln/>
-        </p:spPr>
-      </p:sp>
-      <p:sp>
-        <p:nvSpPr>
-          <p:cNvPr id="3" name="Text 1"/>
-          <p:cNvSpPr/>
-          <p:nvPr/>
-        </p:nvSpPr>
-        <p:spPr>
-          <a:xfrm>
-            <a:off x="868834" y="9404350"/>
-            <a:ext cx="4481083" cy="912383"/>
-          </a:xfrm>
-          <a:prstGeom prst="rect">
-            <a:avLst/>
-          </a:prstGeom>
-          <a:noFill/>
-          <a:ln/>
-        </p:spPr>
-        <p:txBody>
-          <a:bodyPr wrap="square" lIns="0" tIns="0" rIns="0" bIns="0" rtlCol="0" anchor="t"/>
-          <a:lstStyle/>
-          <a:p>
-            <a:pPr marL="0" indent="0" algn="l">
-              <a:lnSpc>
-                <a:spcPts val="6414"/>
-              </a:lnSpc>
-              <a:buNone/>
-            </a:pPr>
-            <a:r>
-              <a:rPr lang="en-US" sz="2052" dirty="0">
-                <a:solidFill>
-                  <a:srgbClr val="F9F8F8">
-                    <a:alpha val="100000"/>
-                  </a:srgbClr>
-                </a:solidFill>
-                <a:latin typeface="Inter Semi Bold" pitchFamily="34" charset="0"/>
-                <a:ea typeface="Inter Semi Bold" pitchFamily="34" charset="-122"/>
-                <a:cs typeface="Inter Semi Bold" pitchFamily="34" charset="-120"/>
-              </a:rPr>
-              <a:t>05/ Конкурентное преимущество</a:t>
-            </a:r>
-            <a:endParaRPr lang="en-US" sz="2052" dirty="0"/>
-          </a:p>
-        </p:txBody>
-      </p:sp>
-      <p:sp>
-        <p:nvSpPr>
-          <p:cNvPr id="4" name="Text 2"/>
-          <p:cNvSpPr/>
-          <p:nvPr/>
-        </p:nvSpPr>
-        <p:spPr>
-          <a:xfrm>
-            <a:off x="1778000" y="914400"/>
-            <a:ext cx="13126528" cy="2603026"/>
-          </a:xfrm>
-          <a:prstGeom prst="rect">
-            <a:avLst/>
-          </a:prstGeom>
-          <a:noFill/>
-          <a:ln/>
-        </p:spPr>
-        <p:txBody>
-          <a:bodyPr wrap="square" lIns="0" tIns="0" rIns="0" bIns="0" rtlCol="0" anchor="t"/>
-          <a:lstStyle/>
-          <a:p>
-            <a:pPr marL="0" indent="0" algn="l">
-              <a:lnSpc>
-                <a:spcPts val="6326"/>
-              </a:lnSpc>
-              <a:buNone/>
-            </a:pPr>
-            <a:r>
-              <a:rPr lang="en-US" sz="4789" dirty="0">
-                <a:solidFill>
-                  <a:srgbClr val="131212">
-                    <a:alpha val="100000"/>
-                  </a:srgbClr>
-                </a:solidFill>
-                <a:latin typeface="Inter Medium" pitchFamily="34" charset="0"/>
-                <a:ea typeface="Inter Medium" pitchFamily="34" charset="-122"/>
-                <a:cs typeface="Inter Medium" pitchFamily="34" charset="-120"/>
-              </a:rPr>
-              <a:t>Конкурентное </a:t>
-            </a:r>
-            <a:endParaRPr lang="en-US" sz="4789" dirty="0"/>
-          </a:p>
-          <a:p>
-            <a:pPr marL="0" indent="0" algn="l">
-              <a:lnSpc>
-                <a:spcPts val="6326"/>
-              </a:lnSpc>
-              <a:buNone/>
-            </a:pPr>
-            <a:r>
-              <a:rPr lang="en-US" sz="4789" dirty="0">
-                <a:solidFill>
-                  <a:srgbClr val="131212">
-                    <a:alpha val="100000"/>
-                  </a:srgbClr>
-                </a:solidFill>
-                <a:latin typeface="Inter Medium" pitchFamily="34" charset="0"/>
-                <a:ea typeface="Inter Medium" pitchFamily="34" charset="-122"/>
-                <a:cs typeface="Inter Medium" pitchFamily="34" charset="-120"/>
-              </a:rPr>
-              <a:t>преимущество</a:t>
-            </a:r>
-            <a:endParaRPr lang="en-US" sz="4789" dirty="0"/>
-          </a:p>
-        </p:txBody>
-      </p:sp>
-      <p:sp>
-        <p:nvSpPr>
-          <p:cNvPr id="5" name="Text 3"/>
-          <p:cNvSpPr/>
-          <p:nvPr/>
-        </p:nvSpPr>
-        <p:spPr>
-          <a:xfrm>
-            <a:off x="1778000" y="3314700"/>
-            <a:ext cx="14014985" cy="2242085"/>
-          </a:xfrm>
-          <a:prstGeom prst="rect">
-            <a:avLst/>
-          </a:prstGeom>
-          <a:noFill/>
-          <a:ln/>
-        </p:spPr>
-        <p:txBody>
-          <a:bodyPr wrap="square" lIns="0" tIns="0" rIns="0" bIns="0" rtlCol="0" anchor="t"/>
-          <a:lstStyle/>
-          <a:p>
-            <a:pPr marL="0" indent="0" algn="l">
-              <a:lnSpc>
-                <a:spcPts val="4971"/>
-              </a:lnSpc>
-              <a:buNone/>
-            </a:pPr>
-            <a:r>
-              <a:rPr lang="en-US" sz="3763" dirty="0">
-                <a:solidFill>
-                  <a:srgbClr val="131212">
-                    <a:alpha val="100000"/>
-                  </a:srgbClr>
-                </a:solidFill>
-                <a:latin typeface="Inter Medium" pitchFamily="34" charset="0"/>
-                <a:ea typeface="Inter Medium" pitchFamily="34" charset="-122"/>
-                <a:cs typeface="Inter Medium" pitchFamily="34" charset="-120"/>
-              </a:rPr>
-              <a:t>В отличии от существующих решений</a:t>
-            </a:r>
-            <a:r>
-              <a:rPr lang="en-US" sz="3763" kern="0" spc="-38" dirty="0">
-                <a:solidFill>
-                  <a:srgbClr val="131212">
-                    <a:alpha val="100000"/>
-                  </a:srgbClr>
-                </a:solidFill>
-                <a:latin typeface="Inter Medium" pitchFamily="34" charset="0"/>
-                <a:ea typeface="Inter Medium" pitchFamily="34" charset="-122"/>
-                <a:cs typeface="Inter Medium" pitchFamily="34" charset="-120"/>
-              </a:rPr>
-              <a:t>, приложение RenTool позволяет арендовать инструмент за минимальное количество операций </a:t>
-            </a:r>
-            <a:endParaRPr lang="en-US" sz="3763" dirty="0"/>
-          </a:p>
-          <a:p>
-            <a:pPr marL="0" indent="0" algn="l">
-              <a:lnSpc>
-                <a:spcPts val="4971"/>
-              </a:lnSpc>
-              <a:buNone/>
-            </a:pPr>
-            <a:r>
-              <a:rPr lang="en-US" sz="3763" dirty="0">
-                <a:solidFill>
-                  <a:srgbClr val="131212">
-                    <a:alpha val="100000"/>
-                  </a:srgbClr>
-                </a:solidFill>
-                <a:latin typeface="Inter Medium" pitchFamily="34" charset="0"/>
-                <a:ea typeface="Inter Medium" pitchFamily="34" charset="-122"/>
-                <a:cs typeface="Inter Medium" pitchFamily="34" charset="-120"/>
-              </a:rPr>
-              <a:t> </a:t>
-            </a:r>
-            <a:endParaRPr lang="en-US" sz="3763" dirty="0"/>
-          </a:p>
-          <a:p>
-            <a:pPr marL="0" indent="0" algn="l">
-              <a:lnSpc>
-                <a:spcPts val="4971"/>
-              </a:lnSpc>
-              <a:buNone/>
-            </a:pPr>
-            <a:r>
-              <a:rPr lang="en-US" sz="3763" dirty="0">
-                <a:solidFill>
-                  <a:srgbClr val="131212">
-                    <a:alpha val="100000"/>
-                  </a:srgbClr>
-                </a:solidFill>
-                <a:latin typeface="Inter Medium" pitchFamily="34" charset="0"/>
-                <a:ea typeface="Inter Medium" pitchFamily="34" charset="-122"/>
-                <a:cs typeface="Inter Medium" pitchFamily="34" charset="-120"/>
-              </a:rPr>
-              <a:t> </a:t>
-            </a:r>
-            <a:endParaRPr lang="en-US" sz="3763" dirty="0"/>
-          </a:p>
-        </p:txBody>
-      </p:sp>
-      <p:pic>
-        <p:nvPicPr>
-          <p:cNvPr id="6" name="Image 0" descr=" "/>
-          <p:cNvPicPr>
-            <a:picLocks noChangeAspect="1"/>
-          </p:cNvPicPr>
-          <p:nvPr/>
-        </p:nvPicPr>
-        <p:blipFill>
-          <a:blip r:embed="rId3">
-            <a:extLst>
-              <a:ext uri="{96DAC541-7B7A-43D3-8B79-37D633B846F1}">
-                <asvg:svgBlip xmlns:asvg="http://schemas.microsoft.com/office/drawing/2016/SVG/main" r:embed="rId4"/>
-              </a:ext>
-            </a:extLst>
-          </a:blip>
-          <a:stretch>
-            <a:fillRect/>
-          </a:stretch>
-        </p:blipFill>
-        <p:spPr>
-          <a:xfrm>
-            <a:off x="16814750" y="9461500"/>
-            <a:ext cx="659247" cy="656862"/>
-          </a:xfrm>
-          <a:prstGeom prst="rect">
-            <a:avLst/>
-          </a:prstGeom>
-        </p:spPr>
-      </p:pic>
-      <p:pic>
-        <p:nvPicPr>
-          <p:cNvPr id="7" name="Image 1" descr=" "/>
-          <p:cNvPicPr>
-            <a:picLocks noChangeAspect="1"/>
-          </p:cNvPicPr>
-          <p:nvPr/>
-        </p:nvPicPr>
-        <p:blipFill>
-          <a:blip r:embed="rId5"/>
-          <a:stretch>
-            <a:fillRect/>
-          </a:stretch>
-        </p:blipFill>
-        <p:spPr>
-          <a:xfrm>
-            <a:off x="16814750" y="9461500"/>
-            <a:ext cx="659244" cy="656863"/>
-          </a:xfrm>
-          <a:prstGeom prst="rect">
-            <a:avLst/>
-          </a:prstGeom>
-        </p:spPr>
-      </p:pic>
-    </p:spTree>
-  </p:cSld>
-  <p:clrMapOvr>
-    <a:masterClrMapping/>
-  </p:clrMapOvr>
-</p:sld>
-</file>
-
-<file path=ppt/slides/slide7.xml><?xml version="1.0" encoding="utf-8"?>
-<p:sld xmlns:a="http://schemas.openxmlformats.org/drawingml/2006/main" xmlns:r="http://schemas.openxmlformats.org/officeDocument/2006/relationships" xmlns:p="http://schemas.openxmlformats.org/presentationml/2006/main">
-  <p:cSld name="Slide 7">
-    <p:bg>
-      <p:bgPr>
-        <a:solidFill>
-          <a:srgbClr val="FFFFFF"/>
-        </a:solidFill>
-        <a:effectLst/>
-      </p:bgPr>
-    </p:bg>
-    <p:spTree>
-      <p:nvGrpSpPr>
-        <p:cNvPr id="1" name=""/>
-        <p:cNvGrpSpPr/>
-        <p:nvPr/>
-      </p:nvGrpSpPr>
-      <p:grpSpPr>
-        <a:xfrm>
-          <a:off x="0" y="0"/>
-          <a:ext cx="0" cy="0"/>
-          <a:chOff x="0" y="0"/>
-          <a:chExt cx="0" cy="0"/>
-        </a:xfrm>
-      </p:grpSpPr>
-      <p:sp>
-        <p:nvSpPr>
-          <p:cNvPr id="2" name="Text 0"/>
-          <p:cNvSpPr/>
-          <p:nvPr/>
-        </p:nvSpPr>
-        <p:spPr>
-          <a:xfrm>
-            <a:off x="868797" y="1129472"/>
-            <a:ext cx="6599965" cy="808765"/>
-          </a:xfrm>
-          <a:prstGeom prst="rect">
-            <a:avLst/>
-          </a:prstGeom>
-          <a:noFill/>
-          <a:ln/>
-        </p:spPr>
-        <p:txBody>
-          <a:bodyPr wrap="square" lIns="0" tIns="0" rIns="0" bIns="0" rtlCol="0" anchor="t"/>
-          <a:lstStyle/>
-          <a:p>
-            <a:pPr marL="0" indent="0" algn="l">
-              <a:buNone/>
-            </a:pPr>
-            <a:r>
-              <a:rPr lang="en-US" sz="4105" dirty="0">
-                <a:solidFill>
-                  <a:srgbClr val="131212">
-                    <a:alpha val="100000"/>
-                  </a:srgbClr>
-                </a:solidFill>
-                <a:latin typeface="Inter Medium" pitchFamily="34" charset="0"/>
-                <a:ea typeface="Inter Medium" pitchFamily="34" charset="-122"/>
-                <a:cs typeface="Inter Medium" pitchFamily="34" charset="-120"/>
+              <a:buNone/>
+              <a:defRPr/>
+            </a:pPr>
+            <a:r>
+              <a:rPr lang="en-US" sz="4100">
+                <a:solidFill>
+                  <a:srgbClr val="131212">
+                    <a:alpha val="100000"/>
+                  </a:srgbClr>
+                </a:solidFill>
+                <a:latin typeface="Inter Medium"/>
+                <a:ea typeface="Inter Medium"/>
+                <a:cs typeface="Inter Medium"/>
               </a:rPr>
               <a:t>Демонстрация продукта</a:t>
             </a:r>
-            <a:endParaRPr lang="en-US" sz="4105" dirty="0"/>
+            <a:endParaRPr lang="en-US" sz="4100"/>
           </a:p>
         </p:txBody>
       </p:sp>
@@ -5028,11 +4886,9 @@
         </p:nvPicPr>
         <p:blipFill>
           <a:blip r:embed="rId3"/>
-          <a:stretch>
-            <a:fillRect/>
-          </a:stretch>
+          <a:stretch/>
         </p:blipFill>
-        <p:spPr>
+        <p:spPr bwMode="auto">
           <a:xfrm>
             <a:off x="3372483" y="2201273"/>
             <a:ext cx="3585890" cy="6767826"/>
@@ -5052,13 +4908,11 @@
         </p:nvPicPr>
         <p:blipFill>
           <a:blip r:embed="rId4"/>
-          <a:stretch>
-            <a:fillRect/>
-          </a:stretch>
+          <a:stretch/>
         </p:blipFill>
-        <p:spPr>
-          <a:xfrm>
-            <a:off x="7378737" y="2201273"/>
+        <p:spPr bwMode="auto">
+          <a:xfrm>
+            <a:off x="7378736" y="2201273"/>
             <a:ext cx="3585890" cy="6767826"/>
           </a:xfrm>
           <a:prstGeom prst="rect">
@@ -5076,13 +4930,11 @@
         </p:nvPicPr>
         <p:blipFill>
           <a:blip r:embed="rId5"/>
-          <a:stretch>
-            <a:fillRect/>
-          </a:stretch>
+          <a:stretch/>
         </p:blipFill>
-        <p:spPr>
-          <a:xfrm>
-            <a:off x="11384992" y="2201273"/>
+        <p:spPr bwMode="auto">
+          <a:xfrm>
+            <a:off x="11384991" y="2201273"/>
             <a:ext cx="3585890" cy="6767826"/>
           </a:xfrm>
           <a:prstGeom prst="rect">
@@ -5096,7 +4948,7 @@
           <p:cNvSpPr/>
           <p:nvPr/>
         </p:nvSpPr>
-        <p:spPr>
+        <p:spPr bwMode="auto">
           <a:xfrm>
             <a:off x="0" y="9309100"/>
             <a:ext cx="18288808" cy="977430"/>
@@ -5118,7 +4970,7 @@
           <p:cNvSpPr/>
           <p:nvPr/>
         </p:nvSpPr>
-        <p:spPr>
+        <p:spPr bwMode="auto">
           <a:xfrm>
             <a:off x="868834" y="9395978"/>
             <a:ext cx="3846083" cy="912383"/>
@@ -5138,21 +4990,22 @@
                 <a:spcPts val="6414"/>
               </a:lnSpc>
               <a:buNone/>
-            </a:pPr>
-            <a:r>
-              <a:rPr lang="en-US" sz="2052" dirty="0">
+              <a:defRPr/>
+            </a:pPr>
+            <a:r>
+              <a:rPr lang="en-US" sz="2050">
                 <a:solidFill>
                   <a:srgbClr val="F9F8F8">
                     <a:alpha val="100000"/>
                   </a:srgbClr>
                 </a:solidFill>
-                <a:latin typeface="Inter Semi Bold" pitchFamily="34" charset="0"/>
-                <a:ea typeface="Inter Semi Bold" pitchFamily="34" charset="-122"/>
-                <a:cs typeface="Inter Semi Bold" pitchFamily="34" charset="-120"/>
+                <a:latin typeface="Inter Semi Bold"/>
+                <a:ea typeface="Inter Semi Bold"/>
+                <a:cs typeface="Inter Semi Bold"/>
               </a:rPr>
               <a:t>06/ Демонстрация продукта</a:t>
             </a:r>
-            <a:endParaRPr lang="en-US" sz="2052" dirty="0"/>
+            <a:endParaRPr lang="en-US" sz="2050"/>
           </a:p>
         </p:txBody>
       </p:sp>
@@ -5172,11 +5025,9 @@
               </a:ext>
             </a:extLst>
           </a:blip>
-          <a:stretch>
-            <a:fillRect/>
-          </a:stretch>
+          <a:stretch/>
         </p:blipFill>
-        <p:spPr>
+        <p:spPr bwMode="auto">
           <a:xfrm>
             <a:off x="16814750" y="9453128"/>
             <a:ext cx="659247" cy="656862"/>
@@ -5196,11 +5047,9 @@
         </p:nvPicPr>
         <p:blipFill>
           <a:blip r:embed="rId8"/>
-          <a:stretch>
-            <a:fillRect/>
-          </a:stretch>
+          <a:stretch/>
         </p:blipFill>
-        <p:spPr>
+        <p:spPr bwMode="auto">
           <a:xfrm>
             <a:off x="16814750" y="9453128"/>
             <a:ext cx="659244" cy="656863"/>
@@ -5215,18 +5064,25 @@
   <p:clrMapOvr>
     <a:masterClrMapping/>
   </p:clrMapOvr>
+  <mc:AlternateContent xmlns:mc="http://schemas.openxmlformats.org/markup-compatibility/2006">
+    <mc:Choice xmlns:p159="http://schemas.microsoft.com/office/powerpoint/2015/09/main" xmlns:p14="http://schemas.microsoft.com/office/powerpoint/2010/main" Requires="p159">
+      <p:transition p14:dur="2000" advClick="1"/>
+    </mc:Choice>
+    <mc:Fallback>
+      <p:transition advClick="1"/>
+    </mc:Fallback>
+  </mc:AlternateContent>
 </p:sld>
 </file>
 
 <file path=ppt/slides/slide8.xml><?xml version="1.0" encoding="utf-8"?>
-<p:sld xmlns:a="http://schemas.openxmlformats.org/drawingml/2006/main" xmlns:r="http://schemas.openxmlformats.org/officeDocument/2006/relationships" xmlns:p="http://schemas.openxmlformats.org/presentationml/2006/main">
+<p:sld xmlns:a="http://schemas.openxmlformats.org/drawingml/2006/main" xmlns:r="http://schemas.openxmlformats.org/officeDocument/2006/relationships" xmlns:p="http://schemas.openxmlformats.org/presentationml/2006/main" xmlns:m="http://schemas.openxmlformats.org/officeDocument/2006/math" xmlns:w="http://schemas.openxmlformats.org/wordprocessingml/2006/main" showMasterPhAnim="0" show="1">
   <p:cSld name="Slide 8">
     <p:bg>
-      <p:bgPr>
+      <p:bgPr shadeToTitle="0">
         <a:solidFill>
           <a:srgbClr val="FFFFFF"/>
         </a:solidFill>
-        <a:effectLst/>
       </p:bgPr>
     </p:bg>
     <p:spTree>
@@ -5235,7 +5091,7 @@
         <p:cNvGrpSpPr/>
         <p:nvPr/>
       </p:nvGrpSpPr>
-      <p:grpSpPr>
+      <p:grpSpPr bwMode="auto">
         <a:xfrm>
           <a:off x="0" y="0"/>
           <a:ext cx="0" cy="0"/>
@@ -5249,7 +5105,7 @@
           <p:cNvSpPr/>
           <p:nvPr/>
         </p:nvSpPr>
-        <p:spPr>
+        <p:spPr bwMode="auto">
           <a:xfrm>
             <a:off x="0" y="9317472"/>
             <a:ext cx="18288808" cy="977430"/>
@@ -5271,7 +5127,7 @@
           <p:cNvSpPr/>
           <p:nvPr/>
         </p:nvSpPr>
-        <p:spPr>
+        <p:spPr bwMode="auto">
           <a:xfrm>
             <a:off x="868834" y="9404350"/>
             <a:ext cx="2550683" cy="912383"/>
@@ -5291,21 +5147,22 @@
                 <a:spcPts val="6414"/>
               </a:lnSpc>
               <a:buNone/>
-            </a:pPr>
-            <a:r>
-              <a:rPr lang="en-US" sz="2052" dirty="0">
+              <a:defRPr/>
+            </a:pPr>
+            <a:r>
+              <a:rPr lang="en-US" sz="2050">
                 <a:solidFill>
                   <a:srgbClr val="F9F8F8">
                     <a:alpha val="100000"/>
                   </a:srgbClr>
                 </a:solidFill>
-                <a:latin typeface="Inter Semi Bold" pitchFamily="34" charset="0"/>
-                <a:ea typeface="Inter Semi Bold" pitchFamily="34" charset="-122"/>
-                <a:cs typeface="Inter Semi Bold" pitchFamily="34" charset="-120"/>
+                <a:latin typeface="Inter Semi Bold"/>
+                <a:ea typeface="Inter Semi Bold"/>
+                <a:cs typeface="Inter Semi Bold"/>
               </a:rPr>
               <a:t>07/ Бизнес модель</a:t>
             </a:r>
-            <a:endParaRPr lang="en-US" sz="2052" dirty="0"/>
+            <a:endParaRPr lang="en-US" sz="2050"/>
           </a:p>
         </p:txBody>
       </p:sp>
@@ -5315,7 +5172,7 @@
           <p:cNvSpPr/>
           <p:nvPr/>
         </p:nvSpPr>
-        <p:spPr>
+        <p:spPr bwMode="auto">
           <a:xfrm>
             <a:off x="1778000" y="2036862"/>
             <a:ext cx="13126528" cy="5198482"/>
@@ -5335,21 +5192,22 @@
                 <a:spcPts val="6326"/>
               </a:lnSpc>
               <a:buNone/>
-            </a:pPr>
-            <a:r>
-              <a:rPr lang="en-US" sz="4789" dirty="0">
-                <a:solidFill>
-                  <a:srgbClr val="131212">
-                    <a:alpha val="100000"/>
-                  </a:srgbClr>
-                </a:solidFill>
-                <a:latin typeface="Inter Medium" pitchFamily="34" charset="0"/>
-                <a:ea typeface="Inter Medium" pitchFamily="34" charset="-122"/>
-                <a:cs typeface="Inter Medium" pitchFamily="34" charset="-120"/>
+              <a:defRPr/>
+            </a:pPr>
+            <a:r>
+              <a:rPr lang="en-US" sz="4800">
+                <a:solidFill>
+                  <a:srgbClr val="131212">
+                    <a:alpha val="100000"/>
+                  </a:srgbClr>
+                </a:solidFill>
+                <a:latin typeface="Inter Medium"/>
+                <a:ea typeface="Inter Medium"/>
+                <a:cs typeface="Inter Medium"/>
               </a:rPr>
               <a:t>Бизнес модель </a:t>
             </a:r>
-            <a:endParaRPr lang="en-US" sz="4789" dirty="0"/>
+            <a:endParaRPr lang="en-US" sz="4800"/>
           </a:p>
           <a:p>
             <a:pPr marL="0" indent="0" algn="l">
@@ -5357,21 +5215,22 @@
                 <a:spcPts val="6326"/>
               </a:lnSpc>
               <a:buNone/>
-            </a:pPr>
-            <a:r>
-              <a:rPr lang="en-US" sz="4789" dirty="0">
-                <a:solidFill>
-                  <a:srgbClr val="131212">
-                    <a:alpha val="100000"/>
-                  </a:srgbClr>
-                </a:solidFill>
-                <a:latin typeface="Inter Medium" pitchFamily="34" charset="0"/>
-                <a:ea typeface="Inter Medium" pitchFamily="34" charset="-122"/>
-                <a:cs typeface="Inter Medium" pitchFamily="34" charset="-120"/>
+              <a:defRPr/>
+            </a:pPr>
+            <a:r>
+              <a:rPr lang="en-US" sz="4800">
+                <a:solidFill>
+                  <a:srgbClr val="131212">
+                    <a:alpha val="100000"/>
+                  </a:srgbClr>
+                </a:solidFill>
+                <a:latin typeface="Inter Medium"/>
+                <a:ea typeface="Inter Medium"/>
+                <a:cs typeface="Inter Medium"/>
               </a:rPr>
               <a:t>проекта</a:t>
             </a:r>
-            <a:endParaRPr lang="en-US" sz="4789" dirty="0"/>
+            <a:endParaRPr lang="en-US" sz="4800"/>
           </a:p>
         </p:txBody>
       </p:sp>
@@ -5381,10 +5240,10 @@
           <p:cNvSpPr/>
           <p:nvPr/>
         </p:nvSpPr>
-        <p:spPr>
+        <p:spPr bwMode="auto">
           <a:xfrm>
             <a:off x="1778000" y="1016000"/>
-            <a:ext cx="3408705" cy="665505"/>
+            <a:ext cx="3408705" cy="665504"/>
           </a:xfrm>
           <a:prstGeom prst="rect">
             <a:avLst/>
@@ -5398,21 +5257,22 @@
           <a:p>
             <a:pPr marL="0" indent="0" algn="l">
               <a:buNone/>
-            </a:pPr>
-            <a:r>
-              <a:rPr lang="en-US" sz="3421" dirty="0">
+              <a:defRPr/>
+            </a:pPr>
+            <a:r>
+              <a:rPr lang="en-US" sz="3400">
                 <a:solidFill>
                   <a:srgbClr val="C4C4C4">
                     <a:alpha val="100000"/>
                   </a:srgbClr>
                 </a:solidFill>
-                <a:latin typeface="Inter Medium" pitchFamily="34" charset="0"/>
-                <a:ea typeface="Inter Medium" pitchFamily="34" charset="-122"/>
-                <a:cs typeface="Inter Medium" pitchFamily="34" charset="-120"/>
+                <a:latin typeface="Inter Medium"/>
+                <a:ea typeface="Inter Medium"/>
+                <a:cs typeface="Inter Medium"/>
               </a:rPr>
               <a:t>Бизнес модель</a:t>
             </a:r>
-            <a:endParaRPr lang="en-US" sz="3421" dirty="0"/>
+            <a:endParaRPr lang="en-US" sz="3400"/>
           </a:p>
         </p:txBody>
       </p:sp>
@@ -5422,7 +5282,7 @@
           <p:cNvSpPr/>
           <p:nvPr/>
         </p:nvSpPr>
-        <p:spPr>
+        <p:spPr bwMode="auto">
           <a:xfrm>
             <a:off x="1778000" y="4279900"/>
             <a:ext cx="14014985" cy="2686585"/>
@@ -5442,21 +5302,22 @@
                 <a:spcPts val="4971"/>
               </a:lnSpc>
               <a:buNone/>
-            </a:pPr>
-            <a:r>
-              <a:rPr lang="en-US" sz="3763" dirty="0">
-                <a:solidFill>
-                  <a:srgbClr val="131212">
-                    <a:alpha val="100000"/>
-                  </a:srgbClr>
-                </a:solidFill>
-                <a:latin typeface="Inter Medium" pitchFamily="34" charset="0"/>
-                <a:ea typeface="Inter Medium" pitchFamily="34" charset="-122"/>
-                <a:cs typeface="Inter Medium" pitchFamily="34" charset="-120"/>
+              <a:defRPr/>
+            </a:pPr>
+            <a:r>
+              <a:rPr lang="en-US" sz="3750">
+                <a:solidFill>
+                  <a:srgbClr val="131212">
+                    <a:alpha val="100000"/>
+                  </a:srgbClr>
+                </a:solidFill>
+                <a:latin typeface="Inter Medium"/>
+                <a:ea typeface="Inter Medium"/>
+                <a:cs typeface="Inter Medium"/>
               </a:rPr>
               <a:t>Планируется зарабатывать на проекте </a:t>
             </a:r>
-            <a:endParaRPr lang="en-US" sz="3763" dirty="0"/>
+            <a:endParaRPr lang="en-US" sz="3750"/>
           </a:p>
           <a:p>
             <a:pPr marL="0" indent="0" algn="l">
@@ -5464,21 +5325,22 @@
                 <a:spcPts val="4971"/>
               </a:lnSpc>
               <a:buNone/>
-            </a:pPr>
-            <a:r>
-              <a:rPr lang="en-US" sz="3763" dirty="0">
-                <a:solidFill>
-                  <a:srgbClr val="131212">
-                    <a:alpha val="100000"/>
-                  </a:srgbClr>
-                </a:solidFill>
-                <a:latin typeface="Inter Medium" pitchFamily="34" charset="0"/>
-                <a:ea typeface="Inter Medium" pitchFamily="34" charset="-122"/>
-                <a:cs typeface="Inter Medium" pitchFamily="34" charset="-120"/>
+              <a:defRPr/>
+            </a:pPr>
+            <a:r>
+              <a:rPr lang="en-US" sz="3750">
+                <a:solidFill>
+                  <a:srgbClr val="131212">
+                    <a:alpha val="100000"/>
+                  </a:srgbClr>
+                </a:solidFill>
+                <a:latin typeface="Inter Medium"/>
+                <a:ea typeface="Inter Medium"/>
+                <a:cs typeface="Inter Medium"/>
               </a:rPr>
               <a:t>через контекстную рекламу услуг </a:t>
             </a:r>
-            <a:endParaRPr lang="en-US" sz="3763" dirty="0"/>
+            <a:endParaRPr lang="en-US" sz="3750"/>
           </a:p>
           <a:p>
             <a:pPr marL="0" indent="0" algn="l">
@@ -5486,21 +5348,22 @@
                 <a:spcPts val="4971"/>
               </a:lnSpc>
               <a:buNone/>
-            </a:pPr>
-            <a:r>
-              <a:rPr lang="en-US" sz="3763" dirty="0">
-                <a:solidFill>
-                  <a:srgbClr val="131212">
-                    <a:alpha val="100000"/>
-                  </a:srgbClr>
-                </a:solidFill>
-                <a:latin typeface="Inter Medium" pitchFamily="34" charset="0"/>
-                <a:ea typeface="Inter Medium" pitchFamily="34" charset="-122"/>
-                <a:cs typeface="Inter Medium" pitchFamily="34" charset="-120"/>
+              <a:defRPr/>
+            </a:pPr>
+            <a:r>
+              <a:rPr lang="en-US" sz="3750">
+                <a:solidFill>
+                  <a:srgbClr val="131212">
+                    <a:alpha val="100000"/>
+                  </a:srgbClr>
+                </a:solidFill>
+                <a:latin typeface="Inter Medium"/>
+                <a:ea typeface="Inter Medium"/>
+                <a:cs typeface="Inter Medium"/>
               </a:rPr>
               <a:t>профессиональных мастеров </a:t>
             </a:r>
-            <a:endParaRPr lang="en-US" sz="3763" dirty="0"/>
+            <a:endParaRPr lang="en-US" sz="3750"/>
           </a:p>
           <a:p>
             <a:pPr marL="0" indent="0" algn="l">
@@ -5508,21 +5371,22 @@
                 <a:spcPts val="4971"/>
               </a:lnSpc>
               <a:buNone/>
-            </a:pPr>
-            <a:r>
-              <a:rPr lang="en-US" sz="3763" dirty="0">
-                <a:solidFill>
-                  <a:srgbClr val="131212">
-                    <a:alpha val="100000"/>
-                  </a:srgbClr>
-                </a:solidFill>
-                <a:latin typeface="Inter Medium" pitchFamily="34" charset="0"/>
-                <a:ea typeface="Inter Medium" pitchFamily="34" charset="-122"/>
-                <a:cs typeface="Inter Medium" pitchFamily="34" charset="-120"/>
+              <a:defRPr/>
+            </a:pPr>
+            <a:r>
+              <a:rPr lang="en-US" sz="3750">
+                <a:solidFill>
+                  <a:srgbClr val="131212">
+                    <a:alpha val="100000"/>
+                  </a:srgbClr>
+                </a:solidFill>
+                <a:latin typeface="Inter Medium"/>
+                <a:ea typeface="Inter Medium"/>
+                <a:cs typeface="Inter Medium"/>
               </a:rPr>
               <a:t> </a:t>
             </a:r>
-            <a:endParaRPr lang="en-US" sz="3763" dirty="0"/>
+            <a:endParaRPr lang="en-US" sz="3750"/>
           </a:p>
           <a:p>
             <a:pPr marL="0" indent="0" algn="l">
@@ -5530,21 +5394,22 @@
                 <a:spcPts val="4971"/>
               </a:lnSpc>
               <a:buNone/>
-            </a:pPr>
-            <a:r>
-              <a:rPr lang="en-US" sz="3763" dirty="0">
-                <a:solidFill>
-                  <a:srgbClr val="131212">
-                    <a:alpha val="100000"/>
-                  </a:srgbClr>
-                </a:solidFill>
-                <a:latin typeface="Inter Medium" pitchFamily="34" charset="0"/>
-                <a:ea typeface="Inter Medium" pitchFamily="34" charset="-122"/>
-                <a:cs typeface="Inter Medium" pitchFamily="34" charset="-120"/>
+              <a:defRPr/>
+            </a:pPr>
+            <a:r>
+              <a:rPr lang="en-US" sz="3750">
+                <a:solidFill>
+                  <a:srgbClr val="131212">
+                    <a:alpha val="100000"/>
+                  </a:srgbClr>
+                </a:solidFill>
+                <a:latin typeface="Inter Medium"/>
+                <a:ea typeface="Inter Medium"/>
+                <a:cs typeface="Inter Medium"/>
               </a:rPr>
               <a:t> </a:t>
             </a:r>
-            <a:endParaRPr lang="en-US" sz="3763" dirty="0"/>
+            <a:endParaRPr lang="en-US" sz="3750"/>
           </a:p>
         </p:txBody>
       </p:sp>
@@ -5557,18 +5422,10 @@
           <p:nvPr/>
         </p:nvPicPr>
         <p:blipFill>
-          <a:blip r:embed="rId3">
-            <a:extLst>
-              <a:ext uri="{96DAC541-7B7A-43D3-8B79-37D633B846F1}">
-                <asvg:svgBlip xmlns:asvg="http://schemas.microsoft.com/office/drawing/2016/SVG/main" r:embed="rId4"/>
-              </a:ext>
-            </a:extLst>
-          </a:blip>
-          <a:stretch>
-            <a:fillRect/>
-          </a:stretch>
+          <a:blip r:embed="rId3"/>
+          <a:stretch/>
         </p:blipFill>
-        <p:spPr>
+        <p:spPr bwMode="auto">
           <a:xfrm>
             <a:off x="16814750" y="9461500"/>
             <a:ext cx="659247" cy="656862"/>
@@ -5587,12 +5444,10 @@
           <p:nvPr/>
         </p:nvPicPr>
         <p:blipFill>
-          <a:blip r:embed="rId5"/>
-          <a:stretch>
-            <a:fillRect/>
-          </a:stretch>
+          <a:blip r:embed="rId4"/>
+          <a:stretch/>
         </p:blipFill>
-        <p:spPr>
+        <p:spPr bwMode="auto">
           <a:xfrm>
             <a:off x="16814750" y="9461500"/>
             <a:ext cx="659244" cy="656863"/>
@@ -5607,18 +5462,25 @@
   <p:clrMapOvr>
     <a:masterClrMapping/>
   </p:clrMapOvr>
+  <mc:AlternateContent xmlns:mc="http://schemas.openxmlformats.org/markup-compatibility/2006">
+    <mc:Choice xmlns:p159="http://schemas.microsoft.com/office/powerpoint/2015/09/main" xmlns:p14="http://schemas.microsoft.com/office/powerpoint/2010/main" Requires="p159">
+      <p:transition p14:dur="2000" advClick="1"/>
+    </mc:Choice>
+    <mc:Fallback>
+      <p:transition advClick="1"/>
+    </mc:Fallback>
+  </mc:AlternateContent>
 </p:sld>
 </file>
 
 <file path=ppt/slides/slide9.xml><?xml version="1.0" encoding="utf-8"?>
-<p:sld xmlns:a="http://schemas.openxmlformats.org/drawingml/2006/main" xmlns:r="http://schemas.openxmlformats.org/officeDocument/2006/relationships" xmlns:p="http://schemas.openxmlformats.org/presentationml/2006/main">
+<p:sld xmlns:a="http://schemas.openxmlformats.org/drawingml/2006/main" xmlns:r="http://schemas.openxmlformats.org/officeDocument/2006/relationships" xmlns:p="http://schemas.openxmlformats.org/presentationml/2006/main" xmlns:m="http://schemas.openxmlformats.org/officeDocument/2006/math" xmlns:w="http://schemas.openxmlformats.org/wordprocessingml/2006/main" showMasterPhAnim="0" show="1">
   <p:cSld name="Slide 9">
     <p:bg>
-      <p:bgPr>
+      <p:bgPr shadeToTitle="0">
         <a:solidFill>
           <a:srgbClr val="FFFFFF"/>
         </a:solidFill>
-        <a:effectLst/>
       </p:bgPr>
     </p:bg>
     <p:spTree>
@@ -5627,7 +5489,7 @@
         <p:cNvGrpSpPr/>
         <p:nvPr/>
       </p:nvGrpSpPr>
-      <p:grpSpPr>
+      <p:grpSpPr bwMode="auto">
         <a:xfrm>
           <a:off x="0" y="0"/>
           <a:ext cx="0" cy="0"/>
@@ -5641,7 +5503,7 @@
           <p:cNvSpPr/>
           <p:nvPr/>
         </p:nvSpPr>
-        <p:spPr>
+        <p:spPr bwMode="auto">
           <a:xfrm>
             <a:off x="0" y="9317472"/>
             <a:ext cx="18288808" cy="977430"/>
@@ -5663,7 +5525,7 @@
           <p:cNvSpPr/>
           <p:nvPr/>
         </p:nvSpPr>
-        <p:spPr>
+        <p:spPr bwMode="auto">
           <a:xfrm>
             <a:off x="868834" y="9404350"/>
             <a:ext cx="2512583" cy="912383"/>
@@ -5683,21 +5545,22 @@
                 <a:spcPts val="6414"/>
               </a:lnSpc>
               <a:buNone/>
-            </a:pPr>
-            <a:r>
-              <a:rPr lang="en-US" sz="2052" dirty="0">
+              <a:defRPr/>
+            </a:pPr>
+            <a:r>
+              <a:rPr lang="en-US" sz="2050">
                 <a:solidFill>
                   <a:srgbClr val="F9F8F8">
                     <a:alpha val="100000"/>
                   </a:srgbClr>
                 </a:solidFill>
-                <a:latin typeface="Inter Semi Bold" pitchFamily="34" charset="0"/>
-                <a:ea typeface="Inter Semi Bold" pitchFamily="34" charset="-122"/>
-                <a:cs typeface="Inter Semi Bold" pitchFamily="34" charset="-120"/>
+                <a:latin typeface="Inter Semi Bold"/>
+                <a:ea typeface="Inter Semi Bold"/>
+                <a:cs typeface="Inter Semi Bold"/>
               </a:rPr>
               <a:t>08/ План развития</a:t>
             </a:r>
-            <a:endParaRPr lang="en-US" sz="2052" dirty="0"/>
+            <a:endParaRPr lang="en-US" sz="2050"/>
           </a:p>
         </p:txBody>
       </p:sp>
@@ -5707,7 +5570,7 @@
           <p:cNvSpPr/>
           <p:nvPr/>
         </p:nvSpPr>
-        <p:spPr>
+        <p:spPr bwMode="auto">
           <a:xfrm>
             <a:off x="1778000" y="2032000"/>
             <a:ext cx="10515126" cy="1002826"/>
@@ -5727,21 +5590,22 @@
                 <a:spcPts val="6326"/>
               </a:lnSpc>
               <a:buNone/>
-            </a:pPr>
-            <a:r>
-              <a:rPr lang="en-US" sz="4789" dirty="0">
-                <a:solidFill>
-                  <a:srgbClr val="131212">
-                    <a:alpha val="100000"/>
-                  </a:srgbClr>
-                </a:solidFill>
-                <a:latin typeface="Inter Medium" pitchFamily="34" charset="0"/>
-                <a:ea typeface="Inter Medium" pitchFamily="34" charset="-122"/>
-                <a:cs typeface="Inter Medium" pitchFamily="34" charset="-120"/>
+              <a:defRPr/>
+            </a:pPr>
+            <a:r>
+              <a:rPr lang="en-US" sz="4800">
+                <a:solidFill>
+                  <a:srgbClr val="131212">
+                    <a:alpha val="100000"/>
+                  </a:srgbClr>
+                </a:solidFill>
+                <a:latin typeface="Inter Medium"/>
+                <a:ea typeface="Inter Medium"/>
+                <a:cs typeface="Inter Medium"/>
               </a:rPr>
               <a:t>Цели проекта и этапы разработки</a:t>
             </a:r>
-            <a:endParaRPr lang="en-US" sz="4789" dirty="0"/>
+            <a:endParaRPr lang="en-US" sz="4800"/>
           </a:p>
         </p:txBody>
       </p:sp>
@@ -5751,7 +5615,7 @@
           <p:cNvSpPr/>
           <p:nvPr/>
         </p:nvSpPr>
-        <p:spPr>
+        <p:spPr bwMode="auto">
           <a:xfrm>
             <a:off x="1778000" y="3302000"/>
             <a:ext cx="3733800" cy="762000"/>
@@ -5771,21 +5635,22 @@
                 <a:spcPts val="4756"/>
               </a:lnSpc>
               <a:buNone/>
-            </a:pPr>
-            <a:r>
-              <a:rPr lang="en-US" sz="3600" dirty="0">
-                <a:solidFill>
-                  <a:srgbClr val="131212">
-                    <a:alpha val="100000"/>
-                  </a:srgbClr>
-                </a:solidFill>
-                <a:latin typeface="Inter Medium" pitchFamily="34" charset="0"/>
-                <a:ea typeface="Inter Medium" pitchFamily="34" charset="-122"/>
-                <a:cs typeface="Inter Medium" pitchFamily="34" charset="-120"/>
+              <a:defRPr/>
+            </a:pPr>
+            <a:r>
+              <a:rPr lang="en-US" sz="3600">
+                <a:solidFill>
+                  <a:srgbClr val="131212">
+                    <a:alpha val="100000"/>
+                  </a:srgbClr>
+                </a:solidFill>
+                <a:latin typeface="Inter Medium"/>
+                <a:ea typeface="Inter Medium"/>
+                <a:cs typeface="Inter Medium"/>
               </a:rPr>
               <a:t>Краткосрочный</a:t>
             </a:r>
-            <a:endParaRPr lang="en-US" sz="3600" dirty="0"/>
+            <a:endParaRPr lang="en-US" sz="3600"/>
           </a:p>
         </p:txBody>
       </p:sp>
@@ -5795,7 +5660,7 @@
           <p:cNvSpPr/>
           <p:nvPr/>
         </p:nvSpPr>
-        <p:spPr>
+        <p:spPr bwMode="auto">
           <a:xfrm>
             <a:off x="1778000" y="4000500"/>
             <a:ext cx="4572000" cy="3530600"/>
@@ -5815,21 +5680,22 @@
                 <a:spcPts val="3170"/>
               </a:lnSpc>
               <a:buNone/>
-            </a:pPr>
-            <a:r>
-              <a:rPr lang="en-US" sz="2400" dirty="0">
-                <a:solidFill>
-                  <a:srgbClr val="131212">
-                    <a:alpha val="100000"/>
-                  </a:srgbClr>
-                </a:solidFill>
-                <a:latin typeface="Inter Regular" pitchFamily="34" charset="0"/>
-                <a:ea typeface="Inter Regular" pitchFamily="34" charset="-122"/>
-                <a:cs typeface="Inter Regular" pitchFamily="34" charset="-120"/>
+              <a:defRPr/>
+            </a:pPr>
+            <a:r>
+              <a:rPr lang="en-US" sz="2400">
+                <a:solidFill>
+                  <a:srgbClr val="131212">
+                    <a:alpha val="100000"/>
+                  </a:srgbClr>
+                </a:solidFill>
+                <a:latin typeface="Inter Regular"/>
+                <a:ea typeface="Inter Regular"/>
+                <a:cs typeface="Inter Regular"/>
               </a:rPr>
               <a:t> </a:t>
             </a:r>
-            <a:endParaRPr lang="en-US" sz="2400" dirty="0"/>
+            <a:endParaRPr lang="en-US" sz="2400"/>
           </a:p>
           <a:p>
             <a:pPr marL="0" indent="0" algn="l">
@@ -5837,21 +5703,22 @@
                 <a:spcPts val="3170"/>
               </a:lnSpc>
               <a:buNone/>
-            </a:pPr>
-            <a:r>
-              <a:rPr lang="en-US" sz="2400" dirty="0">
-                <a:solidFill>
-                  <a:srgbClr val="131212">
-                    <a:alpha val="100000"/>
-                  </a:srgbClr>
-                </a:solidFill>
-                <a:latin typeface="Inter Regular" pitchFamily="34" charset="0"/>
-                <a:ea typeface="Inter Regular" pitchFamily="34" charset="-122"/>
-                <a:cs typeface="Inter Regular" pitchFamily="34" charset="-120"/>
+              <a:defRPr/>
+            </a:pPr>
+            <a:r>
+              <a:rPr lang="en-US" sz="2400">
+                <a:solidFill>
+                  <a:srgbClr val="131212">
+                    <a:alpha val="100000"/>
+                  </a:srgbClr>
+                </a:solidFill>
+                <a:latin typeface="Inter Regular"/>
+                <a:ea typeface="Inter Regular"/>
+                <a:cs typeface="Inter Regular"/>
               </a:rPr>
               <a:t>Запуск MVP </a:t>
             </a:r>
-            <a:endParaRPr lang="en-US" sz="2400" dirty="0"/>
+            <a:endParaRPr lang="en-US" sz="2400"/>
           </a:p>
           <a:p>
             <a:pPr marL="0" indent="0" algn="l">
@@ -5859,21 +5726,22 @@
                 <a:spcPts val="3170"/>
               </a:lnSpc>
               <a:buNone/>
-            </a:pPr>
-            <a:r>
-              <a:rPr lang="en-US" sz="2400" dirty="0">
-                <a:solidFill>
-                  <a:srgbClr val="131212">
-                    <a:alpha val="100000"/>
-                  </a:srgbClr>
-                </a:solidFill>
-                <a:latin typeface="Inter Regular" pitchFamily="34" charset="0"/>
-                <a:ea typeface="Inter Regular" pitchFamily="34" charset="-122"/>
-                <a:cs typeface="Inter Regular" pitchFamily="34" charset="-120"/>
+              <a:defRPr/>
+            </a:pPr>
+            <a:r>
+              <a:rPr lang="en-US" sz="2400">
+                <a:solidFill>
+                  <a:srgbClr val="131212">
+                    <a:alpha val="100000"/>
+                  </a:srgbClr>
+                </a:solidFill>
+                <a:latin typeface="Inter Regular"/>
+                <a:ea typeface="Inter Regular"/>
+                <a:cs typeface="Inter Regular"/>
               </a:rPr>
               <a:t> </a:t>
             </a:r>
-            <a:endParaRPr lang="en-US" sz="2400" dirty="0"/>
+            <a:endParaRPr lang="en-US" sz="2400"/>
           </a:p>
           <a:p>
             <a:pPr marL="0" indent="0" algn="l">
@@ -5881,21 +5749,22 @@
                 <a:spcPts val="3170"/>
               </a:lnSpc>
               <a:buNone/>
-            </a:pPr>
-            <a:r>
-              <a:rPr lang="en-US" sz="2400" dirty="0">
-                <a:solidFill>
-                  <a:srgbClr val="131212">
-                    <a:alpha val="100000"/>
-                  </a:srgbClr>
-                </a:solidFill>
-                <a:latin typeface="Inter Regular" pitchFamily="34" charset="0"/>
-                <a:ea typeface="Inter Regular" pitchFamily="34" charset="-122"/>
-                <a:cs typeface="Inter Regular" pitchFamily="34" charset="-120"/>
+              <a:defRPr/>
+            </a:pPr>
+            <a:r>
+              <a:rPr lang="en-US" sz="2400">
+                <a:solidFill>
+                  <a:srgbClr val="131212">
+                    <a:alpha val="100000"/>
+                  </a:srgbClr>
+                </a:solidFill>
+                <a:latin typeface="Inter Regular"/>
+                <a:ea typeface="Inter Regular"/>
+                <a:cs typeface="Inter Regular"/>
               </a:rPr>
               <a:t>Сбор обратной связи о функциональности </a:t>
             </a:r>
-            <a:endParaRPr lang="en-US" sz="2400" dirty="0"/>
+            <a:endParaRPr lang="en-US" sz="2400"/>
           </a:p>
         </p:txBody>
       </p:sp>
@@ -5905,10 +5774,10 @@
           <p:cNvSpPr/>
           <p:nvPr/>
         </p:nvSpPr>
-        <p:spPr>
+        <p:spPr bwMode="auto">
           <a:xfrm>
             <a:off x="6426200" y="3302000"/>
-            <a:ext cx="3505200" cy="762000"/>
+            <a:ext cx="3505199" cy="762000"/>
           </a:xfrm>
           <a:prstGeom prst="rect">
             <a:avLst/>
@@ -5925,21 +5794,22 @@
                 <a:spcPts val="4756"/>
               </a:lnSpc>
               <a:buNone/>
-            </a:pPr>
-            <a:r>
-              <a:rPr lang="en-US" sz="3600" dirty="0">
-                <a:solidFill>
-                  <a:srgbClr val="131212">
-                    <a:alpha val="100000"/>
-                  </a:srgbClr>
-                </a:solidFill>
-                <a:latin typeface="Inter Medium" pitchFamily="34" charset="0"/>
-                <a:ea typeface="Inter Medium" pitchFamily="34" charset="-122"/>
-                <a:cs typeface="Inter Medium" pitchFamily="34" charset="-120"/>
+              <a:defRPr/>
+            </a:pPr>
+            <a:r>
+              <a:rPr lang="en-US" sz="3600">
+                <a:solidFill>
+                  <a:srgbClr val="131212">
+                    <a:alpha val="100000"/>
+                  </a:srgbClr>
+                </a:solidFill>
+                <a:latin typeface="Inter Medium"/>
+                <a:ea typeface="Inter Medium"/>
+                <a:cs typeface="Inter Medium"/>
               </a:rPr>
               <a:t>Долгосрочный</a:t>
             </a:r>
-            <a:endParaRPr lang="en-US" sz="3600" dirty="0"/>
+            <a:endParaRPr lang="en-US" sz="3600"/>
           </a:p>
         </p:txBody>
       </p:sp>
@@ -5949,7 +5819,7 @@
           <p:cNvSpPr/>
           <p:nvPr/>
         </p:nvSpPr>
-        <p:spPr>
+        <p:spPr bwMode="auto">
           <a:xfrm>
             <a:off x="6426200" y="4000500"/>
             <a:ext cx="6883400" cy="3644900"/>
@@ -5969,21 +5839,22 @@
                 <a:spcPts val="3170"/>
               </a:lnSpc>
               <a:buNone/>
-            </a:pPr>
-            <a:r>
-              <a:rPr lang="en-US" sz="2400" dirty="0">
-                <a:solidFill>
-                  <a:srgbClr val="131212">
-                    <a:alpha val="100000"/>
-                  </a:srgbClr>
-                </a:solidFill>
-                <a:latin typeface="Inter Regular" pitchFamily="34" charset="0"/>
-                <a:ea typeface="Inter Regular" pitchFamily="34" charset="-122"/>
-                <a:cs typeface="Inter Regular" pitchFamily="34" charset="-120"/>
+              <a:defRPr/>
+            </a:pPr>
+            <a:r>
+              <a:rPr lang="en-US" sz="2400">
+                <a:solidFill>
+                  <a:srgbClr val="131212">
+                    <a:alpha val="100000"/>
+                  </a:srgbClr>
+                </a:solidFill>
+                <a:latin typeface="Inter Regular"/>
+                <a:ea typeface="Inter Regular"/>
+                <a:cs typeface="Inter Regular"/>
               </a:rPr>
               <a:t> </a:t>
             </a:r>
-            <a:endParaRPr lang="en-US" sz="2400" dirty="0"/>
+            <a:endParaRPr lang="en-US" sz="2400"/>
           </a:p>
           <a:p>
             <a:pPr marL="0" indent="0" algn="l">
@@ -5991,21 +5862,35 @@
                 <a:spcPts val="3170"/>
               </a:lnSpc>
               <a:buNone/>
-            </a:pPr>
-            <a:r>
-              <a:rPr lang="en-US" sz="2400" dirty="0">
-                <a:solidFill>
-                  <a:srgbClr val="131212">
-                    <a:alpha val="100000"/>
-                  </a:srgbClr>
-                </a:solidFill>
-                <a:latin typeface="Inter Regular" pitchFamily="34" charset="0"/>
-                <a:ea typeface="Inter Regular" pitchFamily="34" charset="-122"/>
-                <a:cs typeface="Inter Regular" pitchFamily="34" charset="-120"/>
-              </a:rPr>
-              <a:t>Масшабируемость для других городов</a:t>
-            </a:r>
-            <a:endParaRPr lang="en-US" sz="2400" dirty="0"/>
+              <a:defRPr/>
+            </a:pPr>
+            <a:r>
+              <a:rPr lang="en-US" sz="2400">
+                <a:solidFill>
+                  <a:srgbClr val="131212">
+                    <a:alpha val="100000"/>
+                  </a:srgbClr>
+                </a:solidFill>
+                <a:latin typeface="Inter Regular"/>
+                <a:ea typeface="Inter Regular"/>
+                <a:cs typeface="Inter Regular"/>
+              </a:rPr>
+              <a:t>Введение</a:t>
+            </a:r>
+            <a:r>
+              <a:rPr lang="en-US" sz="2400">
+                <a:solidFill>
+                  <a:srgbClr val="131212">
+                    <a:alpha val="100000"/>
+                  </a:srgbClr>
+                </a:solidFill>
+                <a:latin typeface="Inter Regular"/>
+                <a:ea typeface="Inter Regular"/>
+                <a:cs typeface="Inter Regular"/>
+              </a:rPr>
+              <a:t> рейтинговой системы</a:t>
+            </a:r>
+            <a:endParaRPr lang="en-US" sz="2400"/>
           </a:p>
           <a:p>
             <a:pPr marL="0" indent="0" algn="l">
@@ -6013,21 +5898,22 @@
                 <a:spcPts val="3170"/>
               </a:lnSpc>
               <a:buNone/>
-            </a:pPr>
-            <a:r>
-              <a:rPr lang="en-US" sz="2400" dirty="0">
-                <a:solidFill>
-                  <a:srgbClr val="131212">
-                    <a:alpha val="100000"/>
-                  </a:srgbClr>
-                </a:solidFill>
-                <a:latin typeface="Inter Regular" pitchFamily="34" charset="0"/>
-                <a:ea typeface="Inter Regular" pitchFamily="34" charset="-122"/>
-                <a:cs typeface="Inter Regular" pitchFamily="34" charset="-120"/>
+              <a:defRPr/>
+            </a:pPr>
+            <a:r>
+              <a:rPr lang="en-US" sz="2400">
+                <a:solidFill>
+                  <a:srgbClr val="131212">
+                    <a:alpha val="100000"/>
+                  </a:srgbClr>
+                </a:solidFill>
+                <a:latin typeface="Inter Regular"/>
+                <a:ea typeface="Inter Regular"/>
+                <a:cs typeface="Inter Regular"/>
               </a:rPr>
               <a:t> </a:t>
             </a:r>
-            <a:endParaRPr lang="en-US" sz="2400" dirty="0"/>
+            <a:endParaRPr lang="en-US" sz="2400"/>
           </a:p>
           <a:p>
             <a:pPr marL="0" indent="0" algn="l">
@@ -6035,65 +5921,22 @@
                 <a:spcPts val="3170"/>
               </a:lnSpc>
               <a:buNone/>
-            </a:pPr>
-            <a:r>
-              <a:rPr lang="en-US" sz="2400" dirty="0">
-                <a:solidFill>
-                  <a:srgbClr val="131212">
-                    <a:alpha val="100000"/>
-                  </a:srgbClr>
-                </a:solidFill>
-                <a:latin typeface="Inter Regular" pitchFamily="34" charset="0"/>
-                <a:ea typeface="Inter Regular" pitchFamily="34" charset="-122"/>
-                <a:cs typeface="Inter Regular" pitchFamily="34" charset="-120"/>
-              </a:rPr>
-              <a:t>Введение рейтинговой системы</a:t>
-            </a:r>
-            <a:endParaRPr lang="en-US" sz="2400" dirty="0"/>
-          </a:p>
-          <a:p>
-            <a:pPr marL="0" indent="0" algn="l">
-              <a:lnSpc>
-                <a:spcPts val="3170"/>
-              </a:lnSpc>
-              <a:buNone/>
-            </a:pPr>
-            <a:r>
-              <a:rPr lang="en-US" sz="2400" dirty="0">
-                <a:solidFill>
-                  <a:srgbClr val="131212">
-                    <a:alpha val="100000"/>
-                  </a:srgbClr>
-                </a:solidFill>
-                <a:latin typeface="Inter Regular" pitchFamily="34" charset="0"/>
-                <a:ea typeface="Inter Regular" pitchFamily="34" charset="-122"/>
-                <a:cs typeface="Inter Regular" pitchFamily="34" charset="-120"/>
-              </a:rPr>
-              <a:t> </a:t>
-            </a:r>
-            <a:endParaRPr lang="en-US" sz="2400" dirty="0"/>
-          </a:p>
-          <a:p>
-            <a:pPr marL="0" indent="0" algn="l">
-              <a:lnSpc>
-                <a:spcPts val="3170"/>
-              </a:lnSpc>
-              <a:buNone/>
-            </a:pPr>
-            <a:r>
-              <a:rPr lang="en-US" sz="2400" dirty="0">
-                <a:solidFill>
-                  <a:srgbClr val="131212">
-                    <a:alpha val="100000"/>
-                  </a:srgbClr>
-                </a:solidFill>
-                <a:latin typeface="Inter Regular" pitchFamily="34" charset="0"/>
-                <a:ea typeface="Inter Regular" pitchFamily="34" charset="-122"/>
-                <a:cs typeface="Inter Regular" pitchFamily="34" charset="-120"/>
+              <a:defRPr/>
+            </a:pPr>
+            <a:r>
+              <a:rPr lang="en-US" sz="2400">
+                <a:solidFill>
+                  <a:srgbClr val="131212">
+                    <a:alpha val="100000"/>
+                  </a:srgbClr>
+                </a:solidFill>
+                <a:latin typeface="Inter Regular"/>
+                <a:ea typeface="Inter Regular"/>
+                <a:cs typeface="Inter Regular"/>
               </a:rPr>
               <a:t>Отчеты о состоянии оборудования</a:t>
             </a:r>
-            <a:endParaRPr lang="en-US" sz="2400" dirty="0"/>
+            <a:endParaRPr lang="en-US" sz="2400"/>
           </a:p>
         </p:txBody>
       </p:sp>
@@ -6103,7 +5946,7 @@
           <p:cNvSpPr/>
           <p:nvPr/>
         </p:nvSpPr>
-        <p:spPr>
+        <p:spPr bwMode="auto">
           <a:xfrm>
             <a:off x="1778000" y="1016000"/>
             <a:ext cx="4619264" cy="557497"/>
@@ -6120,21 +5963,22 @@
           <a:p>
             <a:pPr marL="0" indent="0" algn="l">
               <a:buNone/>
-            </a:pPr>
-            <a:r>
-              <a:rPr lang="en-US" sz="3421" dirty="0">
+              <a:defRPr/>
+            </a:pPr>
+            <a:r>
+              <a:rPr lang="en-US" sz="3400">
                 <a:solidFill>
                   <a:srgbClr val="C4C4C4">
                     <a:alpha val="100000"/>
                   </a:srgbClr>
                 </a:solidFill>
-                <a:latin typeface="Inter Medium" pitchFamily="34" charset="0"/>
-                <a:ea typeface="Inter Medium" pitchFamily="34" charset="-122"/>
-                <a:cs typeface="Inter Medium" pitchFamily="34" charset="-120"/>
+                <a:latin typeface="Inter Medium"/>
+                <a:ea typeface="Inter Medium"/>
+                <a:cs typeface="Inter Medium"/>
               </a:rPr>
               <a:t>План развития</a:t>
             </a:r>
-            <a:endParaRPr lang="en-US" sz="3421" dirty="0"/>
+            <a:endParaRPr lang="en-US" sz="3400"/>
           </a:p>
         </p:txBody>
       </p:sp>
@@ -6147,18 +5991,10 @@
           <p:nvPr/>
         </p:nvPicPr>
         <p:blipFill>
-          <a:blip r:embed="rId3">
-            <a:extLst>
-              <a:ext uri="{96DAC541-7B7A-43D3-8B79-37D633B846F1}">
-                <asvg:svgBlip xmlns:asvg="http://schemas.microsoft.com/office/drawing/2016/SVG/main" r:embed="rId4"/>
-              </a:ext>
-            </a:extLst>
-          </a:blip>
-          <a:stretch>
-            <a:fillRect/>
-          </a:stretch>
+          <a:blip r:embed="rId3"/>
+          <a:stretch/>
         </p:blipFill>
-        <p:spPr>
+        <p:spPr bwMode="auto">
           <a:xfrm>
             <a:off x="16814800" y="9453128"/>
             <a:ext cx="659247" cy="656862"/>
@@ -6177,12 +6013,10 @@
           <p:nvPr/>
         </p:nvPicPr>
         <p:blipFill>
-          <a:blip r:embed="rId5"/>
-          <a:stretch>
-            <a:fillRect/>
-          </a:stretch>
+          <a:blip r:embed="rId4"/>
+          <a:stretch/>
         </p:blipFill>
-        <p:spPr>
+        <p:spPr bwMode="auto">
           <a:xfrm>
             <a:off x="16814800" y="9453128"/>
             <a:ext cx="659244" cy="656863"/>
@@ -6197,11 +6031,19 @@
   <p:clrMapOvr>
     <a:masterClrMapping/>
   </p:clrMapOvr>
+  <mc:AlternateContent xmlns:mc="http://schemas.openxmlformats.org/markup-compatibility/2006">
+    <mc:Choice xmlns:p159="http://schemas.microsoft.com/office/powerpoint/2015/09/main" xmlns:p14="http://schemas.microsoft.com/office/powerpoint/2010/main" Requires="p159">
+      <p:transition p14:dur="2000" advClick="1"/>
+    </mc:Choice>
+    <mc:Fallback>
+      <p:transition advClick="1"/>
+    </mc:Fallback>
+  </mc:AlternateContent>
 </p:sld>
 </file>
 
 <file path=ppt/theme/theme1.xml><?xml version="1.0" encoding="utf-8"?>
-<a:theme xmlns:a="http://schemas.openxmlformats.org/drawingml/2006/main" name="Office Theme">
+<a:theme xmlns:a="http://schemas.openxmlformats.org/drawingml/2006/main" xmlns:r="http://schemas.openxmlformats.org/officeDocument/2006/relationships" xmlns:p="http://schemas.openxmlformats.org/presentationml/2006/main" name="Office Theme">
   <a:themeElements>
     <a:clrScheme name="Office">
       <a:dk1>
@@ -6243,108 +6085,14 @@
     </a:clrScheme>
     <a:fontScheme name="Office">
       <a:majorFont>
-        <a:latin typeface="Calibri Light" panose="020F0302020204030204"/>
-        <a:ea typeface=""/>
-        <a:cs typeface=""/>
-        <a:font script="Jpan" typeface="游ゴシック Light"/>
-        <a:font script="Hang" typeface="맑은 고딕"/>
-        <a:font script="Hans" typeface="等线 Light"/>
-        <a:font script="Hant" typeface="新細明體"/>
-        <a:font script="Arab" typeface="Times New Roman"/>
-        <a:font script="Hebr" typeface="Times New Roman"/>
-        <a:font script="Thai" typeface="Angsana New"/>
-        <a:font script="Ethi" typeface="Nyala"/>
-        <a:font script="Beng" typeface="Vrinda"/>
-        <a:font script="Gujr" typeface="Shruti"/>
-        <a:font script="Khmr" typeface="MoolBoran"/>
-        <a:font script="Knda" typeface="Tunga"/>
-        <a:font script="Guru" typeface="Raavi"/>
-        <a:font script="Cans" typeface="Euphemia"/>
-        <a:font script="Cher" typeface="Plantagenet Cherokee"/>
-        <a:font script="Yiii" typeface="Microsoft Yi Baiti"/>
-        <a:font script="Tibt" typeface="Microsoft Himalaya"/>
-        <a:font script="Thaa" typeface="MV Boli"/>
-        <a:font script="Deva" typeface="Mangal"/>
-        <a:font script="Telu" typeface="Gautami"/>
-        <a:font script="Taml" typeface="Latha"/>
-        <a:font script="Syrc" typeface="Estrangelo Edessa"/>
-        <a:font script="Orya" typeface="Kalinga"/>
-        <a:font script="Mlym" typeface="Kartika"/>
-        <a:font script="Laoo" typeface="DokChampa"/>
-        <a:font script="Sinh" typeface="Iskoola Pota"/>
-        <a:font script="Mong" typeface="Mongolian Baiti"/>
-        <a:font script="Viet" typeface="Times New Roman"/>
-        <a:font script="Uigh" typeface="Microsoft Uighur"/>
-        <a:font script="Geor" typeface="Sylfaen"/>
-        <a:font script="Armn" typeface="Arial"/>
-        <a:font script="Bugi" typeface="Leelawadee UI"/>
-        <a:font script="Bopo" typeface="Microsoft JhengHei"/>
-        <a:font script="Java" typeface="Javanese Text"/>
-        <a:font script="Lisu" typeface="Segoe UI"/>
-        <a:font script="Mymr" typeface="Myanmar Text"/>
-        <a:font script="Nkoo" typeface="Ebrima"/>
-        <a:font script="Olck" typeface="Nirmala UI"/>
-        <a:font script="Osma" typeface="Ebrima"/>
-        <a:font script="Phag" typeface="Phagspa"/>
-        <a:font script="Syrn" typeface="Estrangelo Edessa"/>
-        <a:font script="Syrj" typeface="Estrangelo Edessa"/>
-        <a:font script="Syre" typeface="Estrangelo Edessa"/>
-        <a:font script="Sora" typeface="Nirmala UI"/>
-        <a:font script="Tale" typeface="Microsoft Tai Le"/>
-        <a:font script="Talu" typeface="Microsoft New Tai Lue"/>
-        <a:font script="Tfng" typeface="Ebrima"/>
+        <a:latin typeface="Calibri Light"/>
+        <a:ea typeface="Arial"/>
+        <a:cs typeface="Arial"/>
       </a:majorFont>
       <a:minorFont>
-        <a:latin typeface="Calibri" panose="020F0502020204030204"/>
-        <a:ea typeface=""/>
-        <a:cs typeface=""/>
-        <a:font script="Jpan" typeface="游ゴシック"/>
-        <a:font script="Hang" typeface="맑은 고딕"/>
-        <a:font script="Hans" typeface="等线"/>
-        <a:font script="Hant" typeface="新細明體"/>
-        <a:font script="Arab" typeface="Arial"/>
-        <a:font script="Hebr" typeface="Arial"/>
-        <a:font script="Thai" typeface="Cordia New"/>
-        <a:font script="Ethi" typeface="Nyala"/>
-        <a:font script="Beng" typeface="Vrinda"/>
-        <a:font script="Gujr" typeface="Shruti"/>
-        <a:font script="Khmr" typeface="DaunPenh"/>
-        <a:font script="Knda" typeface="Tunga"/>
-        <a:font script="Guru" typeface="Raavi"/>
-        <a:font script="Cans" typeface="Euphemia"/>
-        <a:font script="Cher" typeface="Plantagenet Cherokee"/>
-        <a:font script="Yiii" typeface="Microsoft Yi Baiti"/>
-        <a:font script="Tibt" typeface="Microsoft Himalaya"/>
-        <a:font script="Thaa" typeface="MV Boli"/>
-        <a:font script="Deva" typeface="Mangal"/>
-        <a:font script="Telu" typeface="Gautami"/>
-        <a:font script="Taml" typeface="Latha"/>
-        <a:font script="Syrc" typeface="Estrangelo Edessa"/>
-        <a:font script="Orya" typeface="Kalinga"/>
-        <a:font script="Mlym" typeface="Kartika"/>
-        <a:font script="Laoo" typeface="DokChampa"/>
-        <a:font script="Sinh" typeface="Iskoola Pota"/>
-        <a:font script="Mong" typeface="Mongolian Baiti"/>
-        <a:font script="Viet" typeface="Arial"/>
-        <a:font script="Uigh" typeface="Microsoft Uighur"/>
-        <a:font script="Geor" typeface="Sylfaen"/>
-        <a:font script="Armn" typeface="Arial"/>
-        <a:font script="Bugi" typeface="Leelawadee UI"/>
-        <a:font script="Bopo" typeface="Microsoft JhengHei"/>
-        <a:font script="Java" typeface="Javanese Text"/>
-        <a:font script="Lisu" typeface="Segoe UI"/>
-        <a:font script="Mymr" typeface="Myanmar Text"/>
-        <a:font script="Nkoo" typeface="Ebrima"/>
-        <a:font script="Olck" typeface="Nirmala UI"/>
-        <a:font script="Osma" typeface="Ebrima"/>
-        <a:font script="Phag" typeface="Phagspa"/>
-        <a:font script="Syrn" typeface="Estrangelo Edessa"/>
-        <a:font script="Syrj" typeface="Estrangelo Edessa"/>
-        <a:font script="Syre" typeface="Estrangelo Edessa"/>
-        <a:font script="Sora" typeface="Nirmala UI"/>
-        <a:font script="Tale" typeface="Microsoft Tai Le"/>
-        <a:font script="Talu" typeface="Microsoft New Tai Lue"/>
-        <a:font script="Tfng" typeface="Ebrima"/>
+        <a:latin typeface="Calibri"/>
+        <a:ea typeface="Arial"/>
+        <a:cs typeface="Arial"/>
       </a:minorFont>
     </a:fontScheme>
     <a:fmtScheme name="Office">
@@ -6352,7 +6100,7 @@
         <a:solidFill>
           <a:schemeClr val="phClr"/>
         </a:solidFill>
-        <a:gradFill rotWithShape="1">
+        <a:gradFill>
           <a:gsLst>
             <a:gs pos="0">
               <a:schemeClr val="phClr">
@@ -6378,7 +6126,7 @@
           </a:gsLst>
           <a:lin ang="5400000" scaled="0"/>
         </a:gradFill>
-        <a:gradFill rotWithShape="1">
+        <a:gradFill>
           <a:gsLst>
             <a:gs pos="0">
               <a:schemeClr val="phClr">
@@ -6430,16 +6178,28 @@
       </a:lnStyleLst>
       <a:effectStyleLst>
         <a:effectStyle>
-          <a:effectLst/>
-        </a:effectStyle>
-        <a:effectStyle>
-          <a:effectLst/>
+          <a:effectLst>
+            <a:outerShdw blurRad="40000" dist="20000" dir="5400000" rotWithShape="0">
+              <a:srgbClr val="000000">
+                <a:alpha val="38000"/>
+              </a:srgbClr>
+            </a:outerShdw>
+          </a:effectLst>
         </a:effectStyle>
         <a:effectStyle>
           <a:effectLst>
-            <a:outerShdw blurRad="57150" dist="19050" dir="5400000" algn="ctr" rotWithShape="0">
+            <a:outerShdw blurRad="40000" dist="23000" dir="5400000" rotWithShape="0">
               <a:srgbClr val="000000">
-                <a:alpha val="63000"/>
+                <a:alpha val="35000"/>
+              </a:srgbClr>
+            </a:outerShdw>
+          </a:effectLst>
+        </a:effectStyle>
+        <a:effectStyle>
+          <a:effectLst>
+            <a:outerShdw blurRad="40000" dist="23000" dir="5400000" rotWithShape="0">
+              <a:srgbClr val="000000">
+                <a:alpha val="35000"/>
               </a:srgbClr>
             </a:outerShdw>
           </a:effectLst>
@@ -6455,7 +6215,7 @@
             <a:satMod val="170000"/>
           </a:schemeClr>
         </a:solidFill>
-        <a:gradFill rotWithShape="1">
+        <a:gradFill>
           <a:gsLst>
             <a:gs pos="0">
               <a:schemeClr val="phClr">
@@ -6486,17 +6246,11 @@
     </a:fmtScheme>
   </a:themeElements>
   <a:objectDefaults/>
-  <a:extraClrSchemeLst/>
-  <a:extLst>
-    <a:ext uri="{05A4C25C-085E-4340-85A3-A5531E510DB2}">
-      <thm15:themeFamily xmlns:thm15="http://schemas.microsoft.com/office/thememl/2012/main" name="Office Theme" id="{62F939B6-93AF-4DB8-9C6B-D6C7DFDC589F}" vid="{4A3C46E8-61CC-4603-A589-7422A47A8E4A}"/>
-    </a:ext>
-  </a:extLst>
 </a:theme>
 </file>
 
 <file path=ppt/theme/theme2.xml><?xml version="1.0" encoding="utf-8"?>
-<a:theme xmlns:a="http://schemas.openxmlformats.org/drawingml/2006/main" name="Тема Office">
+<a:theme xmlns:a="http://schemas.openxmlformats.org/drawingml/2006/main" xmlns:r="http://schemas.openxmlformats.org/officeDocument/2006/relationships" xmlns:p="http://schemas.openxmlformats.org/presentationml/2006/main" name="Тема Office">
   <a:themeElements>
     <a:clrScheme name="Стандартная">
       <a:dk1>
@@ -6538,108 +6292,14 @@
     </a:clrScheme>
     <a:fontScheme name="Стандартная">
       <a:majorFont>
-        <a:latin typeface="Calibri Light" panose="020F0302020204030204"/>
-        <a:ea typeface=""/>
-        <a:cs typeface=""/>
-        <a:font script="Jpan" typeface="游ゴシック Light"/>
-        <a:font script="Hang" typeface="맑은 고딕"/>
-        <a:font script="Hans" typeface="等线 Light"/>
-        <a:font script="Hant" typeface="新細明體"/>
-        <a:font script="Arab" typeface="Times New Roman"/>
-        <a:font script="Hebr" typeface="Times New Roman"/>
-        <a:font script="Thai" typeface="Angsana New"/>
-        <a:font script="Ethi" typeface="Nyala"/>
-        <a:font script="Beng" typeface="Vrinda"/>
-        <a:font script="Gujr" typeface="Shruti"/>
-        <a:font script="Khmr" typeface="MoolBoran"/>
-        <a:font script="Knda" typeface="Tunga"/>
-        <a:font script="Guru" typeface="Raavi"/>
-        <a:font script="Cans" typeface="Euphemia"/>
-        <a:font script="Cher" typeface="Plantagenet Cherokee"/>
-        <a:font script="Yiii" typeface="Microsoft Yi Baiti"/>
-        <a:font script="Tibt" typeface="Microsoft Himalaya"/>
-        <a:font script="Thaa" typeface="MV Boli"/>
-        <a:font script="Deva" typeface="Mangal"/>
-        <a:font script="Telu" typeface="Gautami"/>
-        <a:font script="Taml" typeface="Latha"/>
-        <a:font script="Syrc" typeface="Estrangelo Edessa"/>
-        <a:font script="Orya" typeface="Kalinga"/>
-        <a:font script="Mlym" typeface="Kartika"/>
-        <a:font script="Laoo" typeface="DokChampa"/>
-        <a:font script="Sinh" typeface="Iskoola Pota"/>
-        <a:font script="Mong" typeface="Mongolian Baiti"/>
-        <a:font script="Viet" typeface="Times New Roman"/>
-        <a:font script="Uigh" typeface="Microsoft Uighur"/>
-        <a:font script="Geor" typeface="Sylfaen"/>
-        <a:font script="Armn" typeface="Arial"/>
-        <a:font script="Bugi" typeface="Leelawadee UI"/>
-        <a:font script="Bopo" typeface="Microsoft JhengHei"/>
-        <a:font script="Java" typeface="Javanese Text"/>
-        <a:font script="Lisu" typeface="Segoe UI"/>
-        <a:font script="Mymr" typeface="Myanmar Text"/>
-        <a:font script="Nkoo" typeface="Ebrima"/>
-        <a:font script="Olck" typeface="Nirmala UI"/>
-        <a:font script="Osma" typeface="Ebrima"/>
-        <a:font script="Phag" typeface="Phagspa"/>
-        <a:font script="Syrn" typeface="Estrangelo Edessa"/>
-        <a:font script="Syrj" typeface="Estrangelo Edessa"/>
-        <a:font script="Syre" typeface="Estrangelo Edessa"/>
-        <a:font script="Sora" typeface="Nirmala UI"/>
-        <a:font script="Tale" typeface="Microsoft Tai Le"/>
-        <a:font script="Talu" typeface="Microsoft New Tai Lue"/>
-        <a:font script="Tfng" typeface="Ebrima"/>
+        <a:latin typeface="Calibri Light"/>
+        <a:ea typeface="Arial"/>
+        <a:cs typeface="Arial"/>
       </a:majorFont>
       <a:minorFont>
-        <a:latin typeface="Calibri" panose="020F0502020204030204"/>
-        <a:ea typeface=""/>
-        <a:cs typeface=""/>
-        <a:font script="Jpan" typeface="游ゴシック"/>
-        <a:font script="Hang" typeface="맑은 고딕"/>
-        <a:font script="Hans" typeface="等线"/>
-        <a:font script="Hant" typeface="新細明體"/>
-        <a:font script="Arab" typeface="Arial"/>
-        <a:font script="Hebr" typeface="Arial"/>
-        <a:font script="Thai" typeface="Cordia New"/>
-        <a:font script="Ethi" typeface="Nyala"/>
-        <a:font script="Beng" typeface="Vrinda"/>
-        <a:font script="Gujr" typeface="Shruti"/>
-        <a:font script="Khmr" typeface="DaunPenh"/>
-        <a:font script="Knda" typeface="Tunga"/>
-        <a:font script="Guru" typeface="Raavi"/>
-        <a:font script="Cans" typeface="Euphemia"/>
-        <a:font script="Cher" typeface="Plantagenet Cherokee"/>
-        <a:font script="Yiii" typeface="Microsoft Yi Baiti"/>
-        <a:font script="Tibt" typeface="Microsoft Himalaya"/>
-        <a:font script="Thaa" typeface="MV Boli"/>
-        <a:font script="Deva" typeface="Mangal"/>
-        <a:font script="Telu" typeface="Gautami"/>
-        <a:font script="Taml" typeface="Latha"/>
-        <a:font script="Syrc" typeface="Estrangelo Edessa"/>
-        <a:font script="Orya" typeface="Kalinga"/>
-        <a:font script="Mlym" typeface="Kartika"/>
-        <a:font script="Laoo" typeface="DokChampa"/>
-        <a:font script="Sinh" typeface="Iskoola Pota"/>
-        <a:font script="Mong" typeface="Mongolian Baiti"/>
-        <a:font script="Viet" typeface="Arial"/>
-        <a:font script="Uigh" typeface="Microsoft Uighur"/>
-        <a:font script="Geor" typeface="Sylfaen"/>
-        <a:font script="Armn" typeface="Arial"/>
-        <a:font script="Bugi" typeface="Leelawadee UI"/>
-        <a:font script="Bopo" typeface="Microsoft JhengHei"/>
-        <a:font script="Java" typeface="Javanese Text"/>
-        <a:font script="Lisu" typeface="Segoe UI"/>
-        <a:font script="Mymr" typeface="Myanmar Text"/>
-        <a:font script="Nkoo" typeface="Ebrima"/>
-        <a:font script="Olck" typeface="Nirmala UI"/>
-        <a:font script="Osma" typeface="Ebrima"/>
-        <a:font script="Phag" typeface="Phagspa"/>
-        <a:font script="Syrn" typeface="Estrangelo Edessa"/>
-        <a:font script="Syrj" typeface="Estrangelo Edessa"/>
-        <a:font script="Syre" typeface="Estrangelo Edessa"/>
-        <a:font script="Sora" typeface="Nirmala UI"/>
-        <a:font script="Tale" typeface="Microsoft Tai Le"/>
-        <a:font script="Talu" typeface="Microsoft New Tai Lue"/>
-        <a:font script="Tfng" typeface="Ebrima"/>
+        <a:latin typeface="Calibri"/>
+        <a:ea typeface="Arial"/>
+        <a:cs typeface="Arial"/>
       </a:minorFont>
     </a:fontScheme>
     <a:fmtScheme name="Стандартная">
@@ -6647,7 +6307,7 @@
         <a:solidFill>
           <a:schemeClr val="phClr"/>
         </a:solidFill>
-        <a:gradFill rotWithShape="1">
+        <a:gradFill>
           <a:gsLst>
             <a:gs pos="0">
               <a:schemeClr val="phClr">
@@ -6673,7 +6333,7 @@
           </a:gsLst>
           <a:lin ang="5400000" scaled="0"/>
         </a:gradFill>
-        <a:gradFill rotWithShape="1">
+        <a:gradFill>
           <a:gsLst>
             <a:gs pos="0">
               <a:schemeClr val="phClr">
@@ -6725,16 +6385,28 @@
       </a:lnStyleLst>
       <a:effectStyleLst>
         <a:effectStyle>
-          <a:effectLst/>
-        </a:effectStyle>
-        <a:effectStyle>
-          <a:effectLst/>
+          <a:effectLst>
+            <a:outerShdw blurRad="40000" dist="20000" dir="5400000" rotWithShape="0">
+              <a:srgbClr val="000000">
+                <a:alpha val="38000"/>
+              </a:srgbClr>
+            </a:outerShdw>
+          </a:effectLst>
         </a:effectStyle>
         <a:effectStyle>
           <a:effectLst>
-            <a:outerShdw blurRad="57150" dist="19050" dir="5400000" algn="ctr" rotWithShape="0">
+            <a:outerShdw blurRad="40000" dist="23000" dir="5400000" rotWithShape="0">
               <a:srgbClr val="000000">
-                <a:alpha val="63000"/>
+                <a:alpha val="35000"/>
+              </a:srgbClr>
+            </a:outerShdw>
+          </a:effectLst>
+        </a:effectStyle>
+        <a:effectStyle>
+          <a:effectLst>
+            <a:outerShdw blurRad="40000" dist="23000" dir="5400000" rotWithShape="0">
+              <a:srgbClr val="000000">
+                <a:alpha val="35000"/>
               </a:srgbClr>
             </a:outerShdw>
           </a:effectLst>
@@ -6750,7 +6422,7 @@
             <a:satMod val="170000"/>
           </a:schemeClr>
         </a:solidFill>
-        <a:gradFill rotWithShape="1">
+        <a:gradFill>
           <a:gsLst>
             <a:gs pos="0">
               <a:schemeClr val="phClr">
@@ -6781,11 +6453,5 @@
     </a:fmtScheme>
   </a:themeElements>
   <a:objectDefaults/>
-  <a:extraClrSchemeLst/>
-  <a:extLst>
-    <a:ext uri="{05A4C25C-085E-4340-85A3-A5531E510DB2}">
-      <thm15:themeFamily xmlns:thm15="http://schemas.microsoft.com/office/thememl/2012/main" name="Office Theme" id="{62F939B6-93AF-4DB8-9C6B-D6C7DFDC589F}" vid="{4A3C46E8-61CC-4603-A589-7422A47A8E4A}"/>
-    </a:ext>
-  </a:extLst>
 </a:theme>
 </file>